--- a/proyecto panaderia fruto pan.pptx
+++ b/proyecto panaderia fruto pan.pptx
@@ -5,39 +5,40 @@
     <p:sldMasterId id="2147483661" r:id="rId1"/>
   </p:sldMasterIdLst>
   <p:notesMasterIdLst>
-    <p:notesMasterId r:id="rId32"/>
+    <p:notesMasterId r:id="rId33"/>
   </p:notesMasterIdLst>
   <p:sldIdLst>
     <p:sldId id="256" r:id="rId2"/>
-    <p:sldId id="282" r:id="rId3"/>
-    <p:sldId id="264" r:id="rId4"/>
-    <p:sldId id="257" r:id="rId5"/>
-    <p:sldId id="258" r:id="rId6"/>
-    <p:sldId id="273" r:id="rId7"/>
-    <p:sldId id="265" r:id="rId8"/>
-    <p:sldId id="274" r:id="rId9"/>
-    <p:sldId id="263" r:id="rId10"/>
+    <p:sldId id="257" r:id="rId3"/>
+    <p:sldId id="258" r:id="rId4"/>
+    <p:sldId id="273" r:id="rId5"/>
+    <p:sldId id="274" r:id="rId6"/>
+    <p:sldId id="263" r:id="rId7"/>
+    <p:sldId id="282" r:id="rId8"/>
+    <p:sldId id="264" r:id="rId9"/>
+    <p:sldId id="265" r:id="rId10"/>
     <p:sldId id="275" r:id="rId11"/>
     <p:sldId id="266" r:id="rId12"/>
-    <p:sldId id="283" r:id="rId13"/>
-    <p:sldId id="294" r:id="rId14"/>
-    <p:sldId id="276" r:id="rId15"/>
-    <p:sldId id="270" r:id="rId16"/>
-    <p:sldId id="277" r:id="rId17"/>
-    <p:sldId id="271" r:id="rId18"/>
-    <p:sldId id="278" r:id="rId19"/>
-    <p:sldId id="279" r:id="rId20"/>
-    <p:sldId id="280" r:id="rId21"/>
-    <p:sldId id="281" r:id="rId22"/>
-    <p:sldId id="285" r:id="rId23"/>
-    <p:sldId id="287" r:id="rId24"/>
-    <p:sldId id="290" r:id="rId25"/>
-    <p:sldId id="291" r:id="rId26"/>
-    <p:sldId id="292" r:id="rId27"/>
-    <p:sldId id="293" r:id="rId28"/>
-    <p:sldId id="288" r:id="rId29"/>
-    <p:sldId id="286" r:id="rId30"/>
-    <p:sldId id="289" r:id="rId31"/>
+    <p:sldId id="295" r:id="rId13"/>
+    <p:sldId id="283" r:id="rId14"/>
+    <p:sldId id="294" r:id="rId15"/>
+    <p:sldId id="276" r:id="rId16"/>
+    <p:sldId id="270" r:id="rId17"/>
+    <p:sldId id="277" r:id="rId18"/>
+    <p:sldId id="271" r:id="rId19"/>
+    <p:sldId id="278" r:id="rId20"/>
+    <p:sldId id="279" r:id="rId21"/>
+    <p:sldId id="280" r:id="rId22"/>
+    <p:sldId id="281" r:id="rId23"/>
+    <p:sldId id="285" r:id="rId24"/>
+    <p:sldId id="287" r:id="rId25"/>
+    <p:sldId id="290" r:id="rId26"/>
+    <p:sldId id="291" r:id="rId27"/>
+    <p:sldId id="292" r:id="rId28"/>
+    <p:sldId id="293" r:id="rId29"/>
+    <p:sldId id="288" r:id="rId30"/>
+    <p:sldId id="286" r:id="rId31"/>
+    <p:sldId id="289" r:id="rId32"/>
   </p:sldIdLst>
   <p:sldSz cx="9144000" cy="5143500" type="screen16x9"/>
   <p:notesSz cx="6858000" cy="9144000"/>
@@ -276,16 +277,17 @@
         <p14:section name="Sección predeterminada" id="{BD0A3058-0806-49E7-8103-5145332C52E2}">
           <p14:sldIdLst>
             <p14:sldId id="256"/>
-            <p14:sldId id="282"/>
-            <p14:sldId id="264"/>
             <p14:sldId id="257"/>
             <p14:sldId id="258"/>
             <p14:sldId id="273"/>
-            <p14:sldId id="265"/>
             <p14:sldId id="274"/>
             <p14:sldId id="263"/>
+            <p14:sldId id="282"/>
+            <p14:sldId id="264"/>
+            <p14:sldId id="265"/>
             <p14:sldId id="275"/>
             <p14:sldId id="266"/>
+            <p14:sldId id="295"/>
             <p14:sldId id="283"/>
             <p14:sldId id="294"/>
             <p14:sldId id="276"/>
@@ -1799,7 +1801,7 @@
             </a:pPr>
             <a:fld id="{00000000-1234-1234-1234-123412341234}" type="slidenum">
               <a:rPr lang="es-ES"/>
-              <a:t>4</a:t>
+              <a:t>2</a:t>
             </a:fld>
             <a:endParaRPr/>
           </a:p>
@@ -1949,7 +1951,7 @@
             </a:pPr>
             <a:fld id="{00000000-1234-1234-1234-123412341234}" type="slidenum">
               <a:rPr lang="es-ES"/>
-              <a:t>5</a:t>
+              <a:t>3</a:t>
             </a:fld>
             <a:endParaRPr/>
           </a:p>
@@ -2320,7 +2322,7 @@
           <a:p>
             <a:fld id="{4FA03B1A-0309-43C8-8703-2CF62EA90B87}" type="datetimeFigureOut">
               <a:rPr lang="es-CO" smtClean="0"/>
-              <a:t>1/07/2019</a:t>
+              <a:t>2/07/2019</a:t>
             </a:fld>
             <a:endParaRPr lang="es-CO"/>
           </a:p>
@@ -4187,13 +4189,6 @@
   <p:clrMapOvr>
     <a:masterClrMapping/>
   </p:clrMapOvr>
-  <p:timing>
-    <p:tnLst>
-      <p:par>
-        <p:cTn id="1" dur="indefinite" restart="never" nodeType="tmRoot"/>
-      </p:par>
-    </p:tnLst>
-  </p:timing>
 </p:sld>
 </file>
 
@@ -4275,13 +4270,6 @@
   <p:clrMapOvr>
     <a:masterClrMapping/>
   </p:clrMapOvr>
-  <p:timing>
-    <p:tnLst>
-      <p:par>
-        <p:cTn id="1" dur="indefinite" restart="never" nodeType="tmRoot"/>
-      </p:par>
-    </p:tnLst>
-  </p:timing>
 </p:sld>
 </file>
 
@@ -4328,7 +4316,7 @@
         </p:blipFill>
         <p:spPr>
           <a:xfrm>
-            <a:off x="173044" y="2811629"/>
+            <a:off x="0" y="221291"/>
             <a:ext cx="4255520" cy="2182598"/>
           </a:xfrm>
           <a:prstGeom prst="rect">
@@ -4362,7 +4350,7 @@
         </p:blipFill>
         <p:spPr>
           <a:xfrm>
-            <a:off x="183676" y="221291"/>
+            <a:off x="0" y="2403889"/>
             <a:ext cx="4255521" cy="2611604"/>
           </a:xfrm>
           <a:prstGeom prst="rect">
@@ -4404,44 +4392,6 @@
           </a:prstGeom>
         </p:spPr>
       </p:pic>
-      <p:sp>
-        <p:nvSpPr>
-          <p:cNvPr id="7" name="CuadroTexto 6">
-            <a:hlinkClick r:id="rId5" action="ppaction://hlinkfile"/>
-            <a:extLst>
-              <a:ext uri="{FF2B5EF4-FFF2-40B4-BE49-F238E27FC236}">
-                <a16:creationId xmlns:a16="http://schemas.microsoft.com/office/drawing/2014/main" id="{B11F97E3-0CFC-4556-ADF0-277C2B78C3AE}"/>
-              </a:ext>
-            </a:extLst>
-          </p:cNvPr>
-          <p:cNvSpPr txBox="1"/>
-          <p:nvPr/>
-        </p:nvSpPr>
-        <p:spPr>
-          <a:xfrm>
-            <a:off x="5315595" y="4490037"/>
-            <a:ext cx="3191435" cy="400110"/>
-          </a:xfrm>
-          <a:prstGeom prst="rect">
-            <a:avLst/>
-          </a:prstGeom>
-          <a:noFill/>
-        </p:spPr>
-        <p:txBody>
-          <a:bodyPr wrap="square" rtlCol="0">
-            <a:spAutoFit/>
-          </a:bodyPr>
-          <a:lstStyle/>
-          <a:p>
-            <a:pPr algn="ctr"/>
-            <a:r>
-              <a:rPr lang="es-ES" sz="2000" b="1" dirty="0" smtClean="0"/>
-              <a:t>CUESTIONARIO</a:t>
-            </a:r>
-            <a:endParaRPr lang="es-CO" sz="2000" b="1" dirty="0"/>
-          </a:p>
-        </p:txBody>
-      </p:sp>
     </p:spTree>
     <p:extLst>
       <p:ext uri="{BB962C8B-B14F-4D97-AF65-F5344CB8AC3E}">
@@ -4452,17 +4402,528 @@
   <p:clrMapOvr>
     <a:masterClrMapping/>
   </p:clrMapOvr>
-  <p:timing>
-    <p:tnLst>
-      <p:par>
-        <p:cTn id="1" dur="indefinite" restart="never" nodeType="tmRoot"/>
-      </p:par>
-    </p:tnLst>
-  </p:timing>
 </p:sld>
 </file>
 
 <file path=ppt/slides/slide12.xml><?xml version="1.0" encoding="utf-8"?>
+<p:sld xmlns:a="http://schemas.openxmlformats.org/drawingml/2006/main" xmlns:r="http://schemas.openxmlformats.org/officeDocument/2006/relationships" xmlns:p="http://schemas.openxmlformats.org/presentationml/2006/main">
+  <p:cSld>
+    <p:spTree>
+      <p:nvGrpSpPr>
+        <p:cNvPr id="1" name=""/>
+        <p:cNvGrpSpPr/>
+        <p:nvPr/>
+      </p:nvGrpSpPr>
+      <p:grpSpPr>
+        <a:xfrm>
+          <a:off x="0" y="0"/>
+          <a:ext cx="0" cy="0"/>
+          <a:chOff x="0" y="0"/>
+          <a:chExt cx="0" cy="0"/>
+        </a:xfrm>
+      </p:grpSpPr>
+      <p:pic>
+        <p:nvPicPr>
+          <p:cNvPr id="2" name="Imagen 1">
+            <a:extLst>
+              <a:ext uri="{FF2B5EF4-FFF2-40B4-BE49-F238E27FC236}">
+                <a16:creationId xmlns:a16="http://schemas.microsoft.com/office/drawing/2014/main" id="{5C0825D0-0423-4FC0-8216-4C83D9A0AF0E}"/>
+              </a:ext>
+            </a:extLst>
+          </p:cNvPr>
+          <p:cNvPicPr>
+            <a:picLocks noChangeAspect="1"/>
+          </p:cNvPicPr>
+          <p:nvPr/>
+        </p:nvPicPr>
+        <p:blipFill>
+          <a:blip r:embed="rId2"/>
+          <a:stretch>
+            <a:fillRect/>
+          </a:stretch>
+        </p:blipFill>
+        <p:spPr>
+          <a:xfrm>
+            <a:off x="2677254" y="416569"/>
+            <a:ext cx="3194581" cy="542591"/>
+          </a:xfrm>
+          <a:prstGeom prst="rect">
+            <a:avLst/>
+          </a:prstGeom>
+        </p:spPr>
+      </p:pic>
+      <p:sp>
+        <p:nvSpPr>
+          <p:cNvPr id="3" name="Rectángulo 2">
+            <a:extLst>
+              <a:ext uri="{FF2B5EF4-FFF2-40B4-BE49-F238E27FC236}">
+                <a16:creationId xmlns:a16="http://schemas.microsoft.com/office/drawing/2014/main" id="{6999F537-77EA-43A4-95FF-471A156F2A33}"/>
+              </a:ext>
+            </a:extLst>
+          </p:cNvPr>
+          <p:cNvSpPr/>
+          <p:nvPr/>
+        </p:nvSpPr>
+        <p:spPr>
+          <a:xfrm>
+            <a:off x="33377" y="959160"/>
+            <a:ext cx="5838458" cy="7640938"/>
+          </a:xfrm>
+          <a:prstGeom prst="rect">
+            <a:avLst/>
+          </a:prstGeom>
+        </p:spPr>
+        <p:txBody>
+          <a:bodyPr wrap="none">
+            <a:spAutoFit/>
+          </a:bodyPr>
+          <a:lstStyle/>
+          <a:p>
+            <a:pPr marL="342900" lvl="0" indent="-342900">
+              <a:lnSpc>
+                <a:spcPct val="107000"/>
+              </a:lnSpc>
+              <a:spcAft>
+                <a:spcPts val="800"/>
+              </a:spcAft>
+              <a:buAutoNum type="arabicPeriod"/>
+            </a:pPr>
+            <a:r>
+              <a:rPr lang="es-ES" dirty="0">
+                <a:latin typeface="Calibri" panose="020F0502020204030204" pitchFamily="34" charset="0"/>
+                <a:ea typeface="Calibri" panose="020F0502020204030204" pitchFamily="34" charset="0"/>
+                <a:cs typeface="Times New Roman" panose="02020603050405020304" pitchFamily="18" charset="0"/>
+              </a:rPr>
+              <a:t>¿Cómo maneja la información de la organización?</a:t>
+            </a:r>
+          </a:p>
+          <a:p>
+            <a:pPr marL="342900" indent="-342900">
+              <a:lnSpc>
+                <a:spcPct val="107000"/>
+              </a:lnSpc>
+              <a:spcAft>
+                <a:spcPts val="800"/>
+              </a:spcAft>
+              <a:buFont typeface="Arial"/>
+              <a:buAutoNum type="arabicPeriod"/>
+            </a:pPr>
+            <a:r>
+              <a:rPr lang="es-ES" dirty="0">
+                <a:latin typeface="Calibri" panose="020F0502020204030204" pitchFamily="34" charset="0"/>
+                <a:ea typeface="Calibri" panose="020F0502020204030204" pitchFamily="34" charset="0"/>
+                <a:cs typeface="Times New Roman" panose="02020603050405020304" pitchFamily="18" charset="0"/>
+              </a:rPr>
+              <a:t>¿Qué utiliza para registrar el inventario?</a:t>
+            </a:r>
+          </a:p>
+          <a:p>
+            <a:pPr marL="342900" indent="-342900">
+              <a:lnSpc>
+                <a:spcPct val="107000"/>
+              </a:lnSpc>
+              <a:spcAft>
+                <a:spcPts val="800"/>
+              </a:spcAft>
+              <a:buFont typeface="Arial"/>
+              <a:buAutoNum type="arabicPeriod"/>
+            </a:pPr>
+            <a:r>
+              <a:rPr lang="es-ES" dirty="0">
+                <a:latin typeface="Calibri" panose="020F0502020204030204" pitchFamily="34" charset="0"/>
+                <a:ea typeface="Calibri" panose="020F0502020204030204" pitchFamily="34" charset="0"/>
+                <a:cs typeface="Times New Roman" panose="02020603050405020304" pitchFamily="18" charset="0"/>
+              </a:rPr>
+              <a:t>¿Cómo registra sus gastos y ganancias?</a:t>
+            </a:r>
+          </a:p>
+          <a:p>
+            <a:pPr marL="342900" indent="-342900">
+              <a:lnSpc>
+                <a:spcPct val="107000"/>
+              </a:lnSpc>
+              <a:spcAft>
+                <a:spcPts val="800"/>
+              </a:spcAft>
+              <a:buFont typeface="Arial"/>
+              <a:buAutoNum type="arabicPeriod"/>
+            </a:pPr>
+            <a:r>
+              <a:rPr lang="es-ES" dirty="0">
+                <a:latin typeface="Calibri" panose="020F0502020204030204" pitchFamily="34" charset="0"/>
+                <a:ea typeface="Calibri" panose="020F0502020204030204" pitchFamily="34" charset="0"/>
+                <a:cs typeface="Times New Roman" panose="02020603050405020304" pitchFamily="18" charset="0"/>
+              </a:rPr>
+              <a:t>¿Quién es el responsable de la compra?</a:t>
+            </a:r>
+          </a:p>
+          <a:p>
+            <a:pPr marL="342900" indent="-342900">
+              <a:lnSpc>
+                <a:spcPct val="107000"/>
+              </a:lnSpc>
+              <a:spcAft>
+                <a:spcPts val="800"/>
+              </a:spcAft>
+              <a:buFont typeface="Arial"/>
+              <a:buAutoNum type="arabicPeriod"/>
+            </a:pPr>
+            <a:r>
+              <a:rPr lang="es-ES" dirty="0">
+                <a:latin typeface="Calibri" panose="020F0502020204030204" pitchFamily="34" charset="0"/>
+                <a:ea typeface="Calibri" panose="020F0502020204030204" pitchFamily="34" charset="0"/>
+                <a:cs typeface="Times New Roman" panose="02020603050405020304" pitchFamily="18" charset="0"/>
+              </a:rPr>
+              <a:t>¿Cómo se toman las decisiones respecto a la producción?</a:t>
+            </a:r>
+          </a:p>
+          <a:p>
+            <a:pPr marL="342900" indent="-342900">
+              <a:lnSpc>
+                <a:spcPct val="107000"/>
+              </a:lnSpc>
+              <a:spcAft>
+                <a:spcPts val="800"/>
+              </a:spcAft>
+              <a:buFont typeface="Arial"/>
+              <a:buAutoNum type="arabicPeriod"/>
+            </a:pPr>
+            <a:r>
+              <a:rPr lang="es-ES" dirty="0">
+                <a:latin typeface="Calibri" panose="020F0502020204030204" pitchFamily="34" charset="0"/>
+                <a:ea typeface="Calibri" panose="020F0502020204030204" pitchFamily="34" charset="0"/>
+                <a:cs typeface="Times New Roman" panose="02020603050405020304" pitchFamily="18" charset="0"/>
+              </a:rPr>
+              <a:t>¿Cómo realiza las compras?</a:t>
+            </a:r>
+          </a:p>
+          <a:p>
+            <a:pPr marL="342900" indent="-342900">
+              <a:lnSpc>
+                <a:spcPct val="107000"/>
+              </a:lnSpc>
+              <a:spcAft>
+                <a:spcPts val="800"/>
+              </a:spcAft>
+              <a:buFont typeface="Arial"/>
+              <a:buAutoNum type="arabicPeriod"/>
+            </a:pPr>
+            <a:r>
+              <a:rPr lang="es-ES" dirty="0">
+                <a:latin typeface="Calibri" panose="020F0502020204030204" pitchFamily="34" charset="0"/>
+                <a:ea typeface="Calibri" panose="020F0502020204030204" pitchFamily="34" charset="0"/>
+                <a:cs typeface="Times New Roman" panose="02020603050405020304" pitchFamily="18" charset="0"/>
+              </a:rPr>
+              <a:t>¿Usa herramientas o aplicativos de software para la organización?</a:t>
+            </a:r>
+          </a:p>
+          <a:p>
+            <a:pPr marL="342900" indent="-342900">
+              <a:lnSpc>
+                <a:spcPct val="107000"/>
+              </a:lnSpc>
+              <a:spcAft>
+                <a:spcPts val="800"/>
+              </a:spcAft>
+              <a:buFont typeface="Arial"/>
+              <a:buAutoNum type="arabicPeriod"/>
+            </a:pPr>
+            <a:r>
+              <a:rPr lang="es-ES" dirty="0">
+                <a:latin typeface="Calibri" panose="020F0502020204030204" pitchFamily="34" charset="0"/>
+                <a:ea typeface="Calibri" panose="020F0502020204030204" pitchFamily="34" charset="0"/>
+                <a:cs typeface="Times New Roman" panose="02020603050405020304" pitchFamily="18" charset="0"/>
+              </a:rPr>
+              <a:t>¿Estas satisfecho con las herramientas que usas?</a:t>
+            </a:r>
+          </a:p>
+          <a:p>
+            <a:pPr marL="342900" indent="-342900">
+              <a:lnSpc>
+                <a:spcPct val="107000"/>
+              </a:lnSpc>
+              <a:spcAft>
+                <a:spcPts val="800"/>
+              </a:spcAft>
+              <a:buFont typeface="Arial"/>
+              <a:buAutoNum type="arabicPeriod"/>
+            </a:pPr>
+            <a:r>
+              <a:rPr lang="es-ES" dirty="0">
+                <a:latin typeface="Calibri" panose="020F0502020204030204" pitchFamily="34" charset="0"/>
+                <a:ea typeface="Calibri" panose="020F0502020204030204" pitchFamily="34" charset="0"/>
+                <a:cs typeface="Times New Roman" panose="02020603050405020304" pitchFamily="18" charset="0"/>
+              </a:rPr>
+              <a:t>¿Cuáles aplicaciones usa en la organización?</a:t>
+            </a:r>
+          </a:p>
+          <a:p>
+            <a:pPr marL="342900" indent="-342900">
+              <a:lnSpc>
+                <a:spcPct val="107000"/>
+              </a:lnSpc>
+              <a:spcAft>
+                <a:spcPts val="800"/>
+              </a:spcAft>
+              <a:buFont typeface="Arial"/>
+              <a:buAutoNum type="arabicPeriod"/>
+            </a:pPr>
+            <a:r>
+              <a:rPr lang="es-ES" dirty="0">
+                <a:latin typeface="Calibri" panose="020F0502020204030204" pitchFamily="34" charset="0"/>
+                <a:ea typeface="Calibri" panose="020F0502020204030204" pitchFamily="34" charset="0"/>
+                <a:cs typeface="Times New Roman" panose="02020603050405020304" pitchFamily="18" charset="0"/>
+              </a:rPr>
+              <a:t>¿Hace el inventario?</a:t>
+            </a:r>
+          </a:p>
+          <a:p>
+            <a:pPr marL="342900" indent="-342900">
+              <a:lnSpc>
+                <a:spcPct val="107000"/>
+              </a:lnSpc>
+              <a:spcAft>
+                <a:spcPts val="800"/>
+              </a:spcAft>
+              <a:buFont typeface="Arial"/>
+              <a:buAutoNum type="arabicPeriod"/>
+            </a:pPr>
+            <a:r>
+              <a:rPr lang="es-ES" dirty="0">
+                <a:latin typeface="Calibri" panose="020F0502020204030204" pitchFamily="34" charset="0"/>
+                <a:ea typeface="Calibri" panose="020F0502020204030204" pitchFamily="34" charset="0"/>
+                <a:cs typeface="Times New Roman" panose="02020603050405020304" pitchFamily="18" charset="0"/>
+              </a:rPr>
+              <a:t>¿Cómo realiza usted el inventario?</a:t>
+            </a:r>
+          </a:p>
+          <a:p>
+            <a:pPr marL="342900" indent="-342900">
+              <a:lnSpc>
+                <a:spcPct val="107000"/>
+              </a:lnSpc>
+              <a:spcAft>
+                <a:spcPts val="800"/>
+              </a:spcAft>
+              <a:buFont typeface="Arial"/>
+              <a:buAutoNum type="arabicPeriod"/>
+            </a:pPr>
+            <a:r>
+              <a:rPr lang="es-ES" dirty="0">
+                <a:latin typeface="Calibri" panose="020F0502020204030204" pitchFamily="34" charset="0"/>
+                <a:ea typeface="Calibri" panose="020F0502020204030204" pitchFamily="34" charset="0"/>
+                <a:cs typeface="Times New Roman" panose="02020603050405020304" pitchFamily="18" charset="0"/>
+              </a:rPr>
+              <a:t>¿Cuánto tiempo tarda con su método actual del manejo de información?</a:t>
+            </a:r>
+            <a:endParaRPr lang="es-CO" dirty="0">
+              <a:latin typeface="Calibri" panose="020F0502020204030204" pitchFamily="34" charset="0"/>
+              <a:ea typeface="Calibri" panose="020F0502020204030204" pitchFamily="34" charset="0"/>
+              <a:cs typeface="Times New Roman" panose="02020603050405020304" pitchFamily="18" charset="0"/>
+            </a:endParaRPr>
+          </a:p>
+          <a:p>
+            <a:pPr marL="342900" indent="-342900">
+              <a:lnSpc>
+                <a:spcPct val="107000"/>
+              </a:lnSpc>
+              <a:spcAft>
+                <a:spcPts val="800"/>
+              </a:spcAft>
+              <a:buFont typeface="Arial"/>
+              <a:buAutoNum type="arabicPeriod"/>
+            </a:pPr>
+            <a:endParaRPr lang="es-CO" dirty="0">
+              <a:latin typeface="Calibri" panose="020F0502020204030204" pitchFamily="34" charset="0"/>
+              <a:ea typeface="Calibri" panose="020F0502020204030204" pitchFamily="34" charset="0"/>
+              <a:cs typeface="Times New Roman" panose="02020603050405020304" pitchFamily="18" charset="0"/>
+            </a:endParaRPr>
+          </a:p>
+          <a:p>
+            <a:pPr marL="342900" indent="-342900">
+              <a:lnSpc>
+                <a:spcPct val="107000"/>
+              </a:lnSpc>
+              <a:spcAft>
+                <a:spcPts val="800"/>
+              </a:spcAft>
+              <a:buFont typeface="Arial"/>
+              <a:buAutoNum type="arabicPeriod"/>
+            </a:pPr>
+            <a:endParaRPr lang="es-CO" dirty="0">
+              <a:latin typeface="Calibri" panose="020F0502020204030204" pitchFamily="34" charset="0"/>
+              <a:ea typeface="Calibri" panose="020F0502020204030204" pitchFamily="34" charset="0"/>
+              <a:cs typeface="Times New Roman" panose="02020603050405020304" pitchFamily="18" charset="0"/>
+            </a:endParaRPr>
+          </a:p>
+          <a:p>
+            <a:pPr marL="342900" indent="-342900">
+              <a:lnSpc>
+                <a:spcPct val="107000"/>
+              </a:lnSpc>
+              <a:spcAft>
+                <a:spcPts val="800"/>
+              </a:spcAft>
+              <a:buFont typeface="Arial"/>
+              <a:buAutoNum type="arabicPeriod"/>
+            </a:pPr>
+            <a:endParaRPr lang="es-CO" dirty="0">
+              <a:latin typeface="Calibri" panose="020F0502020204030204" pitchFamily="34" charset="0"/>
+              <a:ea typeface="Calibri" panose="020F0502020204030204" pitchFamily="34" charset="0"/>
+              <a:cs typeface="Times New Roman" panose="02020603050405020304" pitchFamily="18" charset="0"/>
+            </a:endParaRPr>
+          </a:p>
+          <a:p>
+            <a:pPr marL="342900" indent="-342900">
+              <a:lnSpc>
+                <a:spcPct val="107000"/>
+              </a:lnSpc>
+              <a:spcAft>
+                <a:spcPts val="800"/>
+              </a:spcAft>
+              <a:buFont typeface="Arial"/>
+              <a:buAutoNum type="arabicPeriod"/>
+            </a:pPr>
+            <a:endParaRPr lang="es-CO" dirty="0">
+              <a:latin typeface="Calibri" panose="020F0502020204030204" pitchFamily="34" charset="0"/>
+              <a:ea typeface="Calibri" panose="020F0502020204030204" pitchFamily="34" charset="0"/>
+              <a:cs typeface="Times New Roman" panose="02020603050405020304" pitchFamily="18" charset="0"/>
+            </a:endParaRPr>
+          </a:p>
+          <a:p>
+            <a:pPr marL="342900" indent="-342900">
+              <a:lnSpc>
+                <a:spcPct val="107000"/>
+              </a:lnSpc>
+              <a:spcAft>
+                <a:spcPts val="800"/>
+              </a:spcAft>
+              <a:buFont typeface="Arial"/>
+              <a:buAutoNum type="arabicPeriod"/>
+            </a:pPr>
+            <a:endParaRPr lang="es-CO" dirty="0">
+              <a:latin typeface="Calibri" panose="020F0502020204030204" pitchFamily="34" charset="0"/>
+              <a:ea typeface="Calibri" panose="020F0502020204030204" pitchFamily="34" charset="0"/>
+              <a:cs typeface="Times New Roman" panose="02020603050405020304" pitchFamily="18" charset="0"/>
+            </a:endParaRPr>
+          </a:p>
+          <a:p>
+            <a:pPr marL="342900" indent="-342900">
+              <a:lnSpc>
+                <a:spcPct val="107000"/>
+              </a:lnSpc>
+              <a:spcAft>
+                <a:spcPts val="800"/>
+              </a:spcAft>
+              <a:buFont typeface="Arial"/>
+              <a:buAutoNum type="arabicPeriod"/>
+            </a:pPr>
+            <a:endParaRPr lang="es-CO" dirty="0">
+              <a:latin typeface="Calibri" panose="020F0502020204030204" pitchFamily="34" charset="0"/>
+              <a:ea typeface="Calibri" panose="020F0502020204030204" pitchFamily="34" charset="0"/>
+              <a:cs typeface="Times New Roman" panose="02020603050405020304" pitchFamily="18" charset="0"/>
+            </a:endParaRPr>
+          </a:p>
+          <a:p>
+            <a:pPr marL="342900" indent="-342900">
+              <a:lnSpc>
+                <a:spcPct val="107000"/>
+              </a:lnSpc>
+              <a:spcAft>
+                <a:spcPts val="800"/>
+              </a:spcAft>
+              <a:buFont typeface="Arial"/>
+              <a:buAutoNum type="arabicPeriod"/>
+            </a:pPr>
+            <a:endParaRPr lang="es-CO" dirty="0">
+              <a:latin typeface="Calibri" panose="020F0502020204030204" pitchFamily="34" charset="0"/>
+              <a:ea typeface="Calibri" panose="020F0502020204030204" pitchFamily="34" charset="0"/>
+              <a:cs typeface="Times New Roman" panose="02020603050405020304" pitchFamily="18" charset="0"/>
+            </a:endParaRPr>
+          </a:p>
+          <a:p>
+            <a:pPr marL="342900" indent="-342900">
+              <a:lnSpc>
+                <a:spcPct val="107000"/>
+              </a:lnSpc>
+              <a:spcAft>
+                <a:spcPts val="800"/>
+              </a:spcAft>
+              <a:buFont typeface="Arial"/>
+              <a:buAutoNum type="arabicPeriod"/>
+            </a:pPr>
+            <a:endParaRPr lang="es-CO" dirty="0">
+              <a:latin typeface="Calibri" panose="020F0502020204030204" pitchFamily="34" charset="0"/>
+              <a:ea typeface="Calibri" panose="020F0502020204030204" pitchFamily="34" charset="0"/>
+              <a:cs typeface="Times New Roman" panose="02020603050405020304" pitchFamily="18" charset="0"/>
+            </a:endParaRPr>
+          </a:p>
+          <a:p>
+            <a:pPr marL="342900" indent="-342900">
+              <a:lnSpc>
+                <a:spcPct val="107000"/>
+              </a:lnSpc>
+              <a:spcAft>
+                <a:spcPts val="800"/>
+              </a:spcAft>
+              <a:buFont typeface="Arial"/>
+              <a:buAutoNum type="arabicPeriod"/>
+            </a:pPr>
+            <a:endParaRPr lang="es-CO" dirty="0">
+              <a:latin typeface="Calibri" panose="020F0502020204030204" pitchFamily="34" charset="0"/>
+              <a:ea typeface="Calibri" panose="020F0502020204030204" pitchFamily="34" charset="0"/>
+              <a:cs typeface="Times New Roman" panose="02020603050405020304" pitchFamily="18" charset="0"/>
+            </a:endParaRPr>
+          </a:p>
+          <a:p>
+            <a:pPr marL="342900" indent="-342900">
+              <a:lnSpc>
+                <a:spcPct val="107000"/>
+              </a:lnSpc>
+              <a:spcAft>
+                <a:spcPts val="800"/>
+              </a:spcAft>
+              <a:buFont typeface="Arial"/>
+              <a:buAutoNum type="arabicPeriod"/>
+            </a:pPr>
+            <a:endParaRPr lang="es-CO" dirty="0">
+              <a:latin typeface="Calibri" panose="020F0502020204030204" pitchFamily="34" charset="0"/>
+              <a:ea typeface="Calibri" panose="020F0502020204030204" pitchFamily="34" charset="0"/>
+              <a:cs typeface="Times New Roman" panose="02020603050405020304" pitchFamily="18" charset="0"/>
+            </a:endParaRPr>
+          </a:p>
+          <a:p>
+            <a:pPr marL="342900" lvl="0" indent="-342900">
+              <a:lnSpc>
+                <a:spcPct val="107000"/>
+              </a:lnSpc>
+              <a:spcAft>
+                <a:spcPts val="800"/>
+              </a:spcAft>
+              <a:buAutoNum type="arabicPeriod"/>
+            </a:pPr>
+            <a:endParaRPr lang="es-CO" dirty="0">
+              <a:latin typeface="Calibri" panose="020F0502020204030204" pitchFamily="34" charset="0"/>
+              <a:ea typeface="Calibri" panose="020F0502020204030204" pitchFamily="34" charset="0"/>
+              <a:cs typeface="Times New Roman" panose="02020603050405020304" pitchFamily="18" charset="0"/>
+            </a:endParaRPr>
+          </a:p>
+        </p:txBody>
+      </p:sp>
+    </p:spTree>
+    <p:extLst>
+      <p:ext uri="{BB962C8B-B14F-4D97-AF65-F5344CB8AC3E}">
+        <p14:creationId xmlns:p14="http://schemas.microsoft.com/office/powerpoint/2010/main" val="1741366411"/>
+      </p:ext>
+    </p:extLst>
+  </p:cSld>
+  <p:clrMapOvr>
+    <a:masterClrMapping/>
+  </p:clrMapOvr>
+</p:sld>
+</file>
+
+<file path=ppt/slides/slide13.xml><?xml version="1.0" encoding="utf-8"?>
 <p:sld xmlns:a="http://schemas.openxmlformats.org/drawingml/2006/main" xmlns:r="http://schemas.openxmlformats.org/officeDocument/2006/relationships" xmlns:p="http://schemas.openxmlformats.org/presentationml/2006/main">
   <p:cSld>
     <p:spTree>
@@ -4525,17 +4986,10 @@
   <p:clrMapOvr>
     <a:masterClrMapping/>
   </p:clrMapOvr>
-  <p:timing>
-    <p:tnLst>
-      <p:par>
-        <p:cTn id="1" dur="indefinite" restart="never" nodeType="tmRoot"/>
-      </p:par>
-    </p:tnLst>
-  </p:timing>
 </p:sld>
 </file>
 
-<file path=ppt/slides/slide13.xml><?xml version="1.0" encoding="utf-8"?>
+<file path=ppt/slides/slide14.xml><?xml version="1.0" encoding="utf-8"?>
 <p:sld xmlns:a="http://schemas.openxmlformats.org/drawingml/2006/main" xmlns:r="http://schemas.openxmlformats.org/officeDocument/2006/relationships" xmlns:p="http://schemas.openxmlformats.org/presentationml/2006/main">
   <p:cSld>
     <p:spTree>
@@ -5725,17 +6179,10 @@
   <p:clrMapOvr>
     <a:masterClrMapping/>
   </p:clrMapOvr>
-  <p:timing>
-    <p:tnLst>
-      <p:par>
-        <p:cTn id="1" dur="indefinite" restart="never" nodeType="tmRoot"/>
-      </p:par>
-    </p:tnLst>
-  </p:timing>
 </p:sld>
 </file>
 
-<file path=ppt/slides/slide14.xml><?xml version="1.0" encoding="utf-8"?>
+<file path=ppt/slides/slide15.xml><?xml version="1.0" encoding="utf-8"?>
 <p:sld xmlns:a="http://schemas.openxmlformats.org/drawingml/2006/main" xmlns:r="http://schemas.openxmlformats.org/officeDocument/2006/relationships" xmlns:p="http://schemas.openxmlformats.org/presentationml/2006/main">
   <p:cSld>
     <p:spTree>
@@ -6027,17 +6474,10 @@
   <p:clrMapOvr>
     <a:masterClrMapping/>
   </p:clrMapOvr>
-  <p:timing>
-    <p:tnLst>
-      <p:par>
-        <p:cTn id="1" dur="indefinite" restart="never" nodeType="tmRoot"/>
-      </p:par>
-    </p:tnLst>
-  </p:timing>
 </p:sld>
 </file>
 
-<file path=ppt/slides/slide15.xml><?xml version="1.0" encoding="utf-8"?>
+<file path=ppt/slides/slide16.xml><?xml version="1.0" encoding="utf-8"?>
 <p:sld xmlns:a="http://schemas.openxmlformats.org/drawingml/2006/main" xmlns:r="http://schemas.openxmlformats.org/officeDocument/2006/relationships" xmlns:p="http://schemas.openxmlformats.org/presentationml/2006/main">
   <p:cSld>
     <p:spTree>
@@ -6373,17 +6813,10 @@
   <p:clrMapOvr>
     <a:masterClrMapping/>
   </p:clrMapOvr>
-  <p:timing>
-    <p:tnLst>
-      <p:par>
-        <p:cTn id="1" dur="indefinite" restart="never" nodeType="tmRoot"/>
-      </p:par>
-    </p:tnLst>
-  </p:timing>
 </p:sld>
 </file>
 
-<file path=ppt/slides/slide16.xml><?xml version="1.0" encoding="utf-8"?>
+<file path=ppt/slides/slide17.xml><?xml version="1.0" encoding="utf-8"?>
 <p:sld xmlns:a="http://schemas.openxmlformats.org/drawingml/2006/main" xmlns:r="http://schemas.openxmlformats.org/officeDocument/2006/relationships" xmlns:p="http://schemas.openxmlformats.org/presentationml/2006/main">
   <p:cSld>
     <p:spTree>
@@ -6447,17 +6880,10 @@
   <p:clrMapOvr>
     <a:masterClrMapping/>
   </p:clrMapOvr>
-  <p:timing>
-    <p:tnLst>
-      <p:par>
-        <p:cTn id="1" dur="indefinite" restart="never" nodeType="tmRoot"/>
-      </p:par>
-    </p:tnLst>
-  </p:timing>
 </p:sld>
 </file>
 
-<file path=ppt/slides/slide17.xml><?xml version="1.0" encoding="utf-8"?>
+<file path=ppt/slides/slide18.xml><?xml version="1.0" encoding="utf-8"?>
 <p:sld xmlns:a="http://schemas.openxmlformats.org/drawingml/2006/main" xmlns:r="http://schemas.openxmlformats.org/officeDocument/2006/relationships" xmlns:p="http://schemas.openxmlformats.org/presentationml/2006/main">
   <p:cSld>
     <p:spTree>
@@ -6553,17 +6979,10 @@
   <p:clrMapOvr>
     <a:masterClrMapping/>
   </p:clrMapOvr>
-  <p:timing>
-    <p:tnLst>
-      <p:par>
-        <p:cTn id="1" dur="indefinite" restart="never" nodeType="tmRoot"/>
-      </p:par>
-    </p:tnLst>
-  </p:timing>
 </p:sld>
 </file>
 
-<file path=ppt/slides/slide18.xml><?xml version="1.0" encoding="utf-8"?>
+<file path=ppt/slides/slide19.xml><?xml version="1.0" encoding="utf-8"?>
 <p:sld xmlns:a="http://schemas.openxmlformats.org/drawingml/2006/main" xmlns:r="http://schemas.openxmlformats.org/officeDocument/2006/relationships" xmlns:p="http://schemas.openxmlformats.org/presentationml/2006/main">
   <p:cSld>
     <p:spTree>
@@ -6661,17 +7080,308 @@
   <p:clrMapOvr>
     <a:masterClrMapping/>
   </p:clrMapOvr>
-  <p:timing>
-    <p:tnLst>
-      <p:par>
-        <p:cTn id="1" dur="indefinite" restart="never" nodeType="tmRoot"/>
-      </p:par>
-    </p:tnLst>
-  </p:timing>
 </p:sld>
 </file>
 
-<file path=ppt/slides/slide19.xml><?xml version="1.0" encoding="utf-8"?>
+<file path=ppt/slides/slide2.xml><?xml version="1.0" encoding="utf-8"?>
+<p:sld xmlns:a="http://schemas.openxmlformats.org/drawingml/2006/main" xmlns:r="http://schemas.openxmlformats.org/officeDocument/2006/relationships" xmlns:p="http://schemas.openxmlformats.org/presentationml/2006/main">
+  <p:cSld>
+    <p:spTree>
+      <p:nvGrpSpPr>
+        <p:cNvPr id="1" name="Shape 49"/>
+        <p:cNvGrpSpPr/>
+        <p:nvPr/>
+      </p:nvGrpSpPr>
+      <p:grpSpPr>
+        <a:xfrm>
+          <a:off x="0" y="0"/>
+          <a:ext cx="0" cy="0"/>
+          <a:chOff x="0" y="0"/>
+          <a:chExt cx="0" cy="0"/>
+        </a:xfrm>
+      </p:grpSpPr>
+      <p:sp>
+        <p:nvSpPr>
+          <p:cNvPr id="2" name="Título 1">
+            <a:extLst>
+              <a:ext uri="{FF2B5EF4-FFF2-40B4-BE49-F238E27FC236}">
+                <a16:creationId xmlns:a16="http://schemas.microsoft.com/office/drawing/2014/main" id="{E09A007F-1CA4-49CD-92CC-F88805D62958}"/>
+              </a:ext>
+            </a:extLst>
+          </p:cNvPr>
+          <p:cNvSpPr txBox="1">
+            <a:spLocks/>
+          </p:cNvSpPr>
+          <p:nvPr/>
+        </p:nvSpPr>
+        <p:spPr>
+          <a:xfrm>
+            <a:off x="1493876" y="1996090"/>
+            <a:ext cx="9245007" cy="1151320"/>
+          </a:xfrm>
+          <a:prstGeom prst="rect">
+            <a:avLst/>
+          </a:prstGeom>
+        </p:spPr>
+        <p:txBody>
+          <a:bodyPr>
+            <a:noAutofit/>
+          </a:bodyPr>
+          <a:lstStyle>
+            <a:defPPr marR="0" lvl="0" algn="l" rtl="0">
+              <a:lnSpc>
+                <a:spcPct val="100000"/>
+              </a:lnSpc>
+              <a:spcBef>
+                <a:spcPts val="0"/>
+              </a:spcBef>
+              <a:spcAft>
+                <a:spcPts val="0"/>
+              </a:spcAft>
+            </a:defPPr>
+            <a:lvl1pPr marR="0" lvl="0" algn="l" rtl="0">
+              <a:lnSpc>
+                <a:spcPct val="100000"/>
+              </a:lnSpc>
+              <a:spcBef>
+                <a:spcPts val="0"/>
+              </a:spcBef>
+              <a:spcAft>
+                <a:spcPts val="0"/>
+              </a:spcAft>
+              <a:buClr>
+                <a:srgbClr val="000000"/>
+              </a:buClr>
+              <a:buFont typeface="Arial"/>
+              <a:defRPr sz="1400" b="0" i="0" u="none" strike="noStrike" cap="none">
+                <a:solidFill>
+                  <a:srgbClr val="000000"/>
+                </a:solidFill>
+                <a:latin typeface="Arial"/>
+                <a:ea typeface="Arial"/>
+                <a:cs typeface="Arial"/>
+                <a:sym typeface="Arial"/>
+              </a:defRPr>
+            </a:lvl1pPr>
+            <a:lvl2pPr marR="0" lvl="1" algn="l" rtl="0">
+              <a:lnSpc>
+                <a:spcPct val="100000"/>
+              </a:lnSpc>
+              <a:spcBef>
+                <a:spcPts val="0"/>
+              </a:spcBef>
+              <a:spcAft>
+                <a:spcPts val="0"/>
+              </a:spcAft>
+              <a:buClr>
+                <a:srgbClr val="000000"/>
+              </a:buClr>
+              <a:buFont typeface="Arial"/>
+              <a:defRPr sz="1400" b="0" i="0" u="none" strike="noStrike" cap="none">
+                <a:solidFill>
+                  <a:srgbClr val="000000"/>
+                </a:solidFill>
+                <a:latin typeface="Arial"/>
+                <a:ea typeface="Arial"/>
+                <a:cs typeface="Arial"/>
+                <a:sym typeface="Arial"/>
+              </a:defRPr>
+            </a:lvl2pPr>
+            <a:lvl3pPr marR="0" lvl="2" algn="l" rtl="0">
+              <a:lnSpc>
+                <a:spcPct val="100000"/>
+              </a:lnSpc>
+              <a:spcBef>
+                <a:spcPts val="0"/>
+              </a:spcBef>
+              <a:spcAft>
+                <a:spcPts val="0"/>
+              </a:spcAft>
+              <a:buClr>
+                <a:srgbClr val="000000"/>
+              </a:buClr>
+              <a:buFont typeface="Arial"/>
+              <a:defRPr sz="1400" b="0" i="0" u="none" strike="noStrike" cap="none">
+                <a:solidFill>
+                  <a:srgbClr val="000000"/>
+                </a:solidFill>
+                <a:latin typeface="Arial"/>
+                <a:ea typeface="Arial"/>
+                <a:cs typeface="Arial"/>
+                <a:sym typeface="Arial"/>
+              </a:defRPr>
+            </a:lvl3pPr>
+            <a:lvl4pPr marR="0" lvl="3" algn="l" rtl="0">
+              <a:lnSpc>
+                <a:spcPct val="100000"/>
+              </a:lnSpc>
+              <a:spcBef>
+                <a:spcPts val="0"/>
+              </a:spcBef>
+              <a:spcAft>
+                <a:spcPts val="0"/>
+              </a:spcAft>
+              <a:buClr>
+                <a:srgbClr val="000000"/>
+              </a:buClr>
+              <a:buFont typeface="Arial"/>
+              <a:defRPr sz="1400" b="0" i="0" u="none" strike="noStrike" cap="none">
+                <a:solidFill>
+                  <a:srgbClr val="000000"/>
+                </a:solidFill>
+                <a:latin typeface="Arial"/>
+                <a:ea typeface="Arial"/>
+                <a:cs typeface="Arial"/>
+                <a:sym typeface="Arial"/>
+              </a:defRPr>
+            </a:lvl4pPr>
+            <a:lvl5pPr marR="0" lvl="4" algn="l" rtl="0">
+              <a:lnSpc>
+                <a:spcPct val="100000"/>
+              </a:lnSpc>
+              <a:spcBef>
+                <a:spcPts val="0"/>
+              </a:spcBef>
+              <a:spcAft>
+                <a:spcPts val="0"/>
+              </a:spcAft>
+              <a:buClr>
+                <a:srgbClr val="000000"/>
+              </a:buClr>
+              <a:buFont typeface="Arial"/>
+              <a:defRPr sz="1400" b="0" i="0" u="none" strike="noStrike" cap="none">
+                <a:solidFill>
+                  <a:srgbClr val="000000"/>
+                </a:solidFill>
+                <a:latin typeface="Arial"/>
+                <a:ea typeface="Arial"/>
+                <a:cs typeface="Arial"/>
+                <a:sym typeface="Arial"/>
+              </a:defRPr>
+            </a:lvl5pPr>
+            <a:lvl6pPr marR="0" lvl="5" algn="l" rtl="0">
+              <a:lnSpc>
+                <a:spcPct val="100000"/>
+              </a:lnSpc>
+              <a:spcBef>
+                <a:spcPts val="0"/>
+              </a:spcBef>
+              <a:spcAft>
+                <a:spcPts val="0"/>
+              </a:spcAft>
+              <a:buClr>
+                <a:srgbClr val="000000"/>
+              </a:buClr>
+              <a:buFont typeface="Arial"/>
+              <a:defRPr sz="1400" b="0" i="0" u="none" strike="noStrike" cap="none">
+                <a:solidFill>
+                  <a:srgbClr val="000000"/>
+                </a:solidFill>
+                <a:latin typeface="Arial"/>
+                <a:ea typeface="Arial"/>
+                <a:cs typeface="Arial"/>
+                <a:sym typeface="Arial"/>
+              </a:defRPr>
+            </a:lvl6pPr>
+            <a:lvl7pPr marR="0" lvl="6" algn="l" rtl="0">
+              <a:lnSpc>
+                <a:spcPct val="100000"/>
+              </a:lnSpc>
+              <a:spcBef>
+                <a:spcPts val="0"/>
+              </a:spcBef>
+              <a:spcAft>
+                <a:spcPts val="0"/>
+              </a:spcAft>
+              <a:buClr>
+                <a:srgbClr val="000000"/>
+              </a:buClr>
+              <a:buFont typeface="Arial"/>
+              <a:defRPr sz="1400" b="0" i="0" u="none" strike="noStrike" cap="none">
+                <a:solidFill>
+                  <a:srgbClr val="000000"/>
+                </a:solidFill>
+                <a:latin typeface="Arial"/>
+                <a:ea typeface="Arial"/>
+                <a:cs typeface="Arial"/>
+                <a:sym typeface="Arial"/>
+              </a:defRPr>
+            </a:lvl7pPr>
+            <a:lvl8pPr marR="0" lvl="7" algn="l" rtl="0">
+              <a:lnSpc>
+                <a:spcPct val="100000"/>
+              </a:lnSpc>
+              <a:spcBef>
+                <a:spcPts val="0"/>
+              </a:spcBef>
+              <a:spcAft>
+                <a:spcPts val="0"/>
+              </a:spcAft>
+              <a:buClr>
+                <a:srgbClr val="000000"/>
+              </a:buClr>
+              <a:buFont typeface="Arial"/>
+              <a:defRPr sz="1400" b="0" i="0" u="none" strike="noStrike" cap="none">
+                <a:solidFill>
+                  <a:srgbClr val="000000"/>
+                </a:solidFill>
+                <a:latin typeface="Arial"/>
+                <a:ea typeface="Arial"/>
+                <a:cs typeface="Arial"/>
+                <a:sym typeface="Arial"/>
+              </a:defRPr>
+            </a:lvl8pPr>
+            <a:lvl9pPr marR="0" lvl="8" algn="l" rtl="0">
+              <a:lnSpc>
+                <a:spcPct val="100000"/>
+              </a:lnSpc>
+              <a:spcBef>
+                <a:spcPts val="0"/>
+              </a:spcBef>
+              <a:spcAft>
+                <a:spcPts val="0"/>
+              </a:spcAft>
+              <a:buClr>
+                <a:srgbClr val="000000"/>
+              </a:buClr>
+              <a:buFont typeface="Arial"/>
+              <a:defRPr sz="1400" b="0" i="0" u="none" strike="noStrike" cap="none">
+                <a:solidFill>
+                  <a:srgbClr val="000000"/>
+                </a:solidFill>
+                <a:latin typeface="Arial"/>
+                <a:ea typeface="Arial"/>
+                <a:cs typeface="Arial"/>
+                <a:sym typeface="Arial"/>
+              </a:defRPr>
+            </a:lvl9pPr>
+          </a:lstStyle>
+          <a:p>
+            <a:pPr algn="ctr"/>
+            <a:r>
+              <a:rPr lang="es-CO" sz="4000" dirty="0"/>
+              <a:t>PLANTEAMIENTO </a:t>
+            </a:r>
+          </a:p>
+          <a:p>
+            <a:pPr algn="ctr"/>
+            <a:r>
+              <a:rPr lang="es-CO" sz="4000" dirty="0"/>
+              <a:t>DEL PROBLEMA </a:t>
+            </a:r>
+            <a:endParaRPr lang="en-US" sz="4000" dirty="0"/>
+          </a:p>
+        </p:txBody>
+      </p:sp>
+    </p:spTree>
+  </p:cSld>
+  <p:clrMapOvr>
+    <a:masterClrMapping/>
+  </p:clrMapOvr>
+</p:sld>
+</file>
+
+<file path=ppt/slides/slide20.xml><?xml version="1.0" encoding="utf-8"?>
 <p:sld xmlns:a="http://schemas.openxmlformats.org/drawingml/2006/main" xmlns:r="http://schemas.openxmlformats.org/officeDocument/2006/relationships" xmlns:p="http://schemas.openxmlformats.org/presentationml/2006/main">
   <p:cSld>
     <p:spTree>
@@ -6728,137 +7438,10 @@
   <p:clrMapOvr>
     <a:masterClrMapping/>
   </p:clrMapOvr>
-  <p:timing>
-    <p:tnLst>
-      <p:par>
-        <p:cTn id="1" dur="indefinite" restart="never" nodeType="tmRoot"/>
-      </p:par>
-    </p:tnLst>
-  </p:timing>
 </p:sld>
 </file>
 
-<file path=ppt/slides/slide2.xml><?xml version="1.0" encoding="utf-8"?>
-<p:sld xmlns:a="http://schemas.openxmlformats.org/drawingml/2006/main" xmlns:r="http://schemas.openxmlformats.org/officeDocument/2006/relationships" xmlns:p="http://schemas.openxmlformats.org/presentationml/2006/main">
-  <p:cSld>
-    <p:spTree>
-      <p:nvGrpSpPr>
-        <p:cNvPr id="1" name=""/>
-        <p:cNvGrpSpPr/>
-        <p:nvPr/>
-      </p:nvGrpSpPr>
-      <p:grpSpPr>
-        <a:xfrm>
-          <a:off x="0" y="0"/>
-          <a:ext cx="0" cy="0"/>
-          <a:chOff x="0" y="0"/>
-          <a:chExt cx="0" cy="0"/>
-        </a:xfrm>
-      </p:grpSpPr>
-      <p:sp>
-        <p:nvSpPr>
-          <p:cNvPr id="2" name="Rectángulo 1">
-            <a:extLst>
-              <a:ext uri="{FF2B5EF4-FFF2-40B4-BE49-F238E27FC236}">
-                <a16:creationId xmlns:a16="http://schemas.microsoft.com/office/drawing/2014/main" id="{D88D9D89-14CF-42C0-9BBC-B908971A7DF6}"/>
-              </a:ext>
-            </a:extLst>
-          </p:cNvPr>
-          <p:cNvSpPr/>
-          <p:nvPr/>
-        </p:nvSpPr>
-        <p:spPr>
-          <a:xfrm>
-            <a:off x="1095665" y="2121386"/>
-            <a:ext cx="3114827" cy="1384995"/>
-          </a:xfrm>
-          <a:prstGeom prst="rect">
-            <a:avLst/>
-          </a:prstGeom>
-        </p:spPr>
-        <p:txBody>
-          <a:bodyPr wrap="square">
-            <a:spAutoFit/>
-          </a:bodyPr>
-          <a:lstStyle/>
-          <a:p>
-            <a:pPr algn="just"/>
-            <a:r>
-              <a:rPr lang="es-MX" sz="2800" b="1" dirty="0"/>
-              <a:t>OBJETIVO GENERAL</a:t>
-            </a:r>
-          </a:p>
-          <a:p>
-            <a:pPr algn="just"/>
-            <a:endParaRPr lang="es-MX" sz="2800" dirty="0"/>
-          </a:p>
-        </p:txBody>
-      </p:sp>
-      <p:sp>
-        <p:nvSpPr>
-          <p:cNvPr id="3" name="Rectángulo 2">
-            <a:extLst>
-              <a:ext uri="{FF2B5EF4-FFF2-40B4-BE49-F238E27FC236}">
-                <a16:creationId xmlns:a16="http://schemas.microsoft.com/office/drawing/2014/main" id="{EFE9E093-84B1-4575-BC6B-00F49F68DEB6}"/>
-              </a:ext>
-            </a:extLst>
-          </p:cNvPr>
-          <p:cNvSpPr/>
-          <p:nvPr/>
-        </p:nvSpPr>
-        <p:spPr>
-          <a:xfrm>
-            <a:off x="3756750" y="1910030"/>
-            <a:ext cx="5166911" cy="1323439"/>
-          </a:xfrm>
-          <a:prstGeom prst="rect">
-            <a:avLst/>
-          </a:prstGeom>
-        </p:spPr>
-        <p:txBody>
-          <a:bodyPr wrap="square">
-            <a:spAutoFit/>
-          </a:bodyPr>
-          <a:lstStyle/>
-          <a:p>
-            <a:pPr algn="just"/>
-            <a:r>
-              <a:rPr lang="es-MX" dirty="0"/>
-              <a:t>• </a:t>
-            </a:r>
-            <a:r>
-              <a:rPr lang="es-MX" sz="2000" dirty="0"/>
-              <a:t>Construir un sistema de información que permita a la panadería fruto pan gestionar su inventario, registrar sus facturas  y el proceso de elaboración del </a:t>
-            </a:r>
-            <a:r>
-              <a:rPr lang="es-MX" sz="2000" dirty="0" smtClean="0"/>
-              <a:t>producto.</a:t>
-            </a:r>
-            <a:endParaRPr lang="es-MX" dirty="0"/>
-          </a:p>
-        </p:txBody>
-      </p:sp>
-    </p:spTree>
-    <p:extLst>
-      <p:ext uri="{BB962C8B-B14F-4D97-AF65-F5344CB8AC3E}">
-        <p14:creationId xmlns:p14="http://schemas.microsoft.com/office/powerpoint/2010/main" val="2471441285"/>
-      </p:ext>
-    </p:extLst>
-  </p:cSld>
-  <p:clrMapOvr>
-    <a:masterClrMapping/>
-  </p:clrMapOvr>
-  <p:timing>
-    <p:tnLst>
-      <p:par>
-        <p:cTn id="1" dur="indefinite" restart="never" nodeType="tmRoot"/>
-      </p:par>
-    </p:tnLst>
-  </p:timing>
-</p:sld>
-</file>
-
-<file path=ppt/slides/slide20.xml><?xml version="1.0" encoding="utf-8"?>
+<file path=ppt/slides/slide21.xml><?xml version="1.0" encoding="utf-8"?>
 <p:sld xmlns:a="http://schemas.openxmlformats.org/drawingml/2006/main" xmlns:r="http://schemas.openxmlformats.org/officeDocument/2006/relationships" xmlns:p="http://schemas.openxmlformats.org/presentationml/2006/main">
   <p:cSld>
     <p:spTree>
@@ -6915,17 +7498,10 @@
   <p:clrMapOvr>
     <a:masterClrMapping/>
   </p:clrMapOvr>
-  <p:timing>
-    <p:tnLst>
-      <p:par>
-        <p:cTn id="1" dur="indefinite" restart="never" nodeType="tmRoot"/>
-      </p:par>
-    </p:tnLst>
-  </p:timing>
 </p:sld>
 </file>
 
-<file path=ppt/slides/slide21.xml><?xml version="1.0" encoding="utf-8"?>
+<file path=ppt/slides/slide22.xml><?xml version="1.0" encoding="utf-8"?>
 <p:sld xmlns:a="http://schemas.openxmlformats.org/drawingml/2006/main" xmlns:r="http://schemas.openxmlformats.org/officeDocument/2006/relationships" xmlns:p="http://schemas.openxmlformats.org/presentationml/2006/main">
   <p:cSld>
     <p:spTree>
@@ -6982,17 +7558,10 @@
   <p:clrMapOvr>
     <a:masterClrMapping/>
   </p:clrMapOvr>
-  <p:timing>
-    <p:tnLst>
-      <p:par>
-        <p:cTn id="1" dur="indefinite" restart="never" nodeType="tmRoot"/>
-      </p:par>
-    </p:tnLst>
-  </p:timing>
 </p:sld>
 </file>
 
-<file path=ppt/slides/slide22.xml><?xml version="1.0" encoding="utf-8"?>
+<file path=ppt/slides/slide23.xml><?xml version="1.0" encoding="utf-8"?>
 <p:sld xmlns:a="http://schemas.openxmlformats.org/drawingml/2006/main" xmlns:r="http://schemas.openxmlformats.org/officeDocument/2006/relationships" xmlns:p="http://schemas.openxmlformats.org/presentationml/2006/main">
   <p:cSld>
     <p:spTree>
@@ -7083,17 +7652,10 @@
   <p:clrMapOvr>
     <a:masterClrMapping/>
   </p:clrMapOvr>
-  <p:timing>
-    <p:tnLst>
-      <p:par>
-        <p:cTn id="1" dur="indefinite" restart="never" nodeType="tmRoot"/>
-      </p:par>
-    </p:tnLst>
-  </p:timing>
 </p:sld>
 </file>
 
-<file path=ppt/slides/slide23.xml><?xml version="1.0" encoding="utf-8"?>
+<file path=ppt/slides/slide24.xml><?xml version="1.0" encoding="utf-8"?>
 <p:sld xmlns:a="http://schemas.openxmlformats.org/drawingml/2006/main" xmlns:r="http://schemas.openxmlformats.org/officeDocument/2006/relationships" xmlns:p="http://schemas.openxmlformats.org/presentationml/2006/main">
   <p:cSld>
     <p:spTree>
@@ -8023,7 +8585,7 @@
         </p:nvGraphicFramePr>
         <p:xfrm>
           <a:off x="-1" y="2848306"/>
-          <a:ext cx="5762625" cy="2115375"/>
+          <a:ext cx="5762625" cy="2114370"/>
         </p:xfrm>
         <a:graphic>
           <a:graphicData uri="http://schemas.openxmlformats.org/drawingml/2006/table">
@@ -8908,17 +9470,10 @@
   <p:clrMapOvr>
     <a:masterClrMapping/>
   </p:clrMapOvr>
-  <p:timing>
-    <p:tnLst>
-      <p:par>
-        <p:cTn id="1" dur="indefinite" restart="never" nodeType="tmRoot"/>
-      </p:par>
-    </p:tnLst>
-  </p:timing>
 </p:sld>
 </file>
 
-<file path=ppt/slides/slide24.xml><?xml version="1.0" encoding="utf-8"?>
+<file path=ppt/slides/slide25.xml><?xml version="1.0" encoding="utf-8"?>
 <p:sld xmlns:a="http://schemas.openxmlformats.org/drawingml/2006/main" xmlns:r="http://schemas.openxmlformats.org/officeDocument/2006/relationships" xmlns:p="http://schemas.openxmlformats.org/presentationml/2006/main">
   <p:cSld>
     <p:spTree>
@@ -8951,7 +9506,7 @@
         </p:nvGraphicFramePr>
         <p:xfrm>
           <a:off x="114343" y="183450"/>
-          <a:ext cx="5488940" cy="1956816"/>
+          <a:ext cx="5488940" cy="1903667"/>
         </p:xfrm>
         <a:graphic>
           <a:graphicData uri="http://schemas.openxmlformats.org/drawingml/2006/table">
@@ -9842,7 +10397,7 @@
         </p:nvGraphicFramePr>
         <p:xfrm>
           <a:off x="114343" y="2820031"/>
-          <a:ext cx="5545455" cy="2119884"/>
+          <a:ext cx="5545455" cy="2066735"/>
         </p:xfrm>
         <a:graphic>
           <a:graphicData uri="http://schemas.openxmlformats.org/drawingml/2006/table">
@@ -10727,17 +11282,10 @@
   <p:clrMapOvr>
     <a:masterClrMapping/>
   </p:clrMapOvr>
-  <p:timing>
-    <p:tnLst>
-      <p:par>
-        <p:cTn id="1" dur="indefinite" restart="never" nodeType="tmRoot"/>
-      </p:par>
-    </p:tnLst>
-  </p:timing>
 </p:sld>
 </file>
 
-<file path=ppt/slides/slide25.xml><?xml version="1.0" encoding="utf-8"?>
+<file path=ppt/slides/slide26.xml><?xml version="1.0" encoding="utf-8"?>
 <p:sld xmlns:a="http://schemas.openxmlformats.org/drawingml/2006/main" xmlns:r="http://schemas.openxmlformats.org/officeDocument/2006/relationships" xmlns:p="http://schemas.openxmlformats.org/presentationml/2006/main">
   <p:cSld>
     <p:spTree>
@@ -10770,7 +11318,7 @@
         </p:nvGraphicFramePr>
         <p:xfrm>
           <a:off x="122445" y="165842"/>
-          <a:ext cx="5577840" cy="2223262"/>
+          <a:ext cx="5577840" cy="2177606"/>
         </p:xfrm>
         <a:graphic>
           <a:graphicData uri="http://schemas.openxmlformats.org/drawingml/2006/table">
@@ -11655,7 +12203,7 @@
         </p:nvGraphicFramePr>
         <p:xfrm>
           <a:off x="122445" y="2806262"/>
-          <a:ext cx="5577840" cy="2152523"/>
+          <a:ext cx="5577840" cy="2098612"/>
         </p:xfrm>
         <a:graphic>
           <a:graphicData uri="http://schemas.openxmlformats.org/drawingml/2006/table">
@@ -12534,17 +13082,10 @@
   <p:clrMapOvr>
     <a:masterClrMapping/>
   </p:clrMapOvr>
-  <p:timing>
-    <p:tnLst>
-      <p:par>
-        <p:cTn id="1" dur="indefinite" restart="never" nodeType="tmRoot"/>
-      </p:par>
-    </p:tnLst>
-  </p:timing>
 </p:sld>
 </file>
 
-<file path=ppt/slides/slide26.xml><?xml version="1.0" encoding="utf-8"?>
+<file path=ppt/slides/slide27.xml><?xml version="1.0" encoding="utf-8"?>
 <p:sld xmlns:a="http://schemas.openxmlformats.org/drawingml/2006/main" xmlns:r="http://schemas.openxmlformats.org/officeDocument/2006/relationships" xmlns:p="http://schemas.openxmlformats.org/presentationml/2006/main">
   <p:cSld>
     <p:spTree>
@@ -12577,7 +13118,7 @@
         </p:nvGraphicFramePr>
         <p:xfrm>
           <a:off x="124854" y="101916"/>
-          <a:ext cx="5697876" cy="2119884"/>
+          <a:ext cx="5697876" cy="2063116"/>
         </p:xfrm>
         <a:graphic>
           <a:graphicData uri="http://schemas.openxmlformats.org/drawingml/2006/table">
@@ -14407,17 +14948,10 @@
   <p:clrMapOvr>
     <a:masterClrMapping/>
   </p:clrMapOvr>
-  <p:timing>
-    <p:tnLst>
-      <p:par>
-        <p:cTn id="1" dur="indefinite" restart="never" nodeType="tmRoot"/>
-      </p:par>
-    </p:tnLst>
-  </p:timing>
 </p:sld>
 </file>
 
-<file path=ppt/slides/slide27.xml><?xml version="1.0" encoding="utf-8"?>
+<file path=ppt/slides/slide28.xml><?xml version="1.0" encoding="utf-8"?>
 <p:sld xmlns:a="http://schemas.openxmlformats.org/drawingml/2006/main" xmlns:r="http://schemas.openxmlformats.org/officeDocument/2006/relationships" xmlns:p="http://schemas.openxmlformats.org/presentationml/2006/main">
   <p:cSld>
     <p:spTree>
@@ -14443,14 +14977,14 @@
           <p:nvPr>
             <p:extLst>
               <p:ext uri="{D42A27DB-BD31-4B8C-83A1-F6EECF244321}">
-                <p14:modId xmlns:p14="http://schemas.microsoft.com/office/powerpoint/2010/main" val="3165877965"/>
+                <p14:modId xmlns:p14="http://schemas.microsoft.com/office/powerpoint/2010/main" val="3499413818"/>
               </p:ext>
             </p:extLst>
           </p:nvPr>
         </p:nvGraphicFramePr>
         <p:xfrm>
           <a:off x="166896" y="228041"/>
-          <a:ext cx="5488940" cy="2119884"/>
+          <a:ext cx="5488940" cy="2063116"/>
         </p:xfrm>
         <a:graphic>
           <a:graphicData uri="http://schemas.openxmlformats.org/drawingml/2006/table">
@@ -14502,7 +15036,52 @@
                       </a:endParaRPr>
                     </a:p>
                   </a:txBody>
-                  <a:tcPr marL="68580" marR="68580" marT="0" marB="0"/>
+                  <a:tcPr marL="68580" marR="68580" marT="0" marB="0">
+                    <a:lnL w="12700" cap="flat" cmpd="sng" algn="ctr">
+                      <a:solidFill>
+                        <a:schemeClr val="tx1"/>
+                      </a:solidFill>
+                      <a:prstDash val="solid"/>
+                      <a:round/>
+                      <a:headEnd type="none" w="med" len="med"/>
+                      <a:tailEnd type="none" w="med" len="med"/>
+                    </a:lnL>
+                    <a:lnR w="12700" cap="flat" cmpd="sng" algn="ctr">
+                      <a:solidFill>
+                        <a:schemeClr val="tx1"/>
+                      </a:solidFill>
+                      <a:prstDash val="solid"/>
+                      <a:round/>
+                      <a:headEnd type="none" w="med" len="med"/>
+                      <a:tailEnd type="none" w="med" len="med"/>
+                    </a:lnR>
+                    <a:lnT w="12700" cap="flat" cmpd="sng" algn="ctr">
+                      <a:solidFill>
+                        <a:schemeClr val="tx1"/>
+                      </a:solidFill>
+                      <a:prstDash val="solid"/>
+                      <a:round/>
+                      <a:headEnd type="none" w="med" len="med"/>
+                      <a:tailEnd type="none" w="med" len="med"/>
+                    </a:lnT>
+                    <a:lnB w="12700" cap="flat" cmpd="sng" algn="ctr">
+                      <a:solidFill>
+                        <a:schemeClr val="tx1"/>
+                      </a:solidFill>
+                      <a:prstDash val="solid"/>
+                      <a:round/>
+                      <a:headEnd type="none" w="med" len="med"/>
+                      <a:tailEnd type="none" w="med" len="med"/>
+                    </a:lnB>
+                    <a:lnTlToBr w="12700" cmpd="sng">
+                      <a:noFill/>
+                      <a:prstDash val="solid"/>
+                    </a:lnTlToBr>
+                    <a:lnBlToTr w="12700" cmpd="sng">
+                      <a:noFill/>
+                      <a:prstDash val="solid"/>
+                    </a:lnBlToTr>
+                  </a:tcPr>
                 </a:tc>
                 <a:tc>
                   <a:txBody>
@@ -14531,7 +15110,52 @@
                       </a:endParaRPr>
                     </a:p>
                   </a:txBody>
-                  <a:tcPr marL="68580" marR="68580" marT="0" marB="0"/>
+                  <a:tcPr marL="68580" marR="68580" marT="0" marB="0">
+                    <a:lnL w="12700" cap="flat" cmpd="sng" algn="ctr">
+                      <a:solidFill>
+                        <a:schemeClr val="tx1"/>
+                      </a:solidFill>
+                      <a:prstDash val="solid"/>
+                      <a:round/>
+                      <a:headEnd type="none" w="med" len="med"/>
+                      <a:tailEnd type="none" w="med" len="med"/>
+                    </a:lnL>
+                    <a:lnR w="12700" cap="flat" cmpd="sng" algn="ctr">
+                      <a:solidFill>
+                        <a:schemeClr val="tx1"/>
+                      </a:solidFill>
+                      <a:prstDash val="solid"/>
+                      <a:round/>
+                      <a:headEnd type="none" w="med" len="med"/>
+                      <a:tailEnd type="none" w="med" len="med"/>
+                    </a:lnR>
+                    <a:lnT w="12700" cap="flat" cmpd="sng" algn="ctr">
+                      <a:solidFill>
+                        <a:schemeClr val="tx1"/>
+                      </a:solidFill>
+                      <a:prstDash val="solid"/>
+                      <a:round/>
+                      <a:headEnd type="none" w="med" len="med"/>
+                      <a:tailEnd type="none" w="med" len="med"/>
+                    </a:lnT>
+                    <a:lnB w="12700" cap="flat" cmpd="sng" algn="ctr">
+                      <a:solidFill>
+                        <a:schemeClr val="tx1"/>
+                      </a:solidFill>
+                      <a:prstDash val="solid"/>
+                      <a:round/>
+                      <a:headEnd type="none" w="med" len="med"/>
+                      <a:tailEnd type="none" w="med" len="med"/>
+                    </a:lnB>
+                    <a:lnTlToBr w="12700" cmpd="sng">
+                      <a:noFill/>
+                      <a:prstDash val="solid"/>
+                    </a:lnTlToBr>
+                    <a:lnBlToTr w="12700" cmpd="sng">
+                      <a:noFill/>
+                      <a:prstDash val="solid"/>
+                    </a:lnBlToTr>
+                  </a:tcPr>
                 </a:tc>
                 <a:extLst>
                   <a:ext uri="{0D108BD9-81ED-4DB2-BD59-A6C34878D82A}">
@@ -14567,7 +15191,52 @@
                       </a:endParaRPr>
                     </a:p>
                   </a:txBody>
-                  <a:tcPr marL="68580" marR="68580" marT="0" marB="0"/>
+                  <a:tcPr marL="68580" marR="68580" marT="0" marB="0">
+                    <a:lnL w="12700" cap="flat" cmpd="sng" algn="ctr">
+                      <a:solidFill>
+                        <a:schemeClr val="tx1"/>
+                      </a:solidFill>
+                      <a:prstDash val="solid"/>
+                      <a:round/>
+                      <a:headEnd type="none" w="med" len="med"/>
+                      <a:tailEnd type="none" w="med" len="med"/>
+                    </a:lnL>
+                    <a:lnR w="12700" cap="flat" cmpd="sng" algn="ctr">
+                      <a:solidFill>
+                        <a:schemeClr val="tx1"/>
+                      </a:solidFill>
+                      <a:prstDash val="solid"/>
+                      <a:round/>
+                      <a:headEnd type="none" w="med" len="med"/>
+                      <a:tailEnd type="none" w="med" len="med"/>
+                    </a:lnR>
+                    <a:lnT w="12700" cap="flat" cmpd="sng" algn="ctr">
+                      <a:solidFill>
+                        <a:schemeClr val="tx1"/>
+                      </a:solidFill>
+                      <a:prstDash val="solid"/>
+                      <a:round/>
+                      <a:headEnd type="none" w="med" len="med"/>
+                      <a:tailEnd type="none" w="med" len="med"/>
+                    </a:lnT>
+                    <a:lnB w="12700" cap="flat" cmpd="sng" algn="ctr">
+                      <a:solidFill>
+                        <a:schemeClr val="tx1"/>
+                      </a:solidFill>
+                      <a:prstDash val="solid"/>
+                      <a:round/>
+                      <a:headEnd type="none" w="med" len="med"/>
+                      <a:tailEnd type="none" w="med" len="med"/>
+                    </a:lnB>
+                    <a:lnTlToBr w="12700" cmpd="sng">
+                      <a:noFill/>
+                      <a:prstDash val="solid"/>
+                    </a:lnTlToBr>
+                    <a:lnBlToTr w="12700" cmpd="sng">
+                      <a:noFill/>
+                      <a:prstDash val="solid"/>
+                    </a:lnBlToTr>
+                  </a:tcPr>
                 </a:tc>
                 <a:tc>
                   <a:txBody>
@@ -14596,7 +15265,52 @@
                       </a:endParaRPr>
                     </a:p>
                   </a:txBody>
-                  <a:tcPr marL="68580" marR="68580" marT="0" marB="0"/>
+                  <a:tcPr marL="68580" marR="68580" marT="0" marB="0">
+                    <a:lnL w="12700" cap="flat" cmpd="sng" algn="ctr">
+                      <a:solidFill>
+                        <a:schemeClr val="tx1"/>
+                      </a:solidFill>
+                      <a:prstDash val="solid"/>
+                      <a:round/>
+                      <a:headEnd type="none" w="med" len="med"/>
+                      <a:tailEnd type="none" w="med" len="med"/>
+                    </a:lnL>
+                    <a:lnR w="12700" cap="flat" cmpd="sng" algn="ctr">
+                      <a:solidFill>
+                        <a:schemeClr val="tx1"/>
+                      </a:solidFill>
+                      <a:prstDash val="solid"/>
+                      <a:round/>
+                      <a:headEnd type="none" w="med" len="med"/>
+                      <a:tailEnd type="none" w="med" len="med"/>
+                    </a:lnR>
+                    <a:lnT w="12700" cap="flat" cmpd="sng" algn="ctr">
+                      <a:solidFill>
+                        <a:schemeClr val="tx1"/>
+                      </a:solidFill>
+                      <a:prstDash val="solid"/>
+                      <a:round/>
+                      <a:headEnd type="none" w="med" len="med"/>
+                      <a:tailEnd type="none" w="med" len="med"/>
+                    </a:lnT>
+                    <a:lnB w="12700" cap="flat" cmpd="sng" algn="ctr">
+                      <a:solidFill>
+                        <a:schemeClr val="tx1"/>
+                      </a:solidFill>
+                      <a:prstDash val="solid"/>
+                      <a:round/>
+                      <a:headEnd type="none" w="med" len="med"/>
+                      <a:tailEnd type="none" w="med" len="med"/>
+                    </a:lnB>
+                    <a:lnTlToBr w="12700" cmpd="sng">
+                      <a:noFill/>
+                      <a:prstDash val="solid"/>
+                    </a:lnTlToBr>
+                    <a:lnBlToTr w="12700" cmpd="sng">
+                      <a:noFill/>
+                      <a:prstDash val="solid"/>
+                    </a:lnBlToTr>
+                  </a:tcPr>
                 </a:tc>
                 <a:extLst>
                   <a:ext uri="{0D108BD9-81ED-4DB2-BD59-A6C34878D82A}">
@@ -14632,7 +15346,52 @@
                       </a:endParaRPr>
                     </a:p>
                   </a:txBody>
-                  <a:tcPr marL="68580" marR="68580" marT="0" marB="0"/>
+                  <a:tcPr marL="68580" marR="68580" marT="0" marB="0">
+                    <a:lnL w="12700" cap="flat" cmpd="sng" algn="ctr">
+                      <a:solidFill>
+                        <a:schemeClr val="tx1"/>
+                      </a:solidFill>
+                      <a:prstDash val="solid"/>
+                      <a:round/>
+                      <a:headEnd type="none" w="med" len="med"/>
+                      <a:tailEnd type="none" w="med" len="med"/>
+                    </a:lnL>
+                    <a:lnR w="12700" cap="flat" cmpd="sng" algn="ctr">
+                      <a:solidFill>
+                        <a:schemeClr val="tx1"/>
+                      </a:solidFill>
+                      <a:prstDash val="solid"/>
+                      <a:round/>
+                      <a:headEnd type="none" w="med" len="med"/>
+                      <a:tailEnd type="none" w="med" len="med"/>
+                    </a:lnR>
+                    <a:lnT w="12700" cap="flat" cmpd="sng" algn="ctr">
+                      <a:solidFill>
+                        <a:schemeClr val="tx1"/>
+                      </a:solidFill>
+                      <a:prstDash val="solid"/>
+                      <a:round/>
+                      <a:headEnd type="none" w="med" len="med"/>
+                      <a:tailEnd type="none" w="med" len="med"/>
+                    </a:lnT>
+                    <a:lnB w="12700" cap="flat" cmpd="sng" algn="ctr">
+                      <a:solidFill>
+                        <a:schemeClr val="tx1"/>
+                      </a:solidFill>
+                      <a:prstDash val="solid"/>
+                      <a:round/>
+                      <a:headEnd type="none" w="med" len="med"/>
+                      <a:tailEnd type="none" w="med" len="med"/>
+                    </a:lnB>
+                    <a:lnTlToBr w="12700" cmpd="sng">
+                      <a:noFill/>
+                      <a:prstDash val="solid"/>
+                    </a:lnTlToBr>
+                    <a:lnBlToTr w="12700" cmpd="sng">
+                      <a:noFill/>
+                      <a:prstDash val="solid"/>
+                    </a:lnBlToTr>
+                  </a:tcPr>
                 </a:tc>
                 <a:tc>
                   <a:txBody>
@@ -14661,7 +15420,52 @@
                       </a:endParaRPr>
                     </a:p>
                   </a:txBody>
-                  <a:tcPr marL="68580" marR="68580" marT="0" marB="0"/>
+                  <a:tcPr marL="68580" marR="68580" marT="0" marB="0">
+                    <a:lnL w="12700" cap="flat" cmpd="sng" algn="ctr">
+                      <a:solidFill>
+                        <a:schemeClr val="tx1"/>
+                      </a:solidFill>
+                      <a:prstDash val="solid"/>
+                      <a:round/>
+                      <a:headEnd type="none" w="med" len="med"/>
+                      <a:tailEnd type="none" w="med" len="med"/>
+                    </a:lnL>
+                    <a:lnR w="12700" cap="flat" cmpd="sng" algn="ctr">
+                      <a:solidFill>
+                        <a:schemeClr val="tx1"/>
+                      </a:solidFill>
+                      <a:prstDash val="solid"/>
+                      <a:round/>
+                      <a:headEnd type="none" w="med" len="med"/>
+                      <a:tailEnd type="none" w="med" len="med"/>
+                    </a:lnR>
+                    <a:lnT w="12700" cap="flat" cmpd="sng" algn="ctr">
+                      <a:solidFill>
+                        <a:schemeClr val="tx1"/>
+                      </a:solidFill>
+                      <a:prstDash val="solid"/>
+                      <a:round/>
+                      <a:headEnd type="none" w="med" len="med"/>
+                      <a:tailEnd type="none" w="med" len="med"/>
+                    </a:lnT>
+                    <a:lnB w="12700" cap="flat" cmpd="sng" algn="ctr">
+                      <a:solidFill>
+                        <a:schemeClr val="tx1"/>
+                      </a:solidFill>
+                      <a:prstDash val="solid"/>
+                      <a:round/>
+                      <a:headEnd type="none" w="med" len="med"/>
+                      <a:tailEnd type="none" w="med" len="med"/>
+                    </a:lnB>
+                    <a:lnTlToBr w="12700" cmpd="sng">
+                      <a:noFill/>
+                      <a:prstDash val="solid"/>
+                    </a:lnTlToBr>
+                    <a:lnBlToTr w="12700" cmpd="sng">
+                      <a:noFill/>
+                      <a:prstDash val="solid"/>
+                    </a:lnBlToTr>
+                  </a:tcPr>
                 </a:tc>
                 <a:extLst>
                   <a:ext uri="{0D108BD9-81ED-4DB2-BD59-A6C34878D82A}">
@@ -14697,7 +15501,52 @@
                       </a:endParaRPr>
                     </a:p>
                   </a:txBody>
-                  <a:tcPr marL="68580" marR="68580" marT="0" marB="0"/>
+                  <a:tcPr marL="68580" marR="68580" marT="0" marB="0">
+                    <a:lnL w="12700" cap="flat" cmpd="sng" algn="ctr">
+                      <a:solidFill>
+                        <a:schemeClr val="tx1"/>
+                      </a:solidFill>
+                      <a:prstDash val="solid"/>
+                      <a:round/>
+                      <a:headEnd type="none" w="med" len="med"/>
+                      <a:tailEnd type="none" w="med" len="med"/>
+                    </a:lnL>
+                    <a:lnR w="12700" cap="flat" cmpd="sng" algn="ctr">
+                      <a:solidFill>
+                        <a:schemeClr val="tx1"/>
+                      </a:solidFill>
+                      <a:prstDash val="solid"/>
+                      <a:round/>
+                      <a:headEnd type="none" w="med" len="med"/>
+                      <a:tailEnd type="none" w="med" len="med"/>
+                    </a:lnR>
+                    <a:lnT w="12700" cap="flat" cmpd="sng" algn="ctr">
+                      <a:solidFill>
+                        <a:schemeClr val="tx1"/>
+                      </a:solidFill>
+                      <a:prstDash val="solid"/>
+                      <a:round/>
+                      <a:headEnd type="none" w="med" len="med"/>
+                      <a:tailEnd type="none" w="med" len="med"/>
+                    </a:lnT>
+                    <a:lnB w="12700" cap="flat" cmpd="sng" algn="ctr">
+                      <a:solidFill>
+                        <a:schemeClr val="tx1"/>
+                      </a:solidFill>
+                      <a:prstDash val="solid"/>
+                      <a:round/>
+                      <a:headEnd type="none" w="med" len="med"/>
+                      <a:tailEnd type="none" w="med" len="med"/>
+                    </a:lnB>
+                    <a:lnTlToBr w="12700" cmpd="sng">
+                      <a:noFill/>
+                      <a:prstDash val="solid"/>
+                    </a:lnTlToBr>
+                    <a:lnBlToTr w="12700" cmpd="sng">
+                      <a:noFill/>
+                      <a:prstDash val="solid"/>
+                    </a:lnBlToTr>
+                  </a:tcPr>
                 </a:tc>
                 <a:tc>
                   <a:txBody>
@@ -14726,7 +15575,52 @@
                       </a:endParaRPr>
                     </a:p>
                   </a:txBody>
-                  <a:tcPr marL="68580" marR="68580" marT="0" marB="0"/>
+                  <a:tcPr marL="68580" marR="68580" marT="0" marB="0">
+                    <a:lnL w="12700" cap="flat" cmpd="sng" algn="ctr">
+                      <a:solidFill>
+                        <a:schemeClr val="tx1"/>
+                      </a:solidFill>
+                      <a:prstDash val="solid"/>
+                      <a:round/>
+                      <a:headEnd type="none" w="med" len="med"/>
+                      <a:tailEnd type="none" w="med" len="med"/>
+                    </a:lnL>
+                    <a:lnR w="12700" cap="flat" cmpd="sng" algn="ctr">
+                      <a:solidFill>
+                        <a:schemeClr val="tx1"/>
+                      </a:solidFill>
+                      <a:prstDash val="solid"/>
+                      <a:round/>
+                      <a:headEnd type="none" w="med" len="med"/>
+                      <a:tailEnd type="none" w="med" len="med"/>
+                    </a:lnR>
+                    <a:lnT w="12700" cap="flat" cmpd="sng" algn="ctr">
+                      <a:solidFill>
+                        <a:schemeClr val="tx1"/>
+                      </a:solidFill>
+                      <a:prstDash val="solid"/>
+                      <a:round/>
+                      <a:headEnd type="none" w="med" len="med"/>
+                      <a:tailEnd type="none" w="med" len="med"/>
+                    </a:lnT>
+                    <a:lnB w="12700" cap="flat" cmpd="sng" algn="ctr">
+                      <a:solidFill>
+                        <a:schemeClr val="tx1"/>
+                      </a:solidFill>
+                      <a:prstDash val="solid"/>
+                      <a:round/>
+                      <a:headEnd type="none" w="med" len="med"/>
+                      <a:tailEnd type="none" w="med" len="med"/>
+                    </a:lnB>
+                    <a:lnTlToBr w="12700" cmpd="sng">
+                      <a:noFill/>
+                      <a:prstDash val="solid"/>
+                    </a:lnTlToBr>
+                    <a:lnBlToTr w="12700" cmpd="sng">
+                      <a:noFill/>
+                      <a:prstDash val="solid"/>
+                    </a:lnBlToTr>
+                  </a:tcPr>
                 </a:tc>
                 <a:extLst>
                   <a:ext uri="{0D108BD9-81ED-4DB2-BD59-A6C34878D82A}">
@@ -14762,7 +15656,52 @@
                       </a:endParaRPr>
                     </a:p>
                   </a:txBody>
-                  <a:tcPr marL="68580" marR="68580" marT="0" marB="0"/>
+                  <a:tcPr marL="68580" marR="68580" marT="0" marB="0">
+                    <a:lnL w="12700" cap="flat" cmpd="sng" algn="ctr">
+                      <a:solidFill>
+                        <a:schemeClr val="tx1"/>
+                      </a:solidFill>
+                      <a:prstDash val="solid"/>
+                      <a:round/>
+                      <a:headEnd type="none" w="med" len="med"/>
+                      <a:tailEnd type="none" w="med" len="med"/>
+                    </a:lnL>
+                    <a:lnR w="12700" cap="flat" cmpd="sng" algn="ctr">
+                      <a:solidFill>
+                        <a:schemeClr val="tx1"/>
+                      </a:solidFill>
+                      <a:prstDash val="solid"/>
+                      <a:round/>
+                      <a:headEnd type="none" w="med" len="med"/>
+                      <a:tailEnd type="none" w="med" len="med"/>
+                    </a:lnR>
+                    <a:lnT w="12700" cap="flat" cmpd="sng" algn="ctr">
+                      <a:solidFill>
+                        <a:schemeClr val="tx1"/>
+                      </a:solidFill>
+                      <a:prstDash val="solid"/>
+                      <a:round/>
+                      <a:headEnd type="none" w="med" len="med"/>
+                      <a:tailEnd type="none" w="med" len="med"/>
+                    </a:lnT>
+                    <a:lnB w="12700" cap="flat" cmpd="sng" algn="ctr">
+                      <a:solidFill>
+                        <a:schemeClr val="tx1"/>
+                      </a:solidFill>
+                      <a:prstDash val="solid"/>
+                      <a:round/>
+                      <a:headEnd type="none" w="med" len="med"/>
+                      <a:tailEnd type="none" w="med" len="med"/>
+                    </a:lnB>
+                    <a:lnTlToBr w="12700" cmpd="sng">
+                      <a:noFill/>
+                      <a:prstDash val="solid"/>
+                    </a:lnTlToBr>
+                    <a:lnBlToTr w="12700" cmpd="sng">
+                      <a:noFill/>
+                      <a:prstDash val="solid"/>
+                    </a:lnBlToTr>
+                  </a:tcPr>
                 </a:tc>
                 <a:tc>
                   <a:txBody>
@@ -14835,7 +15774,52 @@
                       </a:endParaRPr>
                     </a:p>
                   </a:txBody>
-                  <a:tcPr marL="68580" marR="68580" marT="0" marB="0"/>
+                  <a:tcPr marL="68580" marR="68580" marT="0" marB="0">
+                    <a:lnL w="12700" cap="flat" cmpd="sng" algn="ctr">
+                      <a:solidFill>
+                        <a:schemeClr val="tx1"/>
+                      </a:solidFill>
+                      <a:prstDash val="solid"/>
+                      <a:round/>
+                      <a:headEnd type="none" w="med" len="med"/>
+                      <a:tailEnd type="none" w="med" len="med"/>
+                    </a:lnL>
+                    <a:lnR w="12700" cap="flat" cmpd="sng" algn="ctr">
+                      <a:solidFill>
+                        <a:schemeClr val="tx1"/>
+                      </a:solidFill>
+                      <a:prstDash val="solid"/>
+                      <a:round/>
+                      <a:headEnd type="none" w="med" len="med"/>
+                      <a:tailEnd type="none" w="med" len="med"/>
+                    </a:lnR>
+                    <a:lnT w="12700" cap="flat" cmpd="sng" algn="ctr">
+                      <a:solidFill>
+                        <a:schemeClr val="tx1"/>
+                      </a:solidFill>
+                      <a:prstDash val="solid"/>
+                      <a:round/>
+                      <a:headEnd type="none" w="med" len="med"/>
+                      <a:tailEnd type="none" w="med" len="med"/>
+                    </a:lnT>
+                    <a:lnB w="12700" cap="flat" cmpd="sng" algn="ctr">
+                      <a:solidFill>
+                        <a:schemeClr val="tx1"/>
+                      </a:solidFill>
+                      <a:prstDash val="solid"/>
+                      <a:round/>
+                      <a:headEnd type="none" w="med" len="med"/>
+                      <a:tailEnd type="none" w="med" len="med"/>
+                    </a:lnB>
+                    <a:lnTlToBr w="12700" cmpd="sng">
+                      <a:noFill/>
+                      <a:prstDash val="solid"/>
+                    </a:lnTlToBr>
+                    <a:lnBlToTr w="12700" cmpd="sng">
+                      <a:noFill/>
+                      <a:prstDash val="solid"/>
+                    </a:lnBlToTr>
+                  </a:tcPr>
                 </a:tc>
                 <a:extLst>
                   <a:ext uri="{0D108BD9-81ED-4DB2-BD59-A6C34878D82A}">
@@ -14890,7 +15874,52 @@
                       </a:endParaRPr>
                     </a:p>
                   </a:txBody>
-                  <a:tcPr marL="68580" marR="68580" marT="0" marB="0"/>
+                  <a:tcPr marL="68580" marR="68580" marT="0" marB="0">
+                    <a:lnL w="12700" cap="flat" cmpd="sng" algn="ctr">
+                      <a:solidFill>
+                        <a:schemeClr val="tx1"/>
+                      </a:solidFill>
+                      <a:prstDash val="solid"/>
+                      <a:round/>
+                      <a:headEnd type="none" w="med" len="med"/>
+                      <a:tailEnd type="none" w="med" len="med"/>
+                    </a:lnL>
+                    <a:lnR w="12700" cap="flat" cmpd="sng" algn="ctr">
+                      <a:solidFill>
+                        <a:schemeClr val="tx1"/>
+                      </a:solidFill>
+                      <a:prstDash val="solid"/>
+                      <a:round/>
+                      <a:headEnd type="none" w="med" len="med"/>
+                      <a:tailEnd type="none" w="med" len="med"/>
+                    </a:lnR>
+                    <a:lnT w="12700" cap="flat" cmpd="sng" algn="ctr">
+                      <a:solidFill>
+                        <a:schemeClr val="tx1"/>
+                      </a:solidFill>
+                      <a:prstDash val="solid"/>
+                      <a:round/>
+                      <a:headEnd type="none" w="med" len="med"/>
+                      <a:tailEnd type="none" w="med" len="med"/>
+                    </a:lnT>
+                    <a:lnB w="12700" cap="flat" cmpd="sng" algn="ctr">
+                      <a:solidFill>
+                        <a:schemeClr val="tx1"/>
+                      </a:solidFill>
+                      <a:prstDash val="solid"/>
+                      <a:round/>
+                      <a:headEnd type="none" w="med" len="med"/>
+                      <a:tailEnd type="none" w="med" len="med"/>
+                    </a:lnB>
+                    <a:lnTlToBr w="12700" cmpd="sng">
+                      <a:noFill/>
+                      <a:prstDash val="solid"/>
+                    </a:lnTlToBr>
+                    <a:lnBlToTr w="12700" cmpd="sng">
+                      <a:noFill/>
+                      <a:prstDash val="solid"/>
+                    </a:lnBlToTr>
+                  </a:tcPr>
                 </a:tc>
                 <a:tc hMerge="1">
                   <a:txBody>
@@ -14928,7 +15957,7 @@
         </p:nvGraphicFramePr>
         <p:xfrm>
           <a:off x="166896" y="2897668"/>
-          <a:ext cx="5488940" cy="2119884"/>
+          <a:ext cx="5488940" cy="2063116"/>
         </p:xfrm>
         <a:graphic>
           <a:graphicData uri="http://schemas.openxmlformats.org/drawingml/2006/table">
@@ -15807,17 +16836,10 @@
   <p:clrMapOvr>
     <a:masterClrMapping/>
   </p:clrMapOvr>
-  <p:timing>
-    <p:tnLst>
-      <p:par>
-        <p:cTn id="1" dur="indefinite" restart="never" nodeType="tmRoot"/>
-      </p:par>
-    </p:tnLst>
-  </p:timing>
 </p:sld>
 </file>
 
-<file path=ppt/slides/slide28.xml><?xml version="1.0" encoding="utf-8"?>
+<file path=ppt/slides/slide29.xml><?xml version="1.0" encoding="utf-8"?>
 <p:sld xmlns:a="http://schemas.openxmlformats.org/drawingml/2006/main" xmlns:r="http://schemas.openxmlformats.org/officeDocument/2006/relationships" xmlns:p="http://schemas.openxmlformats.org/presentationml/2006/main">
   <p:cSld>
     <p:spTree>
@@ -15884,17 +16906,563 @@
   <p:clrMapOvr>
     <a:masterClrMapping/>
   </p:clrMapOvr>
-  <p:timing>
-    <p:tnLst>
-      <p:par>
-        <p:cTn id="1" dur="indefinite" restart="never" nodeType="tmRoot"/>
-      </p:par>
-    </p:tnLst>
-  </p:timing>
 </p:sld>
 </file>
 
-<file path=ppt/slides/slide29.xml><?xml version="1.0" encoding="utf-8"?>
+<file path=ppt/slides/slide3.xml><?xml version="1.0" encoding="utf-8"?>
+<p:sld xmlns:a="http://schemas.openxmlformats.org/drawingml/2006/main" xmlns:r="http://schemas.openxmlformats.org/officeDocument/2006/relationships" xmlns:p="http://schemas.openxmlformats.org/presentationml/2006/main">
+  <p:cSld>
+    <p:spTree>
+      <p:nvGrpSpPr>
+        <p:cNvPr id="1" name="Shape 54"/>
+        <p:cNvGrpSpPr/>
+        <p:nvPr/>
+      </p:nvGrpSpPr>
+      <p:grpSpPr>
+        <a:xfrm>
+          <a:off x="0" y="0"/>
+          <a:ext cx="0" cy="0"/>
+          <a:chOff x="0" y="0"/>
+          <a:chExt cx="0" cy="0"/>
+        </a:xfrm>
+      </p:grpSpPr>
+      <p:sp>
+        <p:nvSpPr>
+          <p:cNvPr id="2" name="Marcador de contenido 2">
+            <a:extLst>
+              <a:ext uri="{FF2B5EF4-FFF2-40B4-BE49-F238E27FC236}">
+                <a16:creationId xmlns:a16="http://schemas.microsoft.com/office/drawing/2014/main" id="{F1147482-E3A3-4CA0-98FF-98A1256D8477}"/>
+              </a:ext>
+            </a:extLst>
+          </p:cNvPr>
+          <p:cNvSpPr txBox="1">
+            <a:spLocks/>
+          </p:cNvSpPr>
+          <p:nvPr/>
+        </p:nvSpPr>
+        <p:spPr>
+          <a:xfrm>
+            <a:off x="110138" y="2995724"/>
+            <a:ext cx="8567464" cy="3269102"/>
+          </a:xfrm>
+          <a:prstGeom prst="rect">
+            <a:avLst/>
+          </a:prstGeom>
+        </p:spPr>
+        <p:txBody>
+          <a:bodyPr>
+            <a:normAutofit/>
+          </a:bodyPr>
+          <a:lstStyle>
+            <a:defPPr marR="0" lvl="0" algn="l" rtl="0">
+              <a:lnSpc>
+                <a:spcPct val="100000"/>
+              </a:lnSpc>
+              <a:spcBef>
+                <a:spcPts val="0"/>
+              </a:spcBef>
+              <a:spcAft>
+                <a:spcPts val="0"/>
+              </a:spcAft>
+            </a:defPPr>
+            <a:lvl1pPr marR="0" lvl="0" algn="l" rtl="0">
+              <a:lnSpc>
+                <a:spcPct val="100000"/>
+              </a:lnSpc>
+              <a:spcBef>
+                <a:spcPts val="0"/>
+              </a:spcBef>
+              <a:spcAft>
+                <a:spcPts val="0"/>
+              </a:spcAft>
+              <a:buClr>
+                <a:srgbClr val="000000"/>
+              </a:buClr>
+              <a:buFont typeface="Arial"/>
+              <a:defRPr sz="1400" b="0" i="0" u="none" strike="noStrike" cap="none">
+                <a:solidFill>
+                  <a:srgbClr val="000000"/>
+                </a:solidFill>
+                <a:latin typeface="Arial"/>
+                <a:ea typeface="Arial"/>
+                <a:cs typeface="Arial"/>
+                <a:sym typeface="Arial"/>
+              </a:defRPr>
+            </a:lvl1pPr>
+            <a:lvl2pPr marR="0" lvl="1" algn="l" rtl="0">
+              <a:lnSpc>
+                <a:spcPct val="100000"/>
+              </a:lnSpc>
+              <a:spcBef>
+                <a:spcPts val="0"/>
+              </a:spcBef>
+              <a:spcAft>
+                <a:spcPts val="0"/>
+              </a:spcAft>
+              <a:buClr>
+                <a:srgbClr val="000000"/>
+              </a:buClr>
+              <a:buFont typeface="Arial"/>
+              <a:defRPr sz="1400" b="0" i="0" u="none" strike="noStrike" cap="none">
+                <a:solidFill>
+                  <a:srgbClr val="000000"/>
+                </a:solidFill>
+                <a:latin typeface="Arial"/>
+                <a:ea typeface="Arial"/>
+                <a:cs typeface="Arial"/>
+                <a:sym typeface="Arial"/>
+              </a:defRPr>
+            </a:lvl2pPr>
+            <a:lvl3pPr marR="0" lvl="2" algn="l" rtl="0">
+              <a:lnSpc>
+                <a:spcPct val="100000"/>
+              </a:lnSpc>
+              <a:spcBef>
+                <a:spcPts val="0"/>
+              </a:spcBef>
+              <a:spcAft>
+                <a:spcPts val="0"/>
+              </a:spcAft>
+              <a:buClr>
+                <a:srgbClr val="000000"/>
+              </a:buClr>
+              <a:buFont typeface="Arial"/>
+              <a:defRPr sz="1400" b="0" i="0" u="none" strike="noStrike" cap="none">
+                <a:solidFill>
+                  <a:srgbClr val="000000"/>
+                </a:solidFill>
+                <a:latin typeface="Arial"/>
+                <a:ea typeface="Arial"/>
+                <a:cs typeface="Arial"/>
+                <a:sym typeface="Arial"/>
+              </a:defRPr>
+            </a:lvl3pPr>
+            <a:lvl4pPr marR="0" lvl="3" algn="l" rtl="0">
+              <a:lnSpc>
+                <a:spcPct val="100000"/>
+              </a:lnSpc>
+              <a:spcBef>
+                <a:spcPts val="0"/>
+              </a:spcBef>
+              <a:spcAft>
+                <a:spcPts val="0"/>
+              </a:spcAft>
+              <a:buClr>
+                <a:srgbClr val="000000"/>
+              </a:buClr>
+              <a:buFont typeface="Arial"/>
+              <a:defRPr sz="1400" b="0" i="0" u="none" strike="noStrike" cap="none">
+                <a:solidFill>
+                  <a:srgbClr val="000000"/>
+                </a:solidFill>
+                <a:latin typeface="Arial"/>
+                <a:ea typeface="Arial"/>
+                <a:cs typeface="Arial"/>
+                <a:sym typeface="Arial"/>
+              </a:defRPr>
+            </a:lvl4pPr>
+            <a:lvl5pPr marR="0" lvl="4" algn="l" rtl="0">
+              <a:lnSpc>
+                <a:spcPct val="100000"/>
+              </a:lnSpc>
+              <a:spcBef>
+                <a:spcPts val="0"/>
+              </a:spcBef>
+              <a:spcAft>
+                <a:spcPts val="0"/>
+              </a:spcAft>
+              <a:buClr>
+                <a:srgbClr val="000000"/>
+              </a:buClr>
+              <a:buFont typeface="Arial"/>
+              <a:defRPr sz="1400" b="0" i="0" u="none" strike="noStrike" cap="none">
+                <a:solidFill>
+                  <a:srgbClr val="000000"/>
+                </a:solidFill>
+                <a:latin typeface="Arial"/>
+                <a:ea typeface="Arial"/>
+                <a:cs typeface="Arial"/>
+                <a:sym typeface="Arial"/>
+              </a:defRPr>
+            </a:lvl5pPr>
+            <a:lvl6pPr marR="0" lvl="5" algn="l" rtl="0">
+              <a:lnSpc>
+                <a:spcPct val="100000"/>
+              </a:lnSpc>
+              <a:spcBef>
+                <a:spcPts val="0"/>
+              </a:spcBef>
+              <a:spcAft>
+                <a:spcPts val="0"/>
+              </a:spcAft>
+              <a:buClr>
+                <a:srgbClr val="000000"/>
+              </a:buClr>
+              <a:buFont typeface="Arial"/>
+              <a:defRPr sz="1400" b="0" i="0" u="none" strike="noStrike" cap="none">
+                <a:solidFill>
+                  <a:srgbClr val="000000"/>
+                </a:solidFill>
+                <a:latin typeface="Arial"/>
+                <a:ea typeface="Arial"/>
+                <a:cs typeface="Arial"/>
+                <a:sym typeface="Arial"/>
+              </a:defRPr>
+            </a:lvl6pPr>
+            <a:lvl7pPr marR="0" lvl="6" algn="l" rtl="0">
+              <a:lnSpc>
+                <a:spcPct val="100000"/>
+              </a:lnSpc>
+              <a:spcBef>
+                <a:spcPts val="0"/>
+              </a:spcBef>
+              <a:spcAft>
+                <a:spcPts val="0"/>
+              </a:spcAft>
+              <a:buClr>
+                <a:srgbClr val="000000"/>
+              </a:buClr>
+              <a:buFont typeface="Arial"/>
+              <a:defRPr sz="1400" b="0" i="0" u="none" strike="noStrike" cap="none">
+                <a:solidFill>
+                  <a:srgbClr val="000000"/>
+                </a:solidFill>
+                <a:latin typeface="Arial"/>
+                <a:ea typeface="Arial"/>
+                <a:cs typeface="Arial"/>
+                <a:sym typeface="Arial"/>
+              </a:defRPr>
+            </a:lvl7pPr>
+            <a:lvl8pPr marR="0" lvl="7" algn="l" rtl="0">
+              <a:lnSpc>
+                <a:spcPct val="100000"/>
+              </a:lnSpc>
+              <a:spcBef>
+                <a:spcPts val="0"/>
+              </a:spcBef>
+              <a:spcAft>
+                <a:spcPts val="0"/>
+              </a:spcAft>
+              <a:buClr>
+                <a:srgbClr val="000000"/>
+              </a:buClr>
+              <a:buFont typeface="Arial"/>
+              <a:defRPr sz="1400" b="0" i="0" u="none" strike="noStrike" cap="none">
+                <a:solidFill>
+                  <a:srgbClr val="000000"/>
+                </a:solidFill>
+                <a:latin typeface="Arial"/>
+                <a:ea typeface="Arial"/>
+                <a:cs typeface="Arial"/>
+                <a:sym typeface="Arial"/>
+              </a:defRPr>
+            </a:lvl8pPr>
+            <a:lvl9pPr marR="0" lvl="8" algn="l" rtl="0">
+              <a:lnSpc>
+                <a:spcPct val="100000"/>
+              </a:lnSpc>
+              <a:spcBef>
+                <a:spcPts val="0"/>
+              </a:spcBef>
+              <a:spcAft>
+                <a:spcPts val="0"/>
+              </a:spcAft>
+              <a:buClr>
+                <a:srgbClr val="000000"/>
+              </a:buClr>
+              <a:buFont typeface="Arial"/>
+              <a:defRPr sz="1400" b="0" i="0" u="none" strike="noStrike" cap="none">
+                <a:solidFill>
+                  <a:srgbClr val="000000"/>
+                </a:solidFill>
+                <a:latin typeface="Arial"/>
+                <a:ea typeface="Arial"/>
+                <a:cs typeface="Arial"/>
+                <a:sym typeface="Arial"/>
+              </a:defRPr>
+            </a:lvl9pPr>
+          </a:lstStyle>
+          <a:p>
+            <a:pPr algn="just"/>
+            <a:endParaRPr lang="es-MX" sz="2000" dirty="0"/>
+          </a:p>
+        </p:txBody>
+      </p:sp>
+      <p:sp>
+        <p:nvSpPr>
+          <p:cNvPr id="3" name="Marcador de contenido 2">
+            <a:extLst>
+              <a:ext uri="{FF2B5EF4-FFF2-40B4-BE49-F238E27FC236}">
+                <a16:creationId xmlns:a16="http://schemas.microsoft.com/office/drawing/2014/main" id="{6E944C82-3F73-495F-88E9-EF10297F88DF}"/>
+              </a:ext>
+            </a:extLst>
+          </p:cNvPr>
+          <p:cNvSpPr txBox="1">
+            <a:spLocks/>
+          </p:cNvSpPr>
+          <p:nvPr/>
+        </p:nvSpPr>
+        <p:spPr>
+          <a:xfrm>
+            <a:off x="212672" y="1073887"/>
+            <a:ext cx="8362396" cy="3838355"/>
+          </a:xfrm>
+          <a:prstGeom prst="rect">
+            <a:avLst/>
+          </a:prstGeom>
+        </p:spPr>
+        <p:txBody>
+          <a:bodyPr>
+            <a:noAutofit/>
+          </a:bodyPr>
+          <a:lstStyle>
+            <a:defPPr marR="0" lvl="0" algn="l" rtl="0">
+              <a:lnSpc>
+                <a:spcPct val="100000"/>
+              </a:lnSpc>
+              <a:spcBef>
+                <a:spcPts val="0"/>
+              </a:spcBef>
+              <a:spcAft>
+                <a:spcPts val="0"/>
+              </a:spcAft>
+            </a:defPPr>
+            <a:lvl1pPr marR="0" lvl="0" algn="l" rtl="0">
+              <a:lnSpc>
+                <a:spcPct val="100000"/>
+              </a:lnSpc>
+              <a:spcBef>
+                <a:spcPts val="0"/>
+              </a:spcBef>
+              <a:spcAft>
+                <a:spcPts val="0"/>
+              </a:spcAft>
+              <a:buClr>
+                <a:srgbClr val="000000"/>
+              </a:buClr>
+              <a:buFont typeface="Arial"/>
+              <a:defRPr sz="1400" b="0" i="0" u="none" strike="noStrike" cap="none">
+                <a:solidFill>
+                  <a:srgbClr val="000000"/>
+                </a:solidFill>
+                <a:latin typeface="Arial"/>
+                <a:ea typeface="Arial"/>
+                <a:cs typeface="Arial"/>
+                <a:sym typeface="Arial"/>
+              </a:defRPr>
+            </a:lvl1pPr>
+            <a:lvl2pPr marR="0" lvl="1" algn="l" rtl="0">
+              <a:lnSpc>
+                <a:spcPct val="100000"/>
+              </a:lnSpc>
+              <a:spcBef>
+                <a:spcPts val="0"/>
+              </a:spcBef>
+              <a:spcAft>
+                <a:spcPts val="0"/>
+              </a:spcAft>
+              <a:buClr>
+                <a:srgbClr val="000000"/>
+              </a:buClr>
+              <a:buFont typeface="Arial"/>
+              <a:defRPr sz="1400" b="0" i="0" u="none" strike="noStrike" cap="none">
+                <a:solidFill>
+                  <a:srgbClr val="000000"/>
+                </a:solidFill>
+                <a:latin typeface="Arial"/>
+                <a:ea typeface="Arial"/>
+                <a:cs typeface="Arial"/>
+                <a:sym typeface="Arial"/>
+              </a:defRPr>
+            </a:lvl2pPr>
+            <a:lvl3pPr marR="0" lvl="2" algn="l" rtl="0">
+              <a:lnSpc>
+                <a:spcPct val="100000"/>
+              </a:lnSpc>
+              <a:spcBef>
+                <a:spcPts val="0"/>
+              </a:spcBef>
+              <a:spcAft>
+                <a:spcPts val="0"/>
+              </a:spcAft>
+              <a:buClr>
+                <a:srgbClr val="000000"/>
+              </a:buClr>
+              <a:buFont typeface="Arial"/>
+              <a:defRPr sz="1400" b="0" i="0" u="none" strike="noStrike" cap="none">
+                <a:solidFill>
+                  <a:srgbClr val="000000"/>
+                </a:solidFill>
+                <a:latin typeface="Arial"/>
+                <a:ea typeface="Arial"/>
+                <a:cs typeface="Arial"/>
+                <a:sym typeface="Arial"/>
+              </a:defRPr>
+            </a:lvl3pPr>
+            <a:lvl4pPr marR="0" lvl="3" algn="l" rtl="0">
+              <a:lnSpc>
+                <a:spcPct val="100000"/>
+              </a:lnSpc>
+              <a:spcBef>
+                <a:spcPts val="0"/>
+              </a:spcBef>
+              <a:spcAft>
+                <a:spcPts val="0"/>
+              </a:spcAft>
+              <a:buClr>
+                <a:srgbClr val="000000"/>
+              </a:buClr>
+              <a:buFont typeface="Arial"/>
+              <a:defRPr sz="1400" b="0" i="0" u="none" strike="noStrike" cap="none">
+                <a:solidFill>
+                  <a:srgbClr val="000000"/>
+                </a:solidFill>
+                <a:latin typeface="Arial"/>
+                <a:ea typeface="Arial"/>
+                <a:cs typeface="Arial"/>
+                <a:sym typeface="Arial"/>
+              </a:defRPr>
+            </a:lvl4pPr>
+            <a:lvl5pPr marR="0" lvl="4" algn="l" rtl="0">
+              <a:lnSpc>
+                <a:spcPct val="100000"/>
+              </a:lnSpc>
+              <a:spcBef>
+                <a:spcPts val="0"/>
+              </a:spcBef>
+              <a:spcAft>
+                <a:spcPts val="0"/>
+              </a:spcAft>
+              <a:buClr>
+                <a:srgbClr val="000000"/>
+              </a:buClr>
+              <a:buFont typeface="Arial"/>
+              <a:defRPr sz="1400" b="0" i="0" u="none" strike="noStrike" cap="none">
+                <a:solidFill>
+                  <a:srgbClr val="000000"/>
+                </a:solidFill>
+                <a:latin typeface="Arial"/>
+                <a:ea typeface="Arial"/>
+                <a:cs typeface="Arial"/>
+                <a:sym typeface="Arial"/>
+              </a:defRPr>
+            </a:lvl5pPr>
+            <a:lvl6pPr marR="0" lvl="5" algn="l" rtl="0">
+              <a:lnSpc>
+                <a:spcPct val="100000"/>
+              </a:lnSpc>
+              <a:spcBef>
+                <a:spcPts val="0"/>
+              </a:spcBef>
+              <a:spcAft>
+                <a:spcPts val="0"/>
+              </a:spcAft>
+              <a:buClr>
+                <a:srgbClr val="000000"/>
+              </a:buClr>
+              <a:buFont typeface="Arial"/>
+              <a:defRPr sz="1400" b="0" i="0" u="none" strike="noStrike" cap="none">
+                <a:solidFill>
+                  <a:srgbClr val="000000"/>
+                </a:solidFill>
+                <a:latin typeface="Arial"/>
+                <a:ea typeface="Arial"/>
+                <a:cs typeface="Arial"/>
+                <a:sym typeface="Arial"/>
+              </a:defRPr>
+            </a:lvl6pPr>
+            <a:lvl7pPr marR="0" lvl="6" algn="l" rtl="0">
+              <a:lnSpc>
+                <a:spcPct val="100000"/>
+              </a:lnSpc>
+              <a:spcBef>
+                <a:spcPts val="0"/>
+              </a:spcBef>
+              <a:spcAft>
+                <a:spcPts val="0"/>
+              </a:spcAft>
+              <a:buClr>
+                <a:srgbClr val="000000"/>
+              </a:buClr>
+              <a:buFont typeface="Arial"/>
+              <a:defRPr sz="1400" b="0" i="0" u="none" strike="noStrike" cap="none">
+                <a:solidFill>
+                  <a:srgbClr val="000000"/>
+                </a:solidFill>
+                <a:latin typeface="Arial"/>
+                <a:ea typeface="Arial"/>
+                <a:cs typeface="Arial"/>
+                <a:sym typeface="Arial"/>
+              </a:defRPr>
+            </a:lvl7pPr>
+            <a:lvl8pPr marR="0" lvl="7" algn="l" rtl="0">
+              <a:lnSpc>
+                <a:spcPct val="100000"/>
+              </a:lnSpc>
+              <a:spcBef>
+                <a:spcPts val="0"/>
+              </a:spcBef>
+              <a:spcAft>
+                <a:spcPts val="0"/>
+              </a:spcAft>
+              <a:buClr>
+                <a:srgbClr val="000000"/>
+              </a:buClr>
+              <a:buFont typeface="Arial"/>
+              <a:defRPr sz="1400" b="0" i="0" u="none" strike="noStrike" cap="none">
+                <a:solidFill>
+                  <a:srgbClr val="000000"/>
+                </a:solidFill>
+                <a:latin typeface="Arial"/>
+                <a:ea typeface="Arial"/>
+                <a:cs typeface="Arial"/>
+                <a:sym typeface="Arial"/>
+              </a:defRPr>
+            </a:lvl8pPr>
+            <a:lvl9pPr marR="0" lvl="8" algn="l" rtl="0">
+              <a:lnSpc>
+                <a:spcPct val="100000"/>
+              </a:lnSpc>
+              <a:spcBef>
+                <a:spcPts val="0"/>
+              </a:spcBef>
+              <a:spcAft>
+                <a:spcPts val="0"/>
+              </a:spcAft>
+              <a:buClr>
+                <a:srgbClr val="000000"/>
+              </a:buClr>
+              <a:buFont typeface="Arial"/>
+              <a:defRPr sz="1400" b="0" i="0" u="none" strike="noStrike" cap="none">
+                <a:solidFill>
+                  <a:srgbClr val="000000"/>
+                </a:solidFill>
+                <a:latin typeface="Arial"/>
+                <a:ea typeface="Arial"/>
+                <a:cs typeface="Arial"/>
+                <a:sym typeface="Arial"/>
+              </a:defRPr>
+            </a:lvl9pPr>
+          </a:lstStyle>
+          <a:p>
+            <a:pPr algn="just"/>
+            <a:r>
+              <a:rPr lang="es-MX" sz="1800" dirty="0"/>
+              <a:t>La panadería fruto pan presenta dificultades para su desarrollo administrativo y financiero ya que no cuentan con la información suficiente para poder facilitar y llevar el correcto manejo de materia prima que adquieren semanalmente para la producción de los diferentes productos que ofrecen a la comunidad, además existen deficiencias en el conocimiento de materia prima disponible, porque solo tienen conocimiento de las facturas de compra más no del gasto y disponibilidad, si quisieran tener una idea sobre la materia prima, deberían observar minuciosamente las cantidades disponibles, haciendo que este  trabajo sea molesto.</a:t>
+            </a:r>
+            <a:endParaRPr lang="en-US" sz="1800" dirty="0"/>
+          </a:p>
+        </p:txBody>
+      </p:sp>
+    </p:spTree>
+  </p:cSld>
+  <p:clrMapOvr>
+    <a:masterClrMapping/>
+  </p:clrMapOvr>
+</p:sld>
+</file>
+
+<file path=ppt/slides/slide30.xml><?xml version="1.0" encoding="utf-8"?>
 <p:sld xmlns:a="http://schemas.openxmlformats.org/drawingml/2006/main" xmlns:r="http://schemas.openxmlformats.org/officeDocument/2006/relationships" xmlns:p="http://schemas.openxmlformats.org/presentationml/2006/main">
   <p:cSld>
     <p:spTree>
@@ -15951,17 +17519,849 @@
   <p:clrMapOvr>
     <a:masterClrMapping/>
   </p:clrMapOvr>
-  <p:timing>
-    <p:tnLst>
-      <p:par>
-        <p:cTn id="1" dur="indefinite" restart="never" nodeType="tmRoot"/>
-      </p:par>
-    </p:tnLst>
-  </p:timing>
 </p:sld>
 </file>
 
-<file path=ppt/slides/slide3.xml><?xml version="1.0" encoding="utf-8"?>
+<file path=ppt/slides/slide31.xml><?xml version="1.0" encoding="utf-8"?>
+<p:sld xmlns:a="http://schemas.openxmlformats.org/drawingml/2006/main" xmlns:r="http://schemas.openxmlformats.org/officeDocument/2006/relationships" xmlns:p="http://schemas.openxmlformats.org/presentationml/2006/main">
+  <p:cSld>
+    <p:spTree>
+      <p:nvGrpSpPr>
+        <p:cNvPr id="1" name=""/>
+        <p:cNvGrpSpPr/>
+        <p:nvPr/>
+      </p:nvGrpSpPr>
+      <p:grpSpPr>
+        <a:xfrm>
+          <a:off x="0" y="0"/>
+          <a:ext cx="0" cy="0"/>
+          <a:chOff x="0" y="0"/>
+          <a:chExt cx="0" cy="0"/>
+        </a:xfrm>
+      </p:grpSpPr>
+      <p:sp>
+        <p:nvSpPr>
+          <p:cNvPr id="2" name="CuadroTexto 1">
+            <a:hlinkClick r:id="rId2" action="ppaction://hlinkfile"/>
+            <a:extLst>
+              <a:ext uri="{FF2B5EF4-FFF2-40B4-BE49-F238E27FC236}">
+                <a16:creationId xmlns:a16="http://schemas.microsoft.com/office/drawing/2014/main" id="{A1955089-A096-4A1D-B879-3E56BFAA42A5}"/>
+              </a:ext>
+            </a:extLst>
+          </p:cNvPr>
+          <p:cNvSpPr txBox="1"/>
+          <p:nvPr/>
+        </p:nvSpPr>
+        <p:spPr>
+          <a:xfrm>
+            <a:off x="2232837" y="1690576"/>
+            <a:ext cx="4986670" cy="2585323"/>
+          </a:xfrm>
+          <a:prstGeom prst="rect">
+            <a:avLst/>
+          </a:prstGeom>
+          <a:noFill/>
+        </p:spPr>
+        <p:txBody>
+          <a:bodyPr wrap="square" rtlCol="0">
+            <a:spAutoFit/>
+          </a:bodyPr>
+          <a:lstStyle/>
+          <a:p>
+            <a:pPr algn="ctr"/>
+            <a:r>
+              <a:rPr lang="es-ES" sz="5400" b="1" dirty="0">
+                <a:latin typeface="Adobe Fangsong Std R" panose="02020400000000000000" pitchFamily="18" charset="-128"/>
+                <a:ea typeface="Adobe Fangsong Std R" panose="02020400000000000000" pitchFamily="18" charset="-128"/>
+              </a:rPr>
+              <a:t>CASOS DE USOS EXTENDIDOS </a:t>
+            </a:r>
+            <a:endParaRPr lang="es-CO" sz="5400" b="1" dirty="0">
+              <a:latin typeface="Adobe Fangsong Std R" panose="02020400000000000000" pitchFamily="18" charset="-128"/>
+              <a:ea typeface="Adobe Fangsong Std R" panose="02020400000000000000" pitchFamily="18" charset="-128"/>
+            </a:endParaRPr>
+          </a:p>
+        </p:txBody>
+      </p:sp>
+    </p:spTree>
+    <p:extLst>
+      <p:ext uri="{BB962C8B-B14F-4D97-AF65-F5344CB8AC3E}">
+        <p14:creationId xmlns:p14="http://schemas.microsoft.com/office/powerpoint/2010/main" val="4086485623"/>
+      </p:ext>
+    </p:extLst>
+  </p:cSld>
+  <p:clrMapOvr>
+    <a:masterClrMapping/>
+  </p:clrMapOvr>
+</p:sld>
+</file>
+
+<file path=ppt/slides/slide4.xml><?xml version="1.0" encoding="utf-8"?>
+<p:sld xmlns:a="http://schemas.openxmlformats.org/drawingml/2006/main" xmlns:r="http://schemas.openxmlformats.org/officeDocument/2006/relationships" xmlns:p="http://schemas.openxmlformats.org/presentationml/2006/main">
+  <p:cSld>
+    <p:spTree>
+      <p:nvGrpSpPr>
+        <p:cNvPr id="1" name=""/>
+        <p:cNvGrpSpPr/>
+        <p:nvPr/>
+      </p:nvGrpSpPr>
+      <p:grpSpPr>
+        <a:xfrm>
+          <a:off x="0" y="0"/>
+          <a:ext cx="0" cy="0"/>
+          <a:chOff x="0" y="0"/>
+          <a:chExt cx="0" cy="0"/>
+        </a:xfrm>
+      </p:grpSpPr>
+      <p:sp>
+        <p:nvSpPr>
+          <p:cNvPr id="2" name="Rectángulo 1">
+            <a:extLst>
+              <a:ext uri="{FF2B5EF4-FFF2-40B4-BE49-F238E27FC236}">
+                <a16:creationId xmlns:a16="http://schemas.microsoft.com/office/drawing/2014/main" id="{C3FD4C30-1738-464D-A8F7-39A7264A5F43}"/>
+              </a:ext>
+            </a:extLst>
+          </p:cNvPr>
+          <p:cNvSpPr/>
+          <p:nvPr/>
+        </p:nvSpPr>
+        <p:spPr>
+          <a:xfrm>
+            <a:off x="159487" y="1073888"/>
+            <a:ext cx="8888819" cy="2677656"/>
+          </a:xfrm>
+          <a:prstGeom prst="rect">
+            <a:avLst/>
+          </a:prstGeom>
+        </p:spPr>
+        <p:txBody>
+          <a:bodyPr wrap="square">
+            <a:spAutoFit/>
+          </a:bodyPr>
+          <a:lstStyle/>
+          <a:p>
+            <a:pPr algn="just"/>
+            <a:r>
+              <a:rPr lang="es-MX" sz="2400" dirty="0"/>
+              <a:t>Además, del mismo modo existen falencias en la falta de representación de ingresos puesto que anotan en un cuaderno solamente los ingresos diarios, y una vez a la semana se hace las cuentas de la venta de estos días, igualmente no tienen un proceso definido para la producción de los productos, al no tener un paso a paso general puede llegar a ser engorroso para los nuevos empleados no tener un guía que les facilite su labor.</a:t>
+            </a:r>
+            <a:endParaRPr lang="en-US" sz="2400" dirty="0"/>
+          </a:p>
+        </p:txBody>
+      </p:sp>
+    </p:spTree>
+    <p:extLst>
+      <p:ext uri="{BB962C8B-B14F-4D97-AF65-F5344CB8AC3E}">
+        <p14:creationId xmlns:p14="http://schemas.microsoft.com/office/powerpoint/2010/main" val="1492506627"/>
+      </p:ext>
+    </p:extLst>
+  </p:cSld>
+  <p:clrMapOvr>
+    <a:masterClrMapping/>
+  </p:clrMapOvr>
+</p:sld>
+</file>
+
+<file path=ppt/slides/slide5.xml><?xml version="1.0" encoding="utf-8"?>
+<p:sld xmlns:a="http://schemas.openxmlformats.org/drawingml/2006/main" xmlns:r="http://schemas.openxmlformats.org/officeDocument/2006/relationships" xmlns:p="http://schemas.openxmlformats.org/presentationml/2006/main">
+  <p:cSld>
+    <p:spTree>
+      <p:nvGrpSpPr>
+        <p:cNvPr id="1" name=""/>
+        <p:cNvGrpSpPr/>
+        <p:nvPr/>
+      </p:nvGrpSpPr>
+      <p:grpSpPr>
+        <a:xfrm>
+          <a:off x="0" y="0"/>
+          <a:ext cx="0" cy="0"/>
+          <a:chOff x="0" y="0"/>
+          <a:chExt cx="0" cy="0"/>
+        </a:xfrm>
+      </p:grpSpPr>
+      <p:sp>
+        <p:nvSpPr>
+          <p:cNvPr id="2" name="Título 1">
+            <a:extLst>
+              <a:ext uri="{FF2B5EF4-FFF2-40B4-BE49-F238E27FC236}">
+                <a16:creationId xmlns:a16="http://schemas.microsoft.com/office/drawing/2014/main" id="{4876BADF-1A02-4ACF-9E06-2D94104E1140}"/>
+              </a:ext>
+            </a:extLst>
+          </p:cNvPr>
+          <p:cNvSpPr txBox="1">
+            <a:spLocks/>
+          </p:cNvSpPr>
+          <p:nvPr/>
+        </p:nvSpPr>
+        <p:spPr>
+          <a:xfrm>
+            <a:off x="4143932" y="2277226"/>
+            <a:ext cx="6136091" cy="2990267"/>
+          </a:xfrm>
+          <a:prstGeom prst="rect">
+            <a:avLst/>
+          </a:prstGeom>
+        </p:spPr>
+        <p:txBody>
+          <a:bodyPr>
+            <a:noAutofit/>
+          </a:bodyPr>
+          <a:lstStyle>
+            <a:defPPr marR="0" lvl="0" algn="l" rtl="0">
+              <a:lnSpc>
+                <a:spcPct val="100000"/>
+              </a:lnSpc>
+              <a:spcBef>
+                <a:spcPts val="0"/>
+              </a:spcBef>
+              <a:spcAft>
+                <a:spcPts val="0"/>
+              </a:spcAft>
+            </a:defPPr>
+            <a:lvl1pPr marR="0" lvl="0" algn="l" rtl="0">
+              <a:lnSpc>
+                <a:spcPct val="100000"/>
+              </a:lnSpc>
+              <a:spcBef>
+                <a:spcPts val="0"/>
+              </a:spcBef>
+              <a:spcAft>
+                <a:spcPts val="0"/>
+              </a:spcAft>
+              <a:buClr>
+                <a:srgbClr val="000000"/>
+              </a:buClr>
+              <a:buFont typeface="Arial"/>
+              <a:defRPr sz="1400" b="0" i="0" u="none" strike="noStrike" cap="none">
+                <a:solidFill>
+                  <a:srgbClr val="000000"/>
+                </a:solidFill>
+                <a:latin typeface="Arial"/>
+                <a:ea typeface="Arial"/>
+                <a:cs typeface="Arial"/>
+                <a:sym typeface="Arial"/>
+              </a:defRPr>
+            </a:lvl1pPr>
+            <a:lvl2pPr marR="0" lvl="1" algn="l" rtl="0">
+              <a:lnSpc>
+                <a:spcPct val="100000"/>
+              </a:lnSpc>
+              <a:spcBef>
+                <a:spcPts val="0"/>
+              </a:spcBef>
+              <a:spcAft>
+                <a:spcPts val="0"/>
+              </a:spcAft>
+              <a:buClr>
+                <a:srgbClr val="000000"/>
+              </a:buClr>
+              <a:buFont typeface="Arial"/>
+              <a:defRPr sz="1400" b="0" i="0" u="none" strike="noStrike" cap="none">
+                <a:solidFill>
+                  <a:srgbClr val="000000"/>
+                </a:solidFill>
+                <a:latin typeface="Arial"/>
+                <a:ea typeface="Arial"/>
+                <a:cs typeface="Arial"/>
+                <a:sym typeface="Arial"/>
+              </a:defRPr>
+            </a:lvl2pPr>
+            <a:lvl3pPr marR="0" lvl="2" algn="l" rtl="0">
+              <a:lnSpc>
+                <a:spcPct val="100000"/>
+              </a:lnSpc>
+              <a:spcBef>
+                <a:spcPts val="0"/>
+              </a:spcBef>
+              <a:spcAft>
+                <a:spcPts val="0"/>
+              </a:spcAft>
+              <a:buClr>
+                <a:srgbClr val="000000"/>
+              </a:buClr>
+              <a:buFont typeface="Arial"/>
+              <a:defRPr sz="1400" b="0" i="0" u="none" strike="noStrike" cap="none">
+                <a:solidFill>
+                  <a:srgbClr val="000000"/>
+                </a:solidFill>
+                <a:latin typeface="Arial"/>
+                <a:ea typeface="Arial"/>
+                <a:cs typeface="Arial"/>
+                <a:sym typeface="Arial"/>
+              </a:defRPr>
+            </a:lvl3pPr>
+            <a:lvl4pPr marR="0" lvl="3" algn="l" rtl="0">
+              <a:lnSpc>
+                <a:spcPct val="100000"/>
+              </a:lnSpc>
+              <a:spcBef>
+                <a:spcPts val="0"/>
+              </a:spcBef>
+              <a:spcAft>
+                <a:spcPts val="0"/>
+              </a:spcAft>
+              <a:buClr>
+                <a:srgbClr val="000000"/>
+              </a:buClr>
+              <a:buFont typeface="Arial"/>
+              <a:defRPr sz="1400" b="0" i="0" u="none" strike="noStrike" cap="none">
+                <a:solidFill>
+                  <a:srgbClr val="000000"/>
+                </a:solidFill>
+                <a:latin typeface="Arial"/>
+                <a:ea typeface="Arial"/>
+                <a:cs typeface="Arial"/>
+                <a:sym typeface="Arial"/>
+              </a:defRPr>
+            </a:lvl4pPr>
+            <a:lvl5pPr marR="0" lvl="4" algn="l" rtl="0">
+              <a:lnSpc>
+                <a:spcPct val="100000"/>
+              </a:lnSpc>
+              <a:spcBef>
+                <a:spcPts val="0"/>
+              </a:spcBef>
+              <a:spcAft>
+                <a:spcPts val="0"/>
+              </a:spcAft>
+              <a:buClr>
+                <a:srgbClr val="000000"/>
+              </a:buClr>
+              <a:buFont typeface="Arial"/>
+              <a:defRPr sz="1400" b="0" i="0" u="none" strike="noStrike" cap="none">
+                <a:solidFill>
+                  <a:srgbClr val="000000"/>
+                </a:solidFill>
+                <a:latin typeface="Arial"/>
+                <a:ea typeface="Arial"/>
+                <a:cs typeface="Arial"/>
+                <a:sym typeface="Arial"/>
+              </a:defRPr>
+            </a:lvl5pPr>
+            <a:lvl6pPr marR="0" lvl="5" algn="l" rtl="0">
+              <a:lnSpc>
+                <a:spcPct val="100000"/>
+              </a:lnSpc>
+              <a:spcBef>
+                <a:spcPts val="0"/>
+              </a:spcBef>
+              <a:spcAft>
+                <a:spcPts val="0"/>
+              </a:spcAft>
+              <a:buClr>
+                <a:srgbClr val="000000"/>
+              </a:buClr>
+              <a:buFont typeface="Arial"/>
+              <a:defRPr sz="1400" b="0" i="0" u="none" strike="noStrike" cap="none">
+                <a:solidFill>
+                  <a:srgbClr val="000000"/>
+                </a:solidFill>
+                <a:latin typeface="Arial"/>
+                <a:ea typeface="Arial"/>
+                <a:cs typeface="Arial"/>
+                <a:sym typeface="Arial"/>
+              </a:defRPr>
+            </a:lvl6pPr>
+            <a:lvl7pPr marR="0" lvl="6" algn="l" rtl="0">
+              <a:lnSpc>
+                <a:spcPct val="100000"/>
+              </a:lnSpc>
+              <a:spcBef>
+                <a:spcPts val="0"/>
+              </a:spcBef>
+              <a:spcAft>
+                <a:spcPts val="0"/>
+              </a:spcAft>
+              <a:buClr>
+                <a:srgbClr val="000000"/>
+              </a:buClr>
+              <a:buFont typeface="Arial"/>
+              <a:defRPr sz="1400" b="0" i="0" u="none" strike="noStrike" cap="none">
+                <a:solidFill>
+                  <a:srgbClr val="000000"/>
+                </a:solidFill>
+                <a:latin typeface="Arial"/>
+                <a:ea typeface="Arial"/>
+                <a:cs typeface="Arial"/>
+                <a:sym typeface="Arial"/>
+              </a:defRPr>
+            </a:lvl7pPr>
+            <a:lvl8pPr marR="0" lvl="7" algn="l" rtl="0">
+              <a:lnSpc>
+                <a:spcPct val="100000"/>
+              </a:lnSpc>
+              <a:spcBef>
+                <a:spcPts val="0"/>
+              </a:spcBef>
+              <a:spcAft>
+                <a:spcPts val="0"/>
+              </a:spcAft>
+              <a:buClr>
+                <a:srgbClr val="000000"/>
+              </a:buClr>
+              <a:buFont typeface="Arial"/>
+              <a:defRPr sz="1400" b="0" i="0" u="none" strike="noStrike" cap="none">
+                <a:solidFill>
+                  <a:srgbClr val="000000"/>
+                </a:solidFill>
+                <a:latin typeface="Arial"/>
+                <a:ea typeface="Arial"/>
+                <a:cs typeface="Arial"/>
+                <a:sym typeface="Arial"/>
+              </a:defRPr>
+            </a:lvl8pPr>
+            <a:lvl9pPr marR="0" lvl="8" algn="l" rtl="0">
+              <a:lnSpc>
+                <a:spcPct val="100000"/>
+              </a:lnSpc>
+              <a:spcBef>
+                <a:spcPts val="0"/>
+              </a:spcBef>
+              <a:spcAft>
+                <a:spcPts val="0"/>
+              </a:spcAft>
+              <a:buClr>
+                <a:srgbClr val="000000"/>
+              </a:buClr>
+              <a:buFont typeface="Arial"/>
+              <a:defRPr sz="1400" b="0" i="0" u="none" strike="noStrike" cap="none">
+                <a:solidFill>
+                  <a:srgbClr val="000000"/>
+                </a:solidFill>
+                <a:latin typeface="Arial"/>
+                <a:ea typeface="Arial"/>
+                <a:cs typeface="Arial"/>
+                <a:sym typeface="Arial"/>
+              </a:defRPr>
+            </a:lvl9pPr>
+          </a:lstStyle>
+          <a:p>
+            <a:r>
+              <a:rPr lang="es-CO" sz="4000" dirty="0"/>
+              <a:t>JUSTIFICACIÓN </a:t>
+            </a:r>
+            <a:endParaRPr lang="en-US" sz="4000" dirty="0"/>
+          </a:p>
+        </p:txBody>
+      </p:sp>
+    </p:spTree>
+    <p:extLst>
+      <p:ext uri="{BB962C8B-B14F-4D97-AF65-F5344CB8AC3E}">
+        <p14:creationId xmlns:p14="http://schemas.microsoft.com/office/powerpoint/2010/main" val="2273518025"/>
+      </p:ext>
+    </p:extLst>
+  </p:cSld>
+  <p:clrMapOvr>
+    <a:masterClrMapping/>
+  </p:clrMapOvr>
+</p:sld>
+</file>
+
+<file path=ppt/slides/slide6.xml><?xml version="1.0" encoding="utf-8"?>
+<p:sld xmlns:a="http://schemas.openxmlformats.org/drawingml/2006/main" xmlns:r="http://schemas.openxmlformats.org/officeDocument/2006/relationships" xmlns:p="http://schemas.openxmlformats.org/presentationml/2006/main">
+  <p:cSld>
+    <p:spTree>
+      <p:nvGrpSpPr>
+        <p:cNvPr id="1" name=""/>
+        <p:cNvGrpSpPr/>
+        <p:nvPr/>
+      </p:nvGrpSpPr>
+      <p:grpSpPr>
+        <a:xfrm>
+          <a:off x="0" y="0"/>
+          <a:ext cx="0" cy="0"/>
+          <a:chOff x="0" y="0"/>
+          <a:chExt cx="0" cy="0"/>
+        </a:xfrm>
+      </p:grpSpPr>
+      <p:sp>
+        <p:nvSpPr>
+          <p:cNvPr id="3" name="Marcador de contenido 2">
+            <a:extLst>
+              <a:ext uri="{FF2B5EF4-FFF2-40B4-BE49-F238E27FC236}">
+                <a16:creationId xmlns:a16="http://schemas.microsoft.com/office/drawing/2014/main" id="{6229E2D1-951E-442E-9C0D-2B9014366BFB}"/>
+              </a:ext>
+            </a:extLst>
+          </p:cNvPr>
+          <p:cNvSpPr txBox="1">
+            <a:spLocks/>
+          </p:cNvSpPr>
+          <p:nvPr/>
+        </p:nvSpPr>
+        <p:spPr>
+          <a:xfrm>
+            <a:off x="275253" y="1173887"/>
+            <a:ext cx="8400974" cy="4389120"/>
+          </a:xfrm>
+          <a:prstGeom prst="rect">
+            <a:avLst/>
+          </a:prstGeom>
+        </p:spPr>
+        <p:txBody>
+          <a:bodyPr>
+            <a:noAutofit/>
+          </a:bodyPr>
+          <a:lstStyle>
+            <a:defPPr marR="0" lvl="0" algn="l" rtl="0">
+              <a:lnSpc>
+                <a:spcPct val="100000"/>
+              </a:lnSpc>
+              <a:spcBef>
+                <a:spcPts val="0"/>
+              </a:spcBef>
+              <a:spcAft>
+                <a:spcPts val="0"/>
+              </a:spcAft>
+            </a:defPPr>
+            <a:lvl1pPr marR="0" lvl="0" algn="l" rtl="0">
+              <a:lnSpc>
+                <a:spcPct val="100000"/>
+              </a:lnSpc>
+              <a:spcBef>
+                <a:spcPts val="0"/>
+              </a:spcBef>
+              <a:spcAft>
+                <a:spcPts val="0"/>
+              </a:spcAft>
+              <a:buClr>
+                <a:srgbClr val="000000"/>
+              </a:buClr>
+              <a:buFont typeface="Arial"/>
+              <a:defRPr sz="1400" b="0" i="0" u="none" strike="noStrike" cap="none">
+                <a:solidFill>
+                  <a:srgbClr val="000000"/>
+                </a:solidFill>
+                <a:latin typeface="Arial"/>
+                <a:ea typeface="Arial"/>
+                <a:cs typeface="Arial"/>
+                <a:sym typeface="Arial"/>
+              </a:defRPr>
+            </a:lvl1pPr>
+            <a:lvl2pPr marR="0" lvl="1" algn="l" rtl="0">
+              <a:lnSpc>
+                <a:spcPct val="100000"/>
+              </a:lnSpc>
+              <a:spcBef>
+                <a:spcPts val="0"/>
+              </a:spcBef>
+              <a:spcAft>
+                <a:spcPts val="0"/>
+              </a:spcAft>
+              <a:buClr>
+                <a:srgbClr val="000000"/>
+              </a:buClr>
+              <a:buFont typeface="Arial"/>
+              <a:defRPr sz="1400" b="0" i="0" u="none" strike="noStrike" cap="none">
+                <a:solidFill>
+                  <a:srgbClr val="000000"/>
+                </a:solidFill>
+                <a:latin typeface="Arial"/>
+                <a:ea typeface="Arial"/>
+                <a:cs typeface="Arial"/>
+                <a:sym typeface="Arial"/>
+              </a:defRPr>
+            </a:lvl2pPr>
+            <a:lvl3pPr marR="0" lvl="2" algn="l" rtl="0">
+              <a:lnSpc>
+                <a:spcPct val="100000"/>
+              </a:lnSpc>
+              <a:spcBef>
+                <a:spcPts val="0"/>
+              </a:spcBef>
+              <a:spcAft>
+                <a:spcPts val="0"/>
+              </a:spcAft>
+              <a:buClr>
+                <a:srgbClr val="000000"/>
+              </a:buClr>
+              <a:buFont typeface="Arial"/>
+              <a:defRPr sz="1400" b="0" i="0" u="none" strike="noStrike" cap="none">
+                <a:solidFill>
+                  <a:srgbClr val="000000"/>
+                </a:solidFill>
+                <a:latin typeface="Arial"/>
+                <a:ea typeface="Arial"/>
+                <a:cs typeface="Arial"/>
+                <a:sym typeface="Arial"/>
+              </a:defRPr>
+            </a:lvl3pPr>
+            <a:lvl4pPr marR="0" lvl="3" algn="l" rtl="0">
+              <a:lnSpc>
+                <a:spcPct val="100000"/>
+              </a:lnSpc>
+              <a:spcBef>
+                <a:spcPts val="0"/>
+              </a:spcBef>
+              <a:spcAft>
+                <a:spcPts val="0"/>
+              </a:spcAft>
+              <a:buClr>
+                <a:srgbClr val="000000"/>
+              </a:buClr>
+              <a:buFont typeface="Arial"/>
+              <a:defRPr sz="1400" b="0" i="0" u="none" strike="noStrike" cap="none">
+                <a:solidFill>
+                  <a:srgbClr val="000000"/>
+                </a:solidFill>
+                <a:latin typeface="Arial"/>
+                <a:ea typeface="Arial"/>
+                <a:cs typeface="Arial"/>
+                <a:sym typeface="Arial"/>
+              </a:defRPr>
+            </a:lvl4pPr>
+            <a:lvl5pPr marR="0" lvl="4" algn="l" rtl="0">
+              <a:lnSpc>
+                <a:spcPct val="100000"/>
+              </a:lnSpc>
+              <a:spcBef>
+                <a:spcPts val="0"/>
+              </a:spcBef>
+              <a:spcAft>
+                <a:spcPts val="0"/>
+              </a:spcAft>
+              <a:buClr>
+                <a:srgbClr val="000000"/>
+              </a:buClr>
+              <a:buFont typeface="Arial"/>
+              <a:defRPr sz="1400" b="0" i="0" u="none" strike="noStrike" cap="none">
+                <a:solidFill>
+                  <a:srgbClr val="000000"/>
+                </a:solidFill>
+                <a:latin typeface="Arial"/>
+                <a:ea typeface="Arial"/>
+                <a:cs typeface="Arial"/>
+                <a:sym typeface="Arial"/>
+              </a:defRPr>
+            </a:lvl5pPr>
+            <a:lvl6pPr marR="0" lvl="5" algn="l" rtl="0">
+              <a:lnSpc>
+                <a:spcPct val="100000"/>
+              </a:lnSpc>
+              <a:spcBef>
+                <a:spcPts val="0"/>
+              </a:spcBef>
+              <a:spcAft>
+                <a:spcPts val="0"/>
+              </a:spcAft>
+              <a:buClr>
+                <a:srgbClr val="000000"/>
+              </a:buClr>
+              <a:buFont typeface="Arial"/>
+              <a:defRPr sz="1400" b="0" i="0" u="none" strike="noStrike" cap="none">
+                <a:solidFill>
+                  <a:srgbClr val="000000"/>
+                </a:solidFill>
+                <a:latin typeface="Arial"/>
+                <a:ea typeface="Arial"/>
+                <a:cs typeface="Arial"/>
+                <a:sym typeface="Arial"/>
+              </a:defRPr>
+            </a:lvl6pPr>
+            <a:lvl7pPr marR="0" lvl="6" algn="l" rtl="0">
+              <a:lnSpc>
+                <a:spcPct val="100000"/>
+              </a:lnSpc>
+              <a:spcBef>
+                <a:spcPts val="0"/>
+              </a:spcBef>
+              <a:spcAft>
+                <a:spcPts val="0"/>
+              </a:spcAft>
+              <a:buClr>
+                <a:srgbClr val="000000"/>
+              </a:buClr>
+              <a:buFont typeface="Arial"/>
+              <a:defRPr sz="1400" b="0" i="0" u="none" strike="noStrike" cap="none">
+                <a:solidFill>
+                  <a:srgbClr val="000000"/>
+                </a:solidFill>
+                <a:latin typeface="Arial"/>
+                <a:ea typeface="Arial"/>
+                <a:cs typeface="Arial"/>
+                <a:sym typeface="Arial"/>
+              </a:defRPr>
+            </a:lvl7pPr>
+            <a:lvl8pPr marR="0" lvl="7" algn="l" rtl="0">
+              <a:lnSpc>
+                <a:spcPct val="100000"/>
+              </a:lnSpc>
+              <a:spcBef>
+                <a:spcPts val="0"/>
+              </a:spcBef>
+              <a:spcAft>
+                <a:spcPts val="0"/>
+              </a:spcAft>
+              <a:buClr>
+                <a:srgbClr val="000000"/>
+              </a:buClr>
+              <a:buFont typeface="Arial"/>
+              <a:defRPr sz="1400" b="0" i="0" u="none" strike="noStrike" cap="none">
+                <a:solidFill>
+                  <a:srgbClr val="000000"/>
+                </a:solidFill>
+                <a:latin typeface="Arial"/>
+                <a:ea typeface="Arial"/>
+                <a:cs typeface="Arial"/>
+                <a:sym typeface="Arial"/>
+              </a:defRPr>
+            </a:lvl8pPr>
+            <a:lvl9pPr marR="0" lvl="8" algn="l" rtl="0">
+              <a:lnSpc>
+                <a:spcPct val="100000"/>
+              </a:lnSpc>
+              <a:spcBef>
+                <a:spcPts val="0"/>
+              </a:spcBef>
+              <a:spcAft>
+                <a:spcPts val="0"/>
+              </a:spcAft>
+              <a:buClr>
+                <a:srgbClr val="000000"/>
+              </a:buClr>
+              <a:buFont typeface="Arial"/>
+              <a:defRPr sz="1400" b="0" i="0" u="none" strike="noStrike" cap="none">
+                <a:solidFill>
+                  <a:srgbClr val="000000"/>
+                </a:solidFill>
+                <a:latin typeface="Arial"/>
+                <a:ea typeface="Arial"/>
+                <a:cs typeface="Arial"/>
+                <a:sym typeface="Arial"/>
+              </a:defRPr>
+            </a:lvl9pPr>
+          </a:lstStyle>
+          <a:p>
+            <a:pPr algn="just"/>
+            <a:r>
+              <a:rPr lang="es-MX" sz="2400" dirty="0"/>
+              <a:t>Con este sistema de información buscamos generar un fácil acceso al conocimiento del inventario, facilitando conocer en cuestión de segundos la materia prima disponible y así optimizar tiempo y dinero. Además llegar a plantear un paso a paso general en la creación del producto para los trabajadores nuevos, así su función se facilitara en gran medida.</a:t>
+            </a:r>
+          </a:p>
+        </p:txBody>
+      </p:sp>
+    </p:spTree>
+    <p:extLst>
+      <p:ext uri="{BB962C8B-B14F-4D97-AF65-F5344CB8AC3E}">
+        <p14:creationId xmlns:p14="http://schemas.microsoft.com/office/powerpoint/2010/main" val="2786191527"/>
+      </p:ext>
+    </p:extLst>
+  </p:cSld>
+  <p:clrMapOvr>
+    <a:masterClrMapping/>
+  </p:clrMapOvr>
+</p:sld>
+</file>
+
+<file path=ppt/slides/slide7.xml><?xml version="1.0" encoding="utf-8"?>
+<p:sld xmlns:a="http://schemas.openxmlformats.org/drawingml/2006/main" xmlns:r="http://schemas.openxmlformats.org/officeDocument/2006/relationships" xmlns:p="http://schemas.openxmlformats.org/presentationml/2006/main">
+  <p:cSld>
+    <p:spTree>
+      <p:nvGrpSpPr>
+        <p:cNvPr id="1" name=""/>
+        <p:cNvGrpSpPr/>
+        <p:nvPr/>
+      </p:nvGrpSpPr>
+      <p:grpSpPr>
+        <a:xfrm>
+          <a:off x="0" y="0"/>
+          <a:ext cx="0" cy="0"/>
+          <a:chOff x="0" y="0"/>
+          <a:chExt cx="0" cy="0"/>
+        </a:xfrm>
+      </p:grpSpPr>
+      <p:sp>
+        <p:nvSpPr>
+          <p:cNvPr id="2" name="Rectángulo 1">
+            <a:extLst>
+              <a:ext uri="{FF2B5EF4-FFF2-40B4-BE49-F238E27FC236}">
+                <a16:creationId xmlns:a16="http://schemas.microsoft.com/office/drawing/2014/main" id="{D88D9D89-14CF-42C0-9BBC-B908971A7DF6}"/>
+              </a:ext>
+            </a:extLst>
+          </p:cNvPr>
+          <p:cNvSpPr/>
+          <p:nvPr/>
+        </p:nvSpPr>
+        <p:spPr>
+          <a:xfrm>
+            <a:off x="1095665" y="2121386"/>
+            <a:ext cx="3114827" cy="1384995"/>
+          </a:xfrm>
+          <a:prstGeom prst="rect">
+            <a:avLst/>
+          </a:prstGeom>
+        </p:spPr>
+        <p:txBody>
+          <a:bodyPr wrap="square">
+            <a:spAutoFit/>
+          </a:bodyPr>
+          <a:lstStyle/>
+          <a:p>
+            <a:pPr algn="just"/>
+            <a:r>
+              <a:rPr lang="es-MX" sz="2800" b="1" dirty="0"/>
+              <a:t>OBJETIVO GENERAL</a:t>
+            </a:r>
+          </a:p>
+          <a:p>
+            <a:pPr algn="just"/>
+            <a:endParaRPr lang="es-MX" sz="2800" dirty="0"/>
+          </a:p>
+        </p:txBody>
+      </p:sp>
+      <p:sp>
+        <p:nvSpPr>
+          <p:cNvPr id="3" name="Rectángulo 2">
+            <a:extLst>
+              <a:ext uri="{FF2B5EF4-FFF2-40B4-BE49-F238E27FC236}">
+                <a16:creationId xmlns:a16="http://schemas.microsoft.com/office/drawing/2014/main" id="{EFE9E093-84B1-4575-BC6B-00F49F68DEB6}"/>
+              </a:ext>
+            </a:extLst>
+          </p:cNvPr>
+          <p:cNvSpPr/>
+          <p:nvPr/>
+        </p:nvSpPr>
+        <p:spPr>
+          <a:xfrm>
+            <a:off x="3756750" y="1910030"/>
+            <a:ext cx="5166911" cy="1323439"/>
+          </a:xfrm>
+          <a:prstGeom prst="rect">
+            <a:avLst/>
+          </a:prstGeom>
+        </p:spPr>
+        <p:txBody>
+          <a:bodyPr wrap="square">
+            <a:spAutoFit/>
+          </a:bodyPr>
+          <a:lstStyle/>
+          <a:p>
+            <a:pPr algn="just"/>
+            <a:r>
+              <a:rPr lang="es-MX" dirty="0"/>
+              <a:t>• </a:t>
+            </a:r>
+            <a:r>
+              <a:rPr lang="es-MX" sz="2000" dirty="0"/>
+              <a:t>Construir un sistema de información que permita a la panadería fruto pan gestionar su inventario, registrar sus facturas  y el proceso de elaboración del producto.</a:t>
+            </a:r>
+            <a:endParaRPr lang="es-MX" dirty="0"/>
+          </a:p>
+        </p:txBody>
+      </p:sp>
+    </p:spTree>
+    <p:extLst>
+      <p:ext uri="{BB962C8B-B14F-4D97-AF65-F5344CB8AC3E}">
+        <p14:creationId xmlns:p14="http://schemas.microsoft.com/office/powerpoint/2010/main" val="2471441285"/>
+      </p:ext>
+    </p:extLst>
+  </p:cSld>
+  <p:clrMapOvr>
+    <a:masterClrMapping/>
+  </p:clrMapOvr>
+</p:sld>
+</file>
+
+<file path=ppt/slides/slide8.xml><?xml version="1.0" encoding="utf-8"?>
 <p:sld xmlns:a="http://schemas.openxmlformats.org/drawingml/2006/main" xmlns:r="http://schemas.openxmlformats.org/officeDocument/2006/relationships" xmlns:p="http://schemas.openxmlformats.org/presentationml/2006/main">
   <p:cSld>
     <p:spTree>
@@ -16304,23 +18704,7 @@
             <a:pPr algn="just"/>
             <a:r>
               <a:rPr lang="es-MX" dirty="0"/>
-              <a:t>•Debe  permitir el ingreso de las </a:t>
-            </a:r>
-            <a:r>
-              <a:rPr lang="es-MX" dirty="0" smtClean="0"/>
-              <a:t>ganancias </a:t>
-            </a:r>
-            <a:r>
-              <a:rPr lang="es-MX" dirty="0"/>
-              <a:t>para sacar el promedio de </a:t>
-            </a:r>
-            <a:r>
-              <a:rPr lang="es-MX" dirty="0" smtClean="0"/>
-              <a:t>lo obtenido al </a:t>
-            </a:r>
-            <a:r>
-              <a:rPr lang="es-MX" dirty="0"/>
-              <a:t>final del mes</a:t>
+              <a:t>•Debe  permitir el ingreso de las ganancias para sacar el promedio de lo obtenido al final del mes</a:t>
             </a:r>
           </a:p>
           <a:p>
@@ -16357,1056 +18741,10 @@
   <p:clrMapOvr>
     <a:masterClrMapping/>
   </p:clrMapOvr>
-  <p:timing>
-    <p:tnLst>
-      <p:par>
-        <p:cTn id="1" dur="indefinite" restart="never" nodeType="tmRoot"/>
-      </p:par>
-    </p:tnLst>
-  </p:timing>
 </p:sld>
 </file>
 
-<file path=ppt/slides/slide30.xml><?xml version="1.0" encoding="utf-8"?>
-<p:sld xmlns:a="http://schemas.openxmlformats.org/drawingml/2006/main" xmlns:r="http://schemas.openxmlformats.org/officeDocument/2006/relationships" xmlns:p="http://schemas.openxmlformats.org/presentationml/2006/main">
-  <p:cSld>
-    <p:spTree>
-      <p:nvGrpSpPr>
-        <p:cNvPr id="1" name=""/>
-        <p:cNvGrpSpPr/>
-        <p:nvPr/>
-      </p:nvGrpSpPr>
-      <p:grpSpPr>
-        <a:xfrm>
-          <a:off x="0" y="0"/>
-          <a:ext cx="0" cy="0"/>
-          <a:chOff x="0" y="0"/>
-          <a:chExt cx="0" cy="0"/>
-        </a:xfrm>
-      </p:grpSpPr>
-      <p:sp>
-        <p:nvSpPr>
-          <p:cNvPr id="2" name="CuadroTexto 1">
-            <a:hlinkClick r:id="rId2" action="ppaction://hlinkfile"/>
-            <a:extLst>
-              <a:ext uri="{FF2B5EF4-FFF2-40B4-BE49-F238E27FC236}">
-                <a16:creationId xmlns:a16="http://schemas.microsoft.com/office/drawing/2014/main" id="{A1955089-A096-4A1D-B879-3E56BFAA42A5}"/>
-              </a:ext>
-            </a:extLst>
-          </p:cNvPr>
-          <p:cNvSpPr txBox="1"/>
-          <p:nvPr/>
-        </p:nvSpPr>
-        <p:spPr>
-          <a:xfrm>
-            <a:off x="2232837" y="1690576"/>
-            <a:ext cx="4986670" cy="2585323"/>
-          </a:xfrm>
-          <a:prstGeom prst="rect">
-            <a:avLst/>
-          </a:prstGeom>
-          <a:noFill/>
-        </p:spPr>
-        <p:txBody>
-          <a:bodyPr wrap="square" rtlCol="0">
-            <a:spAutoFit/>
-          </a:bodyPr>
-          <a:lstStyle/>
-          <a:p>
-            <a:pPr algn="ctr"/>
-            <a:r>
-              <a:rPr lang="es-ES" sz="5400" b="1" dirty="0">
-                <a:latin typeface="Adobe Fangsong Std R" panose="02020400000000000000" pitchFamily="18" charset="-128"/>
-                <a:ea typeface="Adobe Fangsong Std R" panose="02020400000000000000" pitchFamily="18" charset="-128"/>
-              </a:rPr>
-              <a:t>CASOS DE USOS EXTENDIDOS </a:t>
-            </a:r>
-            <a:endParaRPr lang="es-CO" sz="5400" b="1" dirty="0">
-              <a:latin typeface="Adobe Fangsong Std R" panose="02020400000000000000" pitchFamily="18" charset="-128"/>
-              <a:ea typeface="Adobe Fangsong Std R" panose="02020400000000000000" pitchFamily="18" charset="-128"/>
-            </a:endParaRPr>
-          </a:p>
-        </p:txBody>
-      </p:sp>
-    </p:spTree>
-    <p:extLst>
-      <p:ext uri="{BB962C8B-B14F-4D97-AF65-F5344CB8AC3E}">
-        <p14:creationId xmlns:p14="http://schemas.microsoft.com/office/powerpoint/2010/main" val="4086485623"/>
-      </p:ext>
-    </p:extLst>
-  </p:cSld>
-  <p:clrMapOvr>
-    <a:masterClrMapping/>
-  </p:clrMapOvr>
-  <p:timing>
-    <p:tnLst>
-      <p:par>
-        <p:cTn id="1" dur="indefinite" restart="never" nodeType="tmRoot"/>
-      </p:par>
-    </p:tnLst>
-  </p:timing>
-</p:sld>
-</file>
-
-<file path=ppt/slides/slide4.xml><?xml version="1.0" encoding="utf-8"?>
-<p:sld xmlns:a="http://schemas.openxmlformats.org/drawingml/2006/main" xmlns:r="http://schemas.openxmlformats.org/officeDocument/2006/relationships" xmlns:p="http://schemas.openxmlformats.org/presentationml/2006/main">
-  <p:cSld>
-    <p:spTree>
-      <p:nvGrpSpPr>
-        <p:cNvPr id="1" name="Shape 49"/>
-        <p:cNvGrpSpPr/>
-        <p:nvPr/>
-      </p:nvGrpSpPr>
-      <p:grpSpPr>
-        <a:xfrm>
-          <a:off x="0" y="0"/>
-          <a:ext cx="0" cy="0"/>
-          <a:chOff x="0" y="0"/>
-          <a:chExt cx="0" cy="0"/>
-        </a:xfrm>
-      </p:grpSpPr>
-      <p:sp>
-        <p:nvSpPr>
-          <p:cNvPr id="2" name="Título 1">
-            <a:extLst>
-              <a:ext uri="{FF2B5EF4-FFF2-40B4-BE49-F238E27FC236}">
-                <a16:creationId xmlns:a16="http://schemas.microsoft.com/office/drawing/2014/main" id="{E09A007F-1CA4-49CD-92CC-F88805D62958}"/>
-              </a:ext>
-            </a:extLst>
-          </p:cNvPr>
-          <p:cNvSpPr txBox="1">
-            <a:spLocks/>
-          </p:cNvSpPr>
-          <p:nvPr/>
-        </p:nvSpPr>
-        <p:spPr>
-          <a:xfrm>
-            <a:off x="1493876" y="1996090"/>
-            <a:ext cx="9245007" cy="1151320"/>
-          </a:xfrm>
-          <a:prstGeom prst="rect">
-            <a:avLst/>
-          </a:prstGeom>
-        </p:spPr>
-        <p:txBody>
-          <a:bodyPr>
-            <a:noAutofit/>
-          </a:bodyPr>
-          <a:lstStyle>
-            <a:defPPr marR="0" lvl="0" algn="l" rtl="0">
-              <a:lnSpc>
-                <a:spcPct val="100000"/>
-              </a:lnSpc>
-              <a:spcBef>
-                <a:spcPts val="0"/>
-              </a:spcBef>
-              <a:spcAft>
-                <a:spcPts val="0"/>
-              </a:spcAft>
-            </a:defPPr>
-            <a:lvl1pPr marR="0" lvl="0" algn="l" rtl="0">
-              <a:lnSpc>
-                <a:spcPct val="100000"/>
-              </a:lnSpc>
-              <a:spcBef>
-                <a:spcPts val="0"/>
-              </a:spcBef>
-              <a:spcAft>
-                <a:spcPts val="0"/>
-              </a:spcAft>
-              <a:buClr>
-                <a:srgbClr val="000000"/>
-              </a:buClr>
-              <a:buFont typeface="Arial"/>
-              <a:defRPr sz="1400" b="0" i="0" u="none" strike="noStrike" cap="none">
-                <a:solidFill>
-                  <a:srgbClr val="000000"/>
-                </a:solidFill>
-                <a:latin typeface="Arial"/>
-                <a:ea typeface="Arial"/>
-                <a:cs typeface="Arial"/>
-                <a:sym typeface="Arial"/>
-              </a:defRPr>
-            </a:lvl1pPr>
-            <a:lvl2pPr marR="0" lvl="1" algn="l" rtl="0">
-              <a:lnSpc>
-                <a:spcPct val="100000"/>
-              </a:lnSpc>
-              <a:spcBef>
-                <a:spcPts val="0"/>
-              </a:spcBef>
-              <a:spcAft>
-                <a:spcPts val="0"/>
-              </a:spcAft>
-              <a:buClr>
-                <a:srgbClr val="000000"/>
-              </a:buClr>
-              <a:buFont typeface="Arial"/>
-              <a:defRPr sz="1400" b="0" i="0" u="none" strike="noStrike" cap="none">
-                <a:solidFill>
-                  <a:srgbClr val="000000"/>
-                </a:solidFill>
-                <a:latin typeface="Arial"/>
-                <a:ea typeface="Arial"/>
-                <a:cs typeface="Arial"/>
-                <a:sym typeface="Arial"/>
-              </a:defRPr>
-            </a:lvl2pPr>
-            <a:lvl3pPr marR="0" lvl="2" algn="l" rtl="0">
-              <a:lnSpc>
-                <a:spcPct val="100000"/>
-              </a:lnSpc>
-              <a:spcBef>
-                <a:spcPts val="0"/>
-              </a:spcBef>
-              <a:spcAft>
-                <a:spcPts val="0"/>
-              </a:spcAft>
-              <a:buClr>
-                <a:srgbClr val="000000"/>
-              </a:buClr>
-              <a:buFont typeface="Arial"/>
-              <a:defRPr sz="1400" b="0" i="0" u="none" strike="noStrike" cap="none">
-                <a:solidFill>
-                  <a:srgbClr val="000000"/>
-                </a:solidFill>
-                <a:latin typeface="Arial"/>
-                <a:ea typeface="Arial"/>
-                <a:cs typeface="Arial"/>
-                <a:sym typeface="Arial"/>
-              </a:defRPr>
-            </a:lvl3pPr>
-            <a:lvl4pPr marR="0" lvl="3" algn="l" rtl="0">
-              <a:lnSpc>
-                <a:spcPct val="100000"/>
-              </a:lnSpc>
-              <a:spcBef>
-                <a:spcPts val="0"/>
-              </a:spcBef>
-              <a:spcAft>
-                <a:spcPts val="0"/>
-              </a:spcAft>
-              <a:buClr>
-                <a:srgbClr val="000000"/>
-              </a:buClr>
-              <a:buFont typeface="Arial"/>
-              <a:defRPr sz="1400" b="0" i="0" u="none" strike="noStrike" cap="none">
-                <a:solidFill>
-                  <a:srgbClr val="000000"/>
-                </a:solidFill>
-                <a:latin typeface="Arial"/>
-                <a:ea typeface="Arial"/>
-                <a:cs typeface="Arial"/>
-                <a:sym typeface="Arial"/>
-              </a:defRPr>
-            </a:lvl4pPr>
-            <a:lvl5pPr marR="0" lvl="4" algn="l" rtl="0">
-              <a:lnSpc>
-                <a:spcPct val="100000"/>
-              </a:lnSpc>
-              <a:spcBef>
-                <a:spcPts val="0"/>
-              </a:spcBef>
-              <a:spcAft>
-                <a:spcPts val="0"/>
-              </a:spcAft>
-              <a:buClr>
-                <a:srgbClr val="000000"/>
-              </a:buClr>
-              <a:buFont typeface="Arial"/>
-              <a:defRPr sz="1400" b="0" i="0" u="none" strike="noStrike" cap="none">
-                <a:solidFill>
-                  <a:srgbClr val="000000"/>
-                </a:solidFill>
-                <a:latin typeface="Arial"/>
-                <a:ea typeface="Arial"/>
-                <a:cs typeface="Arial"/>
-                <a:sym typeface="Arial"/>
-              </a:defRPr>
-            </a:lvl5pPr>
-            <a:lvl6pPr marR="0" lvl="5" algn="l" rtl="0">
-              <a:lnSpc>
-                <a:spcPct val="100000"/>
-              </a:lnSpc>
-              <a:spcBef>
-                <a:spcPts val="0"/>
-              </a:spcBef>
-              <a:spcAft>
-                <a:spcPts val="0"/>
-              </a:spcAft>
-              <a:buClr>
-                <a:srgbClr val="000000"/>
-              </a:buClr>
-              <a:buFont typeface="Arial"/>
-              <a:defRPr sz="1400" b="0" i="0" u="none" strike="noStrike" cap="none">
-                <a:solidFill>
-                  <a:srgbClr val="000000"/>
-                </a:solidFill>
-                <a:latin typeface="Arial"/>
-                <a:ea typeface="Arial"/>
-                <a:cs typeface="Arial"/>
-                <a:sym typeface="Arial"/>
-              </a:defRPr>
-            </a:lvl6pPr>
-            <a:lvl7pPr marR="0" lvl="6" algn="l" rtl="0">
-              <a:lnSpc>
-                <a:spcPct val="100000"/>
-              </a:lnSpc>
-              <a:spcBef>
-                <a:spcPts val="0"/>
-              </a:spcBef>
-              <a:spcAft>
-                <a:spcPts val="0"/>
-              </a:spcAft>
-              <a:buClr>
-                <a:srgbClr val="000000"/>
-              </a:buClr>
-              <a:buFont typeface="Arial"/>
-              <a:defRPr sz="1400" b="0" i="0" u="none" strike="noStrike" cap="none">
-                <a:solidFill>
-                  <a:srgbClr val="000000"/>
-                </a:solidFill>
-                <a:latin typeface="Arial"/>
-                <a:ea typeface="Arial"/>
-                <a:cs typeface="Arial"/>
-                <a:sym typeface="Arial"/>
-              </a:defRPr>
-            </a:lvl7pPr>
-            <a:lvl8pPr marR="0" lvl="7" algn="l" rtl="0">
-              <a:lnSpc>
-                <a:spcPct val="100000"/>
-              </a:lnSpc>
-              <a:spcBef>
-                <a:spcPts val="0"/>
-              </a:spcBef>
-              <a:spcAft>
-                <a:spcPts val="0"/>
-              </a:spcAft>
-              <a:buClr>
-                <a:srgbClr val="000000"/>
-              </a:buClr>
-              <a:buFont typeface="Arial"/>
-              <a:defRPr sz="1400" b="0" i="0" u="none" strike="noStrike" cap="none">
-                <a:solidFill>
-                  <a:srgbClr val="000000"/>
-                </a:solidFill>
-                <a:latin typeface="Arial"/>
-                <a:ea typeface="Arial"/>
-                <a:cs typeface="Arial"/>
-                <a:sym typeface="Arial"/>
-              </a:defRPr>
-            </a:lvl8pPr>
-            <a:lvl9pPr marR="0" lvl="8" algn="l" rtl="0">
-              <a:lnSpc>
-                <a:spcPct val="100000"/>
-              </a:lnSpc>
-              <a:spcBef>
-                <a:spcPts val="0"/>
-              </a:spcBef>
-              <a:spcAft>
-                <a:spcPts val="0"/>
-              </a:spcAft>
-              <a:buClr>
-                <a:srgbClr val="000000"/>
-              </a:buClr>
-              <a:buFont typeface="Arial"/>
-              <a:defRPr sz="1400" b="0" i="0" u="none" strike="noStrike" cap="none">
-                <a:solidFill>
-                  <a:srgbClr val="000000"/>
-                </a:solidFill>
-                <a:latin typeface="Arial"/>
-                <a:ea typeface="Arial"/>
-                <a:cs typeface="Arial"/>
-                <a:sym typeface="Arial"/>
-              </a:defRPr>
-            </a:lvl9pPr>
-          </a:lstStyle>
-          <a:p>
-            <a:pPr algn="ctr"/>
-            <a:r>
-              <a:rPr lang="es-CO" sz="4000" dirty="0"/>
-              <a:t>PLANTEAMIENTO </a:t>
-            </a:r>
-          </a:p>
-          <a:p>
-            <a:pPr algn="ctr"/>
-            <a:r>
-              <a:rPr lang="es-CO" sz="4000" dirty="0"/>
-              <a:t>DEL PROBLEMA </a:t>
-            </a:r>
-            <a:endParaRPr lang="en-US" sz="4000" dirty="0"/>
-          </a:p>
-        </p:txBody>
-      </p:sp>
-    </p:spTree>
-  </p:cSld>
-  <p:clrMapOvr>
-    <a:masterClrMapping/>
-  </p:clrMapOvr>
-  <p:timing>
-    <p:tnLst>
-      <p:par>
-        <p:cTn id="1" dur="indefinite" restart="never" nodeType="tmRoot"/>
-      </p:par>
-    </p:tnLst>
-  </p:timing>
-</p:sld>
-</file>
-
-<file path=ppt/slides/slide5.xml><?xml version="1.0" encoding="utf-8"?>
-<p:sld xmlns:a="http://schemas.openxmlformats.org/drawingml/2006/main" xmlns:r="http://schemas.openxmlformats.org/officeDocument/2006/relationships" xmlns:p="http://schemas.openxmlformats.org/presentationml/2006/main">
-  <p:cSld>
-    <p:spTree>
-      <p:nvGrpSpPr>
-        <p:cNvPr id="1" name="Shape 54"/>
-        <p:cNvGrpSpPr/>
-        <p:nvPr/>
-      </p:nvGrpSpPr>
-      <p:grpSpPr>
-        <a:xfrm>
-          <a:off x="0" y="0"/>
-          <a:ext cx="0" cy="0"/>
-          <a:chOff x="0" y="0"/>
-          <a:chExt cx="0" cy="0"/>
-        </a:xfrm>
-      </p:grpSpPr>
-      <p:sp>
-        <p:nvSpPr>
-          <p:cNvPr id="2" name="Marcador de contenido 2">
-            <a:extLst>
-              <a:ext uri="{FF2B5EF4-FFF2-40B4-BE49-F238E27FC236}">
-                <a16:creationId xmlns:a16="http://schemas.microsoft.com/office/drawing/2014/main" id="{F1147482-E3A3-4CA0-98FF-98A1256D8477}"/>
-              </a:ext>
-            </a:extLst>
-          </p:cNvPr>
-          <p:cNvSpPr txBox="1">
-            <a:spLocks/>
-          </p:cNvSpPr>
-          <p:nvPr/>
-        </p:nvSpPr>
-        <p:spPr>
-          <a:xfrm>
-            <a:off x="110138" y="2995724"/>
-            <a:ext cx="8567464" cy="3269102"/>
-          </a:xfrm>
-          <a:prstGeom prst="rect">
-            <a:avLst/>
-          </a:prstGeom>
-        </p:spPr>
-        <p:txBody>
-          <a:bodyPr>
-            <a:normAutofit/>
-          </a:bodyPr>
-          <a:lstStyle>
-            <a:defPPr marR="0" lvl="0" algn="l" rtl="0">
-              <a:lnSpc>
-                <a:spcPct val="100000"/>
-              </a:lnSpc>
-              <a:spcBef>
-                <a:spcPts val="0"/>
-              </a:spcBef>
-              <a:spcAft>
-                <a:spcPts val="0"/>
-              </a:spcAft>
-            </a:defPPr>
-            <a:lvl1pPr marR="0" lvl="0" algn="l" rtl="0">
-              <a:lnSpc>
-                <a:spcPct val="100000"/>
-              </a:lnSpc>
-              <a:spcBef>
-                <a:spcPts val="0"/>
-              </a:spcBef>
-              <a:spcAft>
-                <a:spcPts val="0"/>
-              </a:spcAft>
-              <a:buClr>
-                <a:srgbClr val="000000"/>
-              </a:buClr>
-              <a:buFont typeface="Arial"/>
-              <a:defRPr sz="1400" b="0" i="0" u="none" strike="noStrike" cap="none">
-                <a:solidFill>
-                  <a:srgbClr val="000000"/>
-                </a:solidFill>
-                <a:latin typeface="Arial"/>
-                <a:ea typeface="Arial"/>
-                <a:cs typeface="Arial"/>
-                <a:sym typeface="Arial"/>
-              </a:defRPr>
-            </a:lvl1pPr>
-            <a:lvl2pPr marR="0" lvl="1" algn="l" rtl="0">
-              <a:lnSpc>
-                <a:spcPct val="100000"/>
-              </a:lnSpc>
-              <a:spcBef>
-                <a:spcPts val="0"/>
-              </a:spcBef>
-              <a:spcAft>
-                <a:spcPts val="0"/>
-              </a:spcAft>
-              <a:buClr>
-                <a:srgbClr val="000000"/>
-              </a:buClr>
-              <a:buFont typeface="Arial"/>
-              <a:defRPr sz="1400" b="0" i="0" u="none" strike="noStrike" cap="none">
-                <a:solidFill>
-                  <a:srgbClr val="000000"/>
-                </a:solidFill>
-                <a:latin typeface="Arial"/>
-                <a:ea typeface="Arial"/>
-                <a:cs typeface="Arial"/>
-                <a:sym typeface="Arial"/>
-              </a:defRPr>
-            </a:lvl2pPr>
-            <a:lvl3pPr marR="0" lvl="2" algn="l" rtl="0">
-              <a:lnSpc>
-                <a:spcPct val="100000"/>
-              </a:lnSpc>
-              <a:spcBef>
-                <a:spcPts val="0"/>
-              </a:spcBef>
-              <a:spcAft>
-                <a:spcPts val="0"/>
-              </a:spcAft>
-              <a:buClr>
-                <a:srgbClr val="000000"/>
-              </a:buClr>
-              <a:buFont typeface="Arial"/>
-              <a:defRPr sz="1400" b="0" i="0" u="none" strike="noStrike" cap="none">
-                <a:solidFill>
-                  <a:srgbClr val="000000"/>
-                </a:solidFill>
-                <a:latin typeface="Arial"/>
-                <a:ea typeface="Arial"/>
-                <a:cs typeface="Arial"/>
-                <a:sym typeface="Arial"/>
-              </a:defRPr>
-            </a:lvl3pPr>
-            <a:lvl4pPr marR="0" lvl="3" algn="l" rtl="0">
-              <a:lnSpc>
-                <a:spcPct val="100000"/>
-              </a:lnSpc>
-              <a:spcBef>
-                <a:spcPts val="0"/>
-              </a:spcBef>
-              <a:spcAft>
-                <a:spcPts val="0"/>
-              </a:spcAft>
-              <a:buClr>
-                <a:srgbClr val="000000"/>
-              </a:buClr>
-              <a:buFont typeface="Arial"/>
-              <a:defRPr sz="1400" b="0" i="0" u="none" strike="noStrike" cap="none">
-                <a:solidFill>
-                  <a:srgbClr val="000000"/>
-                </a:solidFill>
-                <a:latin typeface="Arial"/>
-                <a:ea typeface="Arial"/>
-                <a:cs typeface="Arial"/>
-                <a:sym typeface="Arial"/>
-              </a:defRPr>
-            </a:lvl4pPr>
-            <a:lvl5pPr marR="0" lvl="4" algn="l" rtl="0">
-              <a:lnSpc>
-                <a:spcPct val="100000"/>
-              </a:lnSpc>
-              <a:spcBef>
-                <a:spcPts val="0"/>
-              </a:spcBef>
-              <a:spcAft>
-                <a:spcPts val="0"/>
-              </a:spcAft>
-              <a:buClr>
-                <a:srgbClr val="000000"/>
-              </a:buClr>
-              <a:buFont typeface="Arial"/>
-              <a:defRPr sz="1400" b="0" i="0" u="none" strike="noStrike" cap="none">
-                <a:solidFill>
-                  <a:srgbClr val="000000"/>
-                </a:solidFill>
-                <a:latin typeface="Arial"/>
-                <a:ea typeface="Arial"/>
-                <a:cs typeface="Arial"/>
-                <a:sym typeface="Arial"/>
-              </a:defRPr>
-            </a:lvl5pPr>
-            <a:lvl6pPr marR="0" lvl="5" algn="l" rtl="0">
-              <a:lnSpc>
-                <a:spcPct val="100000"/>
-              </a:lnSpc>
-              <a:spcBef>
-                <a:spcPts val="0"/>
-              </a:spcBef>
-              <a:spcAft>
-                <a:spcPts val="0"/>
-              </a:spcAft>
-              <a:buClr>
-                <a:srgbClr val="000000"/>
-              </a:buClr>
-              <a:buFont typeface="Arial"/>
-              <a:defRPr sz="1400" b="0" i="0" u="none" strike="noStrike" cap="none">
-                <a:solidFill>
-                  <a:srgbClr val="000000"/>
-                </a:solidFill>
-                <a:latin typeface="Arial"/>
-                <a:ea typeface="Arial"/>
-                <a:cs typeface="Arial"/>
-                <a:sym typeface="Arial"/>
-              </a:defRPr>
-            </a:lvl6pPr>
-            <a:lvl7pPr marR="0" lvl="6" algn="l" rtl="0">
-              <a:lnSpc>
-                <a:spcPct val="100000"/>
-              </a:lnSpc>
-              <a:spcBef>
-                <a:spcPts val="0"/>
-              </a:spcBef>
-              <a:spcAft>
-                <a:spcPts val="0"/>
-              </a:spcAft>
-              <a:buClr>
-                <a:srgbClr val="000000"/>
-              </a:buClr>
-              <a:buFont typeface="Arial"/>
-              <a:defRPr sz="1400" b="0" i="0" u="none" strike="noStrike" cap="none">
-                <a:solidFill>
-                  <a:srgbClr val="000000"/>
-                </a:solidFill>
-                <a:latin typeface="Arial"/>
-                <a:ea typeface="Arial"/>
-                <a:cs typeface="Arial"/>
-                <a:sym typeface="Arial"/>
-              </a:defRPr>
-            </a:lvl7pPr>
-            <a:lvl8pPr marR="0" lvl="7" algn="l" rtl="0">
-              <a:lnSpc>
-                <a:spcPct val="100000"/>
-              </a:lnSpc>
-              <a:spcBef>
-                <a:spcPts val="0"/>
-              </a:spcBef>
-              <a:spcAft>
-                <a:spcPts val="0"/>
-              </a:spcAft>
-              <a:buClr>
-                <a:srgbClr val="000000"/>
-              </a:buClr>
-              <a:buFont typeface="Arial"/>
-              <a:defRPr sz="1400" b="0" i="0" u="none" strike="noStrike" cap="none">
-                <a:solidFill>
-                  <a:srgbClr val="000000"/>
-                </a:solidFill>
-                <a:latin typeface="Arial"/>
-                <a:ea typeface="Arial"/>
-                <a:cs typeface="Arial"/>
-                <a:sym typeface="Arial"/>
-              </a:defRPr>
-            </a:lvl8pPr>
-            <a:lvl9pPr marR="0" lvl="8" algn="l" rtl="0">
-              <a:lnSpc>
-                <a:spcPct val="100000"/>
-              </a:lnSpc>
-              <a:spcBef>
-                <a:spcPts val="0"/>
-              </a:spcBef>
-              <a:spcAft>
-                <a:spcPts val="0"/>
-              </a:spcAft>
-              <a:buClr>
-                <a:srgbClr val="000000"/>
-              </a:buClr>
-              <a:buFont typeface="Arial"/>
-              <a:defRPr sz="1400" b="0" i="0" u="none" strike="noStrike" cap="none">
-                <a:solidFill>
-                  <a:srgbClr val="000000"/>
-                </a:solidFill>
-                <a:latin typeface="Arial"/>
-                <a:ea typeface="Arial"/>
-                <a:cs typeface="Arial"/>
-                <a:sym typeface="Arial"/>
-              </a:defRPr>
-            </a:lvl9pPr>
-          </a:lstStyle>
-          <a:p>
-            <a:pPr algn="just"/>
-            <a:endParaRPr lang="es-MX" sz="2000" dirty="0"/>
-          </a:p>
-        </p:txBody>
-      </p:sp>
-      <p:sp>
-        <p:nvSpPr>
-          <p:cNvPr id="3" name="Marcador de contenido 2">
-            <a:extLst>
-              <a:ext uri="{FF2B5EF4-FFF2-40B4-BE49-F238E27FC236}">
-                <a16:creationId xmlns:a16="http://schemas.microsoft.com/office/drawing/2014/main" id="{6E944C82-3F73-495F-88E9-EF10297F88DF}"/>
-              </a:ext>
-            </a:extLst>
-          </p:cNvPr>
-          <p:cNvSpPr txBox="1">
-            <a:spLocks/>
-          </p:cNvSpPr>
-          <p:nvPr/>
-        </p:nvSpPr>
-        <p:spPr>
-          <a:xfrm>
-            <a:off x="212672" y="1073887"/>
-            <a:ext cx="8362396" cy="3838355"/>
-          </a:xfrm>
-          <a:prstGeom prst="rect">
-            <a:avLst/>
-          </a:prstGeom>
-        </p:spPr>
-        <p:txBody>
-          <a:bodyPr>
-            <a:noAutofit/>
-          </a:bodyPr>
-          <a:lstStyle>
-            <a:defPPr marR="0" lvl="0" algn="l" rtl="0">
-              <a:lnSpc>
-                <a:spcPct val="100000"/>
-              </a:lnSpc>
-              <a:spcBef>
-                <a:spcPts val="0"/>
-              </a:spcBef>
-              <a:spcAft>
-                <a:spcPts val="0"/>
-              </a:spcAft>
-            </a:defPPr>
-            <a:lvl1pPr marR="0" lvl="0" algn="l" rtl="0">
-              <a:lnSpc>
-                <a:spcPct val="100000"/>
-              </a:lnSpc>
-              <a:spcBef>
-                <a:spcPts val="0"/>
-              </a:spcBef>
-              <a:spcAft>
-                <a:spcPts val="0"/>
-              </a:spcAft>
-              <a:buClr>
-                <a:srgbClr val="000000"/>
-              </a:buClr>
-              <a:buFont typeface="Arial"/>
-              <a:defRPr sz="1400" b="0" i="0" u="none" strike="noStrike" cap="none">
-                <a:solidFill>
-                  <a:srgbClr val="000000"/>
-                </a:solidFill>
-                <a:latin typeface="Arial"/>
-                <a:ea typeface="Arial"/>
-                <a:cs typeface="Arial"/>
-                <a:sym typeface="Arial"/>
-              </a:defRPr>
-            </a:lvl1pPr>
-            <a:lvl2pPr marR="0" lvl="1" algn="l" rtl="0">
-              <a:lnSpc>
-                <a:spcPct val="100000"/>
-              </a:lnSpc>
-              <a:spcBef>
-                <a:spcPts val="0"/>
-              </a:spcBef>
-              <a:spcAft>
-                <a:spcPts val="0"/>
-              </a:spcAft>
-              <a:buClr>
-                <a:srgbClr val="000000"/>
-              </a:buClr>
-              <a:buFont typeface="Arial"/>
-              <a:defRPr sz="1400" b="0" i="0" u="none" strike="noStrike" cap="none">
-                <a:solidFill>
-                  <a:srgbClr val="000000"/>
-                </a:solidFill>
-                <a:latin typeface="Arial"/>
-                <a:ea typeface="Arial"/>
-                <a:cs typeface="Arial"/>
-                <a:sym typeface="Arial"/>
-              </a:defRPr>
-            </a:lvl2pPr>
-            <a:lvl3pPr marR="0" lvl="2" algn="l" rtl="0">
-              <a:lnSpc>
-                <a:spcPct val="100000"/>
-              </a:lnSpc>
-              <a:spcBef>
-                <a:spcPts val="0"/>
-              </a:spcBef>
-              <a:spcAft>
-                <a:spcPts val="0"/>
-              </a:spcAft>
-              <a:buClr>
-                <a:srgbClr val="000000"/>
-              </a:buClr>
-              <a:buFont typeface="Arial"/>
-              <a:defRPr sz="1400" b="0" i="0" u="none" strike="noStrike" cap="none">
-                <a:solidFill>
-                  <a:srgbClr val="000000"/>
-                </a:solidFill>
-                <a:latin typeface="Arial"/>
-                <a:ea typeface="Arial"/>
-                <a:cs typeface="Arial"/>
-                <a:sym typeface="Arial"/>
-              </a:defRPr>
-            </a:lvl3pPr>
-            <a:lvl4pPr marR="0" lvl="3" algn="l" rtl="0">
-              <a:lnSpc>
-                <a:spcPct val="100000"/>
-              </a:lnSpc>
-              <a:spcBef>
-                <a:spcPts val="0"/>
-              </a:spcBef>
-              <a:spcAft>
-                <a:spcPts val="0"/>
-              </a:spcAft>
-              <a:buClr>
-                <a:srgbClr val="000000"/>
-              </a:buClr>
-              <a:buFont typeface="Arial"/>
-              <a:defRPr sz="1400" b="0" i="0" u="none" strike="noStrike" cap="none">
-                <a:solidFill>
-                  <a:srgbClr val="000000"/>
-                </a:solidFill>
-                <a:latin typeface="Arial"/>
-                <a:ea typeface="Arial"/>
-                <a:cs typeface="Arial"/>
-                <a:sym typeface="Arial"/>
-              </a:defRPr>
-            </a:lvl4pPr>
-            <a:lvl5pPr marR="0" lvl="4" algn="l" rtl="0">
-              <a:lnSpc>
-                <a:spcPct val="100000"/>
-              </a:lnSpc>
-              <a:spcBef>
-                <a:spcPts val="0"/>
-              </a:spcBef>
-              <a:spcAft>
-                <a:spcPts val="0"/>
-              </a:spcAft>
-              <a:buClr>
-                <a:srgbClr val="000000"/>
-              </a:buClr>
-              <a:buFont typeface="Arial"/>
-              <a:defRPr sz="1400" b="0" i="0" u="none" strike="noStrike" cap="none">
-                <a:solidFill>
-                  <a:srgbClr val="000000"/>
-                </a:solidFill>
-                <a:latin typeface="Arial"/>
-                <a:ea typeface="Arial"/>
-                <a:cs typeface="Arial"/>
-                <a:sym typeface="Arial"/>
-              </a:defRPr>
-            </a:lvl5pPr>
-            <a:lvl6pPr marR="0" lvl="5" algn="l" rtl="0">
-              <a:lnSpc>
-                <a:spcPct val="100000"/>
-              </a:lnSpc>
-              <a:spcBef>
-                <a:spcPts val="0"/>
-              </a:spcBef>
-              <a:spcAft>
-                <a:spcPts val="0"/>
-              </a:spcAft>
-              <a:buClr>
-                <a:srgbClr val="000000"/>
-              </a:buClr>
-              <a:buFont typeface="Arial"/>
-              <a:defRPr sz="1400" b="0" i="0" u="none" strike="noStrike" cap="none">
-                <a:solidFill>
-                  <a:srgbClr val="000000"/>
-                </a:solidFill>
-                <a:latin typeface="Arial"/>
-                <a:ea typeface="Arial"/>
-                <a:cs typeface="Arial"/>
-                <a:sym typeface="Arial"/>
-              </a:defRPr>
-            </a:lvl6pPr>
-            <a:lvl7pPr marR="0" lvl="6" algn="l" rtl="0">
-              <a:lnSpc>
-                <a:spcPct val="100000"/>
-              </a:lnSpc>
-              <a:spcBef>
-                <a:spcPts val="0"/>
-              </a:spcBef>
-              <a:spcAft>
-                <a:spcPts val="0"/>
-              </a:spcAft>
-              <a:buClr>
-                <a:srgbClr val="000000"/>
-              </a:buClr>
-              <a:buFont typeface="Arial"/>
-              <a:defRPr sz="1400" b="0" i="0" u="none" strike="noStrike" cap="none">
-                <a:solidFill>
-                  <a:srgbClr val="000000"/>
-                </a:solidFill>
-                <a:latin typeface="Arial"/>
-                <a:ea typeface="Arial"/>
-                <a:cs typeface="Arial"/>
-                <a:sym typeface="Arial"/>
-              </a:defRPr>
-            </a:lvl7pPr>
-            <a:lvl8pPr marR="0" lvl="7" algn="l" rtl="0">
-              <a:lnSpc>
-                <a:spcPct val="100000"/>
-              </a:lnSpc>
-              <a:spcBef>
-                <a:spcPts val="0"/>
-              </a:spcBef>
-              <a:spcAft>
-                <a:spcPts val="0"/>
-              </a:spcAft>
-              <a:buClr>
-                <a:srgbClr val="000000"/>
-              </a:buClr>
-              <a:buFont typeface="Arial"/>
-              <a:defRPr sz="1400" b="0" i="0" u="none" strike="noStrike" cap="none">
-                <a:solidFill>
-                  <a:srgbClr val="000000"/>
-                </a:solidFill>
-                <a:latin typeface="Arial"/>
-                <a:ea typeface="Arial"/>
-                <a:cs typeface="Arial"/>
-                <a:sym typeface="Arial"/>
-              </a:defRPr>
-            </a:lvl8pPr>
-            <a:lvl9pPr marR="0" lvl="8" algn="l" rtl="0">
-              <a:lnSpc>
-                <a:spcPct val="100000"/>
-              </a:lnSpc>
-              <a:spcBef>
-                <a:spcPts val="0"/>
-              </a:spcBef>
-              <a:spcAft>
-                <a:spcPts val="0"/>
-              </a:spcAft>
-              <a:buClr>
-                <a:srgbClr val="000000"/>
-              </a:buClr>
-              <a:buFont typeface="Arial"/>
-              <a:defRPr sz="1400" b="0" i="0" u="none" strike="noStrike" cap="none">
-                <a:solidFill>
-                  <a:srgbClr val="000000"/>
-                </a:solidFill>
-                <a:latin typeface="Arial"/>
-                <a:ea typeface="Arial"/>
-                <a:cs typeface="Arial"/>
-                <a:sym typeface="Arial"/>
-              </a:defRPr>
-            </a:lvl9pPr>
-          </a:lstStyle>
-          <a:p>
-            <a:pPr algn="just"/>
-            <a:r>
-              <a:rPr lang="es-MX" sz="2000" dirty="0"/>
-              <a:t>La panadería fruto pan presenta dificultades para su desarrollo administrativo y financiero ya que no cuentan con la información suficiente para poder facilitar y llevar el correcto manejo de materia prima que adquieren semanalmente para la producción de los diferentes productos que ofrecen a la comunidad, además existen deficiencias en el conocimiento de materia prima disponible, porque solo tienen conocimiento de las facturas de compra </a:t>
-            </a:r>
-            <a:r>
-              <a:rPr lang="es-MX" sz="2000" dirty="0" smtClean="0"/>
-              <a:t>más </a:t>
-            </a:r>
-            <a:r>
-              <a:rPr lang="es-MX" sz="2000" dirty="0"/>
-              <a:t>no del gasto y disponibilidad, si quisieran tener una idea sobre la materia prima, deberían observar minuciosamente las cantidades disponibles, haciendo que este  trabajo sea </a:t>
-            </a:r>
-            <a:r>
-              <a:rPr lang="es-MX" sz="2000" dirty="0" smtClean="0"/>
-              <a:t>molesto.</a:t>
-            </a:r>
-            <a:endParaRPr lang="en-US" dirty="0"/>
-          </a:p>
-        </p:txBody>
-      </p:sp>
-    </p:spTree>
-  </p:cSld>
-  <p:clrMapOvr>
-    <a:masterClrMapping/>
-  </p:clrMapOvr>
-  <p:timing>
-    <p:tnLst>
-      <p:par>
-        <p:cTn id="1" dur="indefinite" restart="never" nodeType="tmRoot"/>
-      </p:par>
-    </p:tnLst>
-  </p:timing>
-</p:sld>
-</file>
-
-<file path=ppt/slides/slide6.xml><?xml version="1.0" encoding="utf-8"?>
-<p:sld xmlns:a="http://schemas.openxmlformats.org/drawingml/2006/main" xmlns:r="http://schemas.openxmlformats.org/officeDocument/2006/relationships" xmlns:p="http://schemas.openxmlformats.org/presentationml/2006/main">
-  <p:cSld>
-    <p:spTree>
-      <p:nvGrpSpPr>
-        <p:cNvPr id="1" name=""/>
-        <p:cNvGrpSpPr/>
-        <p:nvPr/>
-      </p:nvGrpSpPr>
-      <p:grpSpPr>
-        <a:xfrm>
-          <a:off x="0" y="0"/>
-          <a:ext cx="0" cy="0"/>
-          <a:chOff x="0" y="0"/>
-          <a:chExt cx="0" cy="0"/>
-        </a:xfrm>
-      </p:grpSpPr>
-      <p:sp>
-        <p:nvSpPr>
-          <p:cNvPr id="2" name="Rectángulo 1">
-            <a:extLst>
-              <a:ext uri="{FF2B5EF4-FFF2-40B4-BE49-F238E27FC236}">
-                <a16:creationId xmlns:a16="http://schemas.microsoft.com/office/drawing/2014/main" id="{C3FD4C30-1738-464D-A8F7-39A7264A5F43}"/>
-              </a:ext>
-            </a:extLst>
-          </p:cNvPr>
-          <p:cNvSpPr/>
-          <p:nvPr/>
-        </p:nvSpPr>
-        <p:spPr>
-          <a:xfrm>
-            <a:off x="159487" y="1073888"/>
-            <a:ext cx="8888819" cy="3539430"/>
-          </a:xfrm>
-          <a:prstGeom prst="rect">
-            <a:avLst/>
-          </a:prstGeom>
-        </p:spPr>
-        <p:txBody>
-          <a:bodyPr wrap="square">
-            <a:spAutoFit/>
-          </a:bodyPr>
-          <a:lstStyle/>
-          <a:p>
-            <a:pPr algn="just"/>
-            <a:r>
-              <a:rPr lang="es-MX" sz="2800" dirty="0"/>
-              <a:t>Además, del mismo modo existen falencias en la falta de representación de ingresos puesto que anotan en un cuaderno solamente los ingresos </a:t>
-            </a:r>
-            <a:r>
-              <a:rPr lang="es-MX" sz="2800" dirty="0" smtClean="0"/>
-              <a:t>diarios</a:t>
-            </a:r>
-            <a:r>
-              <a:rPr lang="es-MX" sz="2800" dirty="0"/>
-              <a:t>, teniendo poca  percepción  del desarrollo semanal, igualmente no tienen un proceso definido para la producción de los productos, al no tener un paso a paso general puede llegar a ser engorroso para los nuevos empleados no tener un guía que les facilite su labor.</a:t>
-            </a:r>
-            <a:endParaRPr lang="en-US" sz="2800" dirty="0"/>
-          </a:p>
-        </p:txBody>
-      </p:sp>
-    </p:spTree>
-    <p:extLst>
-      <p:ext uri="{BB962C8B-B14F-4D97-AF65-F5344CB8AC3E}">
-        <p14:creationId xmlns:p14="http://schemas.microsoft.com/office/powerpoint/2010/main" val="1492506627"/>
-      </p:ext>
-    </p:extLst>
-  </p:cSld>
-  <p:clrMapOvr>
-    <a:masterClrMapping/>
-  </p:clrMapOvr>
-  <p:timing>
-    <p:tnLst>
-      <p:par>
-        <p:cTn id="1" dur="indefinite" restart="never" nodeType="tmRoot"/>
-      </p:par>
-    </p:tnLst>
-  </p:timing>
-</p:sld>
-</file>
-
-<file path=ppt/slides/slide7.xml><?xml version="1.0" encoding="utf-8"?>
+<file path=ppt/slides/slide9.xml><?xml version="1.0" encoding="utf-8"?>
 <p:sld xmlns:a="http://schemas.openxmlformats.org/drawingml/2006/main" xmlns:r="http://schemas.openxmlformats.org/officeDocument/2006/relationships" xmlns:p="http://schemas.openxmlformats.org/presentationml/2006/main">
   <p:cSld>
     <p:spTree>
@@ -17439,7 +18777,7 @@
         </p:nvSpPr>
         <p:spPr>
           <a:xfrm>
-            <a:off x="207034" y="175730"/>
+            <a:off x="129915" y="169803"/>
             <a:ext cx="8678173" cy="4803893"/>
           </a:xfrm>
           <a:prstGeom prst="rect">
@@ -17716,15 +19054,7 @@
             <a:pPr algn="just"/>
             <a:r>
               <a:rPr lang="es-MX" sz="2000" dirty="0"/>
-              <a:t>El planteamiento se realiza para desarrollar un software que permita a la panadería Fruto pan tener la posibilidad </a:t>
-            </a:r>
-            <a:r>
-              <a:rPr lang="es-MX" sz="2000" dirty="0" smtClean="0"/>
-              <a:t>de </a:t>
-            </a:r>
-            <a:r>
-              <a:rPr lang="es-MX" sz="2000" dirty="0"/>
-              <a:t>un conocimiento de su inventario además de esto tener una guía de pasos de la elaboración del los productos que ofrece la panadería,</a:t>
+              <a:t>El planteamiento se realiza para desarrollar un software que permita a la panadería Fruto pan tener la posibilidad de un conocimiento de su inventario además de esto tener una guía de pasos de la elaboración del los productos que ofrece la panadería,</a:t>
             </a:r>
           </a:p>
           <a:p>
@@ -17742,617 +19072,6 @@
   <p:clrMapOvr>
     <a:masterClrMapping/>
   </p:clrMapOvr>
-  <p:timing>
-    <p:tnLst>
-      <p:par>
-        <p:cTn id="1" dur="indefinite" restart="never" nodeType="tmRoot"/>
-      </p:par>
-    </p:tnLst>
-  </p:timing>
-</p:sld>
-</file>
-
-<file path=ppt/slides/slide8.xml><?xml version="1.0" encoding="utf-8"?>
-<p:sld xmlns:a="http://schemas.openxmlformats.org/drawingml/2006/main" xmlns:r="http://schemas.openxmlformats.org/officeDocument/2006/relationships" xmlns:p="http://schemas.openxmlformats.org/presentationml/2006/main">
-  <p:cSld>
-    <p:spTree>
-      <p:nvGrpSpPr>
-        <p:cNvPr id="1" name=""/>
-        <p:cNvGrpSpPr/>
-        <p:nvPr/>
-      </p:nvGrpSpPr>
-      <p:grpSpPr>
-        <a:xfrm>
-          <a:off x="0" y="0"/>
-          <a:ext cx="0" cy="0"/>
-          <a:chOff x="0" y="0"/>
-          <a:chExt cx="0" cy="0"/>
-        </a:xfrm>
-      </p:grpSpPr>
-      <p:sp>
-        <p:nvSpPr>
-          <p:cNvPr id="2" name="Título 1">
-            <a:extLst>
-              <a:ext uri="{FF2B5EF4-FFF2-40B4-BE49-F238E27FC236}">
-                <a16:creationId xmlns:a16="http://schemas.microsoft.com/office/drawing/2014/main" id="{4876BADF-1A02-4ACF-9E06-2D94104E1140}"/>
-              </a:ext>
-            </a:extLst>
-          </p:cNvPr>
-          <p:cNvSpPr txBox="1">
-            <a:spLocks/>
-          </p:cNvSpPr>
-          <p:nvPr/>
-        </p:nvSpPr>
-        <p:spPr>
-          <a:xfrm>
-            <a:off x="4143932" y="2277226"/>
-            <a:ext cx="6136091" cy="2990267"/>
-          </a:xfrm>
-          <a:prstGeom prst="rect">
-            <a:avLst/>
-          </a:prstGeom>
-        </p:spPr>
-        <p:txBody>
-          <a:bodyPr>
-            <a:noAutofit/>
-          </a:bodyPr>
-          <a:lstStyle>
-            <a:defPPr marR="0" lvl="0" algn="l" rtl="0">
-              <a:lnSpc>
-                <a:spcPct val="100000"/>
-              </a:lnSpc>
-              <a:spcBef>
-                <a:spcPts val="0"/>
-              </a:spcBef>
-              <a:spcAft>
-                <a:spcPts val="0"/>
-              </a:spcAft>
-            </a:defPPr>
-            <a:lvl1pPr marR="0" lvl="0" algn="l" rtl="0">
-              <a:lnSpc>
-                <a:spcPct val="100000"/>
-              </a:lnSpc>
-              <a:spcBef>
-                <a:spcPts val="0"/>
-              </a:spcBef>
-              <a:spcAft>
-                <a:spcPts val="0"/>
-              </a:spcAft>
-              <a:buClr>
-                <a:srgbClr val="000000"/>
-              </a:buClr>
-              <a:buFont typeface="Arial"/>
-              <a:defRPr sz="1400" b="0" i="0" u="none" strike="noStrike" cap="none">
-                <a:solidFill>
-                  <a:srgbClr val="000000"/>
-                </a:solidFill>
-                <a:latin typeface="Arial"/>
-                <a:ea typeface="Arial"/>
-                <a:cs typeface="Arial"/>
-                <a:sym typeface="Arial"/>
-              </a:defRPr>
-            </a:lvl1pPr>
-            <a:lvl2pPr marR="0" lvl="1" algn="l" rtl="0">
-              <a:lnSpc>
-                <a:spcPct val="100000"/>
-              </a:lnSpc>
-              <a:spcBef>
-                <a:spcPts val="0"/>
-              </a:spcBef>
-              <a:spcAft>
-                <a:spcPts val="0"/>
-              </a:spcAft>
-              <a:buClr>
-                <a:srgbClr val="000000"/>
-              </a:buClr>
-              <a:buFont typeface="Arial"/>
-              <a:defRPr sz="1400" b="0" i="0" u="none" strike="noStrike" cap="none">
-                <a:solidFill>
-                  <a:srgbClr val="000000"/>
-                </a:solidFill>
-                <a:latin typeface="Arial"/>
-                <a:ea typeface="Arial"/>
-                <a:cs typeface="Arial"/>
-                <a:sym typeface="Arial"/>
-              </a:defRPr>
-            </a:lvl2pPr>
-            <a:lvl3pPr marR="0" lvl="2" algn="l" rtl="0">
-              <a:lnSpc>
-                <a:spcPct val="100000"/>
-              </a:lnSpc>
-              <a:spcBef>
-                <a:spcPts val="0"/>
-              </a:spcBef>
-              <a:spcAft>
-                <a:spcPts val="0"/>
-              </a:spcAft>
-              <a:buClr>
-                <a:srgbClr val="000000"/>
-              </a:buClr>
-              <a:buFont typeface="Arial"/>
-              <a:defRPr sz="1400" b="0" i="0" u="none" strike="noStrike" cap="none">
-                <a:solidFill>
-                  <a:srgbClr val="000000"/>
-                </a:solidFill>
-                <a:latin typeface="Arial"/>
-                <a:ea typeface="Arial"/>
-                <a:cs typeface="Arial"/>
-                <a:sym typeface="Arial"/>
-              </a:defRPr>
-            </a:lvl3pPr>
-            <a:lvl4pPr marR="0" lvl="3" algn="l" rtl="0">
-              <a:lnSpc>
-                <a:spcPct val="100000"/>
-              </a:lnSpc>
-              <a:spcBef>
-                <a:spcPts val="0"/>
-              </a:spcBef>
-              <a:spcAft>
-                <a:spcPts val="0"/>
-              </a:spcAft>
-              <a:buClr>
-                <a:srgbClr val="000000"/>
-              </a:buClr>
-              <a:buFont typeface="Arial"/>
-              <a:defRPr sz="1400" b="0" i="0" u="none" strike="noStrike" cap="none">
-                <a:solidFill>
-                  <a:srgbClr val="000000"/>
-                </a:solidFill>
-                <a:latin typeface="Arial"/>
-                <a:ea typeface="Arial"/>
-                <a:cs typeface="Arial"/>
-                <a:sym typeface="Arial"/>
-              </a:defRPr>
-            </a:lvl4pPr>
-            <a:lvl5pPr marR="0" lvl="4" algn="l" rtl="0">
-              <a:lnSpc>
-                <a:spcPct val="100000"/>
-              </a:lnSpc>
-              <a:spcBef>
-                <a:spcPts val="0"/>
-              </a:spcBef>
-              <a:spcAft>
-                <a:spcPts val="0"/>
-              </a:spcAft>
-              <a:buClr>
-                <a:srgbClr val="000000"/>
-              </a:buClr>
-              <a:buFont typeface="Arial"/>
-              <a:defRPr sz="1400" b="0" i="0" u="none" strike="noStrike" cap="none">
-                <a:solidFill>
-                  <a:srgbClr val="000000"/>
-                </a:solidFill>
-                <a:latin typeface="Arial"/>
-                <a:ea typeface="Arial"/>
-                <a:cs typeface="Arial"/>
-                <a:sym typeface="Arial"/>
-              </a:defRPr>
-            </a:lvl5pPr>
-            <a:lvl6pPr marR="0" lvl="5" algn="l" rtl="0">
-              <a:lnSpc>
-                <a:spcPct val="100000"/>
-              </a:lnSpc>
-              <a:spcBef>
-                <a:spcPts val="0"/>
-              </a:spcBef>
-              <a:spcAft>
-                <a:spcPts val="0"/>
-              </a:spcAft>
-              <a:buClr>
-                <a:srgbClr val="000000"/>
-              </a:buClr>
-              <a:buFont typeface="Arial"/>
-              <a:defRPr sz="1400" b="0" i="0" u="none" strike="noStrike" cap="none">
-                <a:solidFill>
-                  <a:srgbClr val="000000"/>
-                </a:solidFill>
-                <a:latin typeface="Arial"/>
-                <a:ea typeface="Arial"/>
-                <a:cs typeface="Arial"/>
-                <a:sym typeface="Arial"/>
-              </a:defRPr>
-            </a:lvl6pPr>
-            <a:lvl7pPr marR="0" lvl="6" algn="l" rtl="0">
-              <a:lnSpc>
-                <a:spcPct val="100000"/>
-              </a:lnSpc>
-              <a:spcBef>
-                <a:spcPts val="0"/>
-              </a:spcBef>
-              <a:spcAft>
-                <a:spcPts val="0"/>
-              </a:spcAft>
-              <a:buClr>
-                <a:srgbClr val="000000"/>
-              </a:buClr>
-              <a:buFont typeface="Arial"/>
-              <a:defRPr sz="1400" b="0" i="0" u="none" strike="noStrike" cap="none">
-                <a:solidFill>
-                  <a:srgbClr val="000000"/>
-                </a:solidFill>
-                <a:latin typeface="Arial"/>
-                <a:ea typeface="Arial"/>
-                <a:cs typeface="Arial"/>
-                <a:sym typeface="Arial"/>
-              </a:defRPr>
-            </a:lvl7pPr>
-            <a:lvl8pPr marR="0" lvl="7" algn="l" rtl="0">
-              <a:lnSpc>
-                <a:spcPct val="100000"/>
-              </a:lnSpc>
-              <a:spcBef>
-                <a:spcPts val="0"/>
-              </a:spcBef>
-              <a:spcAft>
-                <a:spcPts val="0"/>
-              </a:spcAft>
-              <a:buClr>
-                <a:srgbClr val="000000"/>
-              </a:buClr>
-              <a:buFont typeface="Arial"/>
-              <a:defRPr sz="1400" b="0" i="0" u="none" strike="noStrike" cap="none">
-                <a:solidFill>
-                  <a:srgbClr val="000000"/>
-                </a:solidFill>
-                <a:latin typeface="Arial"/>
-                <a:ea typeface="Arial"/>
-                <a:cs typeface="Arial"/>
-                <a:sym typeface="Arial"/>
-              </a:defRPr>
-            </a:lvl8pPr>
-            <a:lvl9pPr marR="0" lvl="8" algn="l" rtl="0">
-              <a:lnSpc>
-                <a:spcPct val="100000"/>
-              </a:lnSpc>
-              <a:spcBef>
-                <a:spcPts val="0"/>
-              </a:spcBef>
-              <a:spcAft>
-                <a:spcPts val="0"/>
-              </a:spcAft>
-              <a:buClr>
-                <a:srgbClr val="000000"/>
-              </a:buClr>
-              <a:buFont typeface="Arial"/>
-              <a:defRPr sz="1400" b="0" i="0" u="none" strike="noStrike" cap="none">
-                <a:solidFill>
-                  <a:srgbClr val="000000"/>
-                </a:solidFill>
-                <a:latin typeface="Arial"/>
-                <a:ea typeface="Arial"/>
-                <a:cs typeface="Arial"/>
-                <a:sym typeface="Arial"/>
-              </a:defRPr>
-            </a:lvl9pPr>
-          </a:lstStyle>
-          <a:p>
-            <a:r>
-              <a:rPr lang="es-CO" sz="4000" dirty="0"/>
-              <a:t>JUSTIFICACIÓN </a:t>
-            </a:r>
-            <a:endParaRPr lang="en-US" sz="4000" dirty="0"/>
-          </a:p>
-        </p:txBody>
-      </p:sp>
-    </p:spTree>
-    <p:extLst>
-      <p:ext uri="{BB962C8B-B14F-4D97-AF65-F5344CB8AC3E}">
-        <p14:creationId xmlns:p14="http://schemas.microsoft.com/office/powerpoint/2010/main" val="2273518025"/>
-      </p:ext>
-    </p:extLst>
-  </p:cSld>
-  <p:clrMapOvr>
-    <a:masterClrMapping/>
-  </p:clrMapOvr>
-  <p:timing>
-    <p:tnLst>
-      <p:par>
-        <p:cTn id="1" dur="indefinite" restart="never" nodeType="tmRoot"/>
-      </p:par>
-    </p:tnLst>
-  </p:timing>
-</p:sld>
-</file>
-
-<file path=ppt/slides/slide9.xml><?xml version="1.0" encoding="utf-8"?>
-<p:sld xmlns:a="http://schemas.openxmlformats.org/drawingml/2006/main" xmlns:r="http://schemas.openxmlformats.org/officeDocument/2006/relationships" xmlns:p="http://schemas.openxmlformats.org/presentationml/2006/main">
-  <p:cSld>
-    <p:spTree>
-      <p:nvGrpSpPr>
-        <p:cNvPr id="1" name=""/>
-        <p:cNvGrpSpPr/>
-        <p:nvPr/>
-      </p:nvGrpSpPr>
-      <p:grpSpPr>
-        <a:xfrm>
-          <a:off x="0" y="0"/>
-          <a:ext cx="0" cy="0"/>
-          <a:chOff x="0" y="0"/>
-          <a:chExt cx="0" cy="0"/>
-        </a:xfrm>
-      </p:grpSpPr>
-      <p:sp>
-        <p:nvSpPr>
-          <p:cNvPr id="3" name="Marcador de contenido 2">
-            <a:extLst>
-              <a:ext uri="{FF2B5EF4-FFF2-40B4-BE49-F238E27FC236}">
-                <a16:creationId xmlns:a16="http://schemas.microsoft.com/office/drawing/2014/main" id="{6229E2D1-951E-442E-9C0D-2B9014366BFB}"/>
-              </a:ext>
-            </a:extLst>
-          </p:cNvPr>
-          <p:cNvSpPr txBox="1">
-            <a:spLocks/>
-          </p:cNvSpPr>
-          <p:nvPr/>
-        </p:nvSpPr>
-        <p:spPr>
-          <a:xfrm>
-            <a:off x="275253" y="1173887"/>
-            <a:ext cx="8400974" cy="4389120"/>
-          </a:xfrm>
-          <a:prstGeom prst="rect">
-            <a:avLst/>
-          </a:prstGeom>
-        </p:spPr>
-        <p:txBody>
-          <a:bodyPr>
-            <a:noAutofit/>
-          </a:bodyPr>
-          <a:lstStyle>
-            <a:defPPr marR="0" lvl="0" algn="l" rtl="0">
-              <a:lnSpc>
-                <a:spcPct val="100000"/>
-              </a:lnSpc>
-              <a:spcBef>
-                <a:spcPts val="0"/>
-              </a:spcBef>
-              <a:spcAft>
-                <a:spcPts val="0"/>
-              </a:spcAft>
-            </a:defPPr>
-            <a:lvl1pPr marR="0" lvl="0" algn="l" rtl="0">
-              <a:lnSpc>
-                <a:spcPct val="100000"/>
-              </a:lnSpc>
-              <a:spcBef>
-                <a:spcPts val="0"/>
-              </a:spcBef>
-              <a:spcAft>
-                <a:spcPts val="0"/>
-              </a:spcAft>
-              <a:buClr>
-                <a:srgbClr val="000000"/>
-              </a:buClr>
-              <a:buFont typeface="Arial"/>
-              <a:defRPr sz="1400" b="0" i="0" u="none" strike="noStrike" cap="none">
-                <a:solidFill>
-                  <a:srgbClr val="000000"/>
-                </a:solidFill>
-                <a:latin typeface="Arial"/>
-                <a:ea typeface="Arial"/>
-                <a:cs typeface="Arial"/>
-                <a:sym typeface="Arial"/>
-              </a:defRPr>
-            </a:lvl1pPr>
-            <a:lvl2pPr marR="0" lvl="1" algn="l" rtl="0">
-              <a:lnSpc>
-                <a:spcPct val="100000"/>
-              </a:lnSpc>
-              <a:spcBef>
-                <a:spcPts val="0"/>
-              </a:spcBef>
-              <a:spcAft>
-                <a:spcPts val="0"/>
-              </a:spcAft>
-              <a:buClr>
-                <a:srgbClr val="000000"/>
-              </a:buClr>
-              <a:buFont typeface="Arial"/>
-              <a:defRPr sz="1400" b="0" i="0" u="none" strike="noStrike" cap="none">
-                <a:solidFill>
-                  <a:srgbClr val="000000"/>
-                </a:solidFill>
-                <a:latin typeface="Arial"/>
-                <a:ea typeface="Arial"/>
-                <a:cs typeface="Arial"/>
-                <a:sym typeface="Arial"/>
-              </a:defRPr>
-            </a:lvl2pPr>
-            <a:lvl3pPr marR="0" lvl="2" algn="l" rtl="0">
-              <a:lnSpc>
-                <a:spcPct val="100000"/>
-              </a:lnSpc>
-              <a:spcBef>
-                <a:spcPts val="0"/>
-              </a:spcBef>
-              <a:spcAft>
-                <a:spcPts val="0"/>
-              </a:spcAft>
-              <a:buClr>
-                <a:srgbClr val="000000"/>
-              </a:buClr>
-              <a:buFont typeface="Arial"/>
-              <a:defRPr sz="1400" b="0" i="0" u="none" strike="noStrike" cap="none">
-                <a:solidFill>
-                  <a:srgbClr val="000000"/>
-                </a:solidFill>
-                <a:latin typeface="Arial"/>
-                <a:ea typeface="Arial"/>
-                <a:cs typeface="Arial"/>
-                <a:sym typeface="Arial"/>
-              </a:defRPr>
-            </a:lvl3pPr>
-            <a:lvl4pPr marR="0" lvl="3" algn="l" rtl="0">
-              <a:lnSpc>
-                <a:spcPct val="100000"/>
-              </a:lnSpc>
-              <a:spcBef>
-                <a:spcPts val="0"/>
-              </a:spcBef>
-              <a:spcAft>
-                <a:spcPts val="0"/>
-              </a:spcAft>
-              <a:buClr>
-                <a:srgbClr val="000000"/>
-              </a:buClr>
-              <a:buFont typeface="Arial"/>
-              <a:defRPr sz="1400" b="0" i="0" u="none" strike="noStrike" cap="none">
-                <a:solidFill>
-                  <a:srgbClr val="000000"/>
-                </a:solidFill>
-                <a:latin typeface="Arial"/>
-                <a:ea typeface="Arial"/>
-                <a:cs typeface="Arial"/>
-                <a:sym typeface="Arial"/>
-              </a:defRPr>
-            </a:lvl4pPr>
-            <a:lvl5pPr marR="0" lvl="4" algn="l" rtl="0">
-              <a:lnSpc>
-                <a:spcPct val="100000"/>
-              </a:lnSpc>
-              <a:spcBef>
-                <a:spcPts val="0"/>
-              </a:spcBef>
-              <a:spcAft>
-                <a:spcPts val="0"/>
-              </a:spcAft>
-              <a:buClr>
-                <a:srgbClr val="000000"/>
-              </a:buClr>
-              <a:buFont typeface="Arial"/>
-              <a:defRPr sz="1400" b="0" i="0" u="none" strike="noStrike" cap="none">
-                <a:solidFill>
-                  <a:srgbClr val="000000"/>
-                </a:solidFill>
-                <a:latin typeface="Arial"/>
-                <a:ea typeface="Arial"/>
-                <a:cs typeface="Arial"/>
-                <a:sym typeface="Arial"/>
-              </a:defRPr>
-            </a:lvl5pPr>
-            <a:lvl6pPr marR="0" lvl="5" algn="l" rtl="0">
-              <a:lnSpc>
-                <a:spcPct val="100000"/>
-              </a:lnSpc>
-              <a:spcBef>
-                <a:spcPts val="0"/>
-              </a:spcBef>
-              <a:spcAft>
-                <a:spcPts val="0"/>
-              </a:spcAft>
-              <a:buClr>
-                <a:srgbClr val="000000"/>
-              </a:buClr>
-              <a:buFont typeface="Arial"/>
-              <a:defRPr sz="1400" b="0" i="0" u="none" strike="noStrike" cap="none">
-                <a:solidFill>
-                  <a:srgbClr val="000000"/>
-                </a:solidFill>
-                <a:latin typeface="Arial"/>
-                <a:ea typeface="Arial"/>
-                <a:cs typeface="Arial"/>
-                <a:sym typeface="Arial"/>
-              </a:defRPr>
-            </a:lvl6pPr>
-            <a:lvl7pPr marR="0" lvl="6" algn="l" rtl="0">
-              <a:lnSpc>
-                <a:spcPct val="100000"/>
-              </a:lnSpc>
-              <a:spcBef>
-                <a:spcPts val="0"/>
-              </a:spcBef>
-              <a:spcAft>
-                <a:spcPts val="0"/>
-              </a:spcAft>
-              <a:buClr>
-                <a:srgbClr val="000000"/>
-              </a:buClr>
-              <a:buFont typeface="Arial"/>
-              <a:defRPr sz="1400" b="0" i="0" u="none" strike="noStrike" cap="none">
-                <a:solidFill>
-                  <a:srgbClr val="000000"/>
-                </a:solidFill>
-                <a:latin typeface="Arial"/>
-                <a:ea typeface="Arial"/>
-                <a:cs typeface="Arial"/>
-                <a:sym typeface="Arial"/>
-              </a:defRPr>
-            </a:lvl7pPr>
-            <a:lvl8pPr marR="0" lvl="7" algn="l" rtl="0">
-              <a:lnSpc>
-                <a:spcPct val="100000"/>
-              </a:lnSpc>
-              <a:spcBef>
-                <a:spcPts val="0"/>
-              </a:spcBef>
-              <a:spcAft>
-                <a:spcPts val="0"/>
-              </a:spcAft>
-              <a:buClr>
-                <a:srgbClr val="000000"/>
-              </a:buClr>
-              <a:buFont typeface="Arial"/>
-              <a:defRPr sz="1400" b="0" i="0" u="none" strike="noStrike" cap="none">
-                <a:solidFill>
-                  <a:srgbClr val="000000"/>
-                </a:solidFill>
-                <a:latin typeface="Arial"/>
-                <a:ea typeface="Arial"/>
-                <a:cs typeface="Arial"/>
-                <a:sym typeface="Arial"/>
-              </a:defRPr>
-            </a:lvl8pPr>
-            <a:lvl9pPr marR="0" lvl="8" algn="l" rtl="0">
-              <a:lnSpc>
-                <a:spcPct val="100000"/>
-              </a:lnSpc>
-              <a:spcBef>
-                <a:spcPts val="0"/>
-              </a:spcBef>
-              <a:spcAft>
-                <a:spcPts val="0"/>
-              </a:spcAft>
-              <a:buClr>
-                <a:srgbClr val="000000"/>
-              </a:buClr>
-              <a:buFont typeface="Arial"/>
-              <a:defRPr sz="1400" b="0" i="0" u="none" strike="noStrike" cap="none">
-                <a:solidFill>
-                  <a:srgbClr val="000000"/>
-                </a:solidFill>
-                <a:latin typeface="Arial"/>
-                <a:ea typeface="Arial"/>
-                <a:cs typeface="Arial"/>
-                <a:sym typeface="Arial"/>
-              </a:defRPr>
-            </a:lvl9pPr>
-          </a:lstStyle>
-          <a:p>
-            <a:pPr algn="just"/>
-            <a:r>
-              <a:rPr lang="es-MX" sz="2800" dirty="0"/>
-              <a:t>Con este sistemas de información buscamos generar un fácil acceso al conocimiento del inventario, pudiendo llegar a saber en cuestión de segundos la materia prima disponible y así optimizando tiempo y dinero además llegar a plantear un paso a paso general en la creación del producto para los trabajadores nuevos, así su función se facilitara en gran medida.</a:t>
-            </a:r>
-          </a:p>
-        </p:txBody>
-      </p:sp>
-    </p:spTree>
-    <p:extLst>
-      <p:ext uri="{BB962C8B-B14F-4D97-AF65-F5344CB8AC3E}">
-        <p14:creationId xmlns:p14="http://schemas.microsoft.com/office/powerpoint/2010/main" val="2786191527"/>
-      </p:ext>
-    </p:extLst>
-  </p:cSld>
-  <p:clrMapOvr>
-    <a:masterClrMapping/>
-  </p:clrMapOvr>
-  <p:timing>
-    <p:tnLst>
-      <p:par>
-        <p:cTn id="1" dur="indefinite" restart="never" nodeType="tmRoot"/>
-      </p:par>
-    </p:tnLst>
-  </p:timing>
 </p:sld>
 </file>
 
